--- a/presentation/chicago_tickets_project_slides.pptx
+++ b/presentation/chicago_tickets_project_slides.pptx
@@ -51,7 +51,7 @@
       </p:grpSpPr>
       <p:sp>
         <p:nvSpPr>
-          <p:cNvPr id="84" name="PlaceHolder 1"/>
+          <p:cNvPr id="78" name="PlaceHolder 1"/>
           <p:cNvSpPr>
             <a:spLocks noGrp="1"/>
           </p:cNvSpPr>
@@ -61,8 +61,8 @@
         </p:nvSpPr>
         <p:spPr>
           <a:xfrm>
-            <a:off x="756000" y="5078520"/>
-            <a:ext cx="6047640" cy="4811040"/>
+            <a:off x="777240" y="4777560"/>
+            <a:ext cx="6217560" cy="4525920"/>
           </a:xfrm>
           <a:prstGeom prst="rect">
             <a:avLst/>
@@ -72,20 +72,20 @@
           <a:bodyPr lIns="0" rIns="0" tIns="0" bIns="0"/>
           <a:p>
             <a:r>
-              <a:rPr b="0" lang="en-US" sz="2810" spc="-1" strike="noStrike">
+              <a:rPr b="0" lang="en-US" sz="2000" spc="-1" strike="noStrike">
                 <a:latin typeface="Arial"/>
               </a:rPr>
               <a:t>Click to edit the notes format</a:t>
             </a:r>
-            <a:endParaRPr b="0" lang="en-US" sz="2810" spc="-1" strike="noStrike">
-              <a:latin typeface="Arial"/>
-            </a:endParaRPr>
-          </a:p>
-        </p:txBody>
-      </p:sp>
-      <p:sp>
-        <p:nvSpPr>
-          <p:cNvPr id="85" name="PlaceHolder 2"/>
+            <a:endParaRPr b="0" lang="en-US" sz="2000" spc="-1" strike="noStrike">
+              <a:latin typeface="Arial"/>
+            </a:endParaRPr>
+          </a:p>
+        </p:txBody>
+      </p:sp>
+      <p:sp>
+        <p:nvSpPr>
+          <p:cNvPr id="79" name="PlaceHolder 2"/>
           <p:cNvSpPr>
             <a:spLocks noGrp="1"/>
           </p:cNvSpPr>
@@ -96,7 +96,7 @@
         <p:spPr>
           <a:xfrm>
             <a:off x="0" y="0"/>
-            <a:ext cx="3280680" cy="534240"/>
+            <a:ext cx="3372840" cy="502560"/>
           </a:xfrm>
           <a:prstGeom prst="rect">
             <a:avLst/>
@@ -107,19 +107,19 @@
           <a:p>
             <a:r>
               <a:rPr b="0" lang="en-US" sz="1400" spc="-1" strike="noStrike">
-                <a:latin typeface="Open Sans"/>
+                <a:latin typeface="Times New Roman"/>
               </a:rPr>
               <a:t>&lt;header&gt;</a:t>
             </a:r>
             <a:endParaRPr b="0" lang="en-US" sz="1400" spc="-1" strike="noStrike">
-              <a:latin typeface="Open Sans"/>
-            </a:endParaRPr>
-          </a:p>
-        </p:txBody>
-      </p:sp>
-      <p:sp>
-        <p:nvSpPr>
-          <p:cNvPr id="86" name="PlaceHolder 3"/>
+              <a:latin typeface="Times New Roman"/>
+            </a:endParaRPr>
+          </a:p>
+        </p:txBody>
+      </p:sp>
+      <p:sp>
+        <p:nvSpPr>
+          <p:cNvPr id="80" name="PlaceHolder 3"/>
           <p:cNvSpPr>
             <a:spLocks noGrp="1"/>
           </p:cNvSpPr>
@@ -129,8 +129,8 @@
         </p:nvSpPr>
         <p:spPr>
           <a:xfrm>
-            <a:off x="4278960" y="0"/>
-            <a:ext cx="3280680" cy="534240"/>
+            <a:off x="4399200" y="0"/>
+            <a:ext cx="3372840" cy="502560"/>
           </a:xfrm>
           <a:prstGeom prst="rect">
             <a:avLst/>
@@ -142,19 +142,19 @@
             <a:pPr algn="r"/>
             <a:r>
               <a:rPr b="0" lang="en-US" sz="1400" spc="-1" strike="noStrike">
-                <a:latin typeface="Open Sans"/>
+                <a:latin typeface="Times New Roman"/>
               </a:rPr>
               <a:t>&lt;date/time&gt;</a:t>
             </a:r>
             <a:endParaRPr b="0" lang="en-US" sz="1400" spc="-1" strike="noStrike">
-              <a:latin typeface="Open Sans"/>
-            </a:endParaRPr>
-          </a:p>
-        </p:txBody>
-      </p:sp>
-      <p:sp>
-        <p:nvSpPr>
-          <p:cNvPr id="87" name="PlaceHolder 4"/>
+              <a:latin typeface="Times New Roman"/>
+            </a:endParaRPr>
+          </a:p>
+        </p:txBody>
+      </p:sp>
+      <p:sp>
+        <p:nvSpPr>
+          <p:cNvPr id="81" name="PlaceHolder 4"/>
           <p:cNvSpPr>
             <a:spLocks noGrp="1"/>
           </p:cNvSpPr>
@@ -164,8 +164,8 @@
         </p:nvSpPr>
         <p:spPr>
           <a:xfrm>
-            <a:off x="0" y="10157400"/>
-            <a:ext cx="3280680" cy="534240"/>
+            <a:off x="0" y="9555480"/>
+            <a:ext cx="3372840" cy="502560"/>
           </a:xfrm>
           <a:prstGeom prst="rect">
             <a:avLst/>
@@ -176,19 +176,19 @@
           <a:p>
             <a:r>
               <a:rPr b="0" lang="en-US" sz="1400" spc="-1" strike="noStrike">
-                <a:latin typeface="Open Sans"/>
+                <a:latin typeface="Times New Roman"/>
               </a:rPr>
               <a:t>&lt;footer&gt;</a:t>
             </a:r>
             <a:endParaRPr b="0" lang="en-US" sz="1400" spc="-1" strike="noStrike">
-              <a:latin typeface="Open Sans"/>
-            </a:endParaRPr>
-          </a:p>
-        </p:txBody>
-      </p:sp>
-      <p:sp>
-        <p:nvSpPr>
-          <p:cNvPr id="88" name="PlaceHolder 5"/>
+              <a:latin typeface="Times New Roman"/>
+            </a:endParaRPr>
+          </a:p>
+        </p:txBody>
+      </p:sp>
+      <p:sp>
+        <p:nvSpPr>
+          <p:cNvPr id="82" name="PlaceHolder 5"/>
           <p:cNvSpPr>
             <a:spLocks noGrp="1"/>
           </p:cNvSpPr>
@@ -198,8 +198,8 @@
         </p:nvSpPr>
         <p:spPr>
           <a:xfrm>
-            <a:off x="4278960" y="10157400"/>
-            <a:ext cx="3280680" cy="534240"/>
+            <a:off x="4399200" y="9555480"/>
+            <a:ext cx="3372840" cy="502560"/>
           </a:xfrm>
           <a:prstGeom prst="rect">
             <a:avLst/>
@@ -209,14 +209,14 @@
           <a:bodyPr lIns="0" rIns="0" tIns="0" bIns="0" anchor="b"/>
           <a:p>
             <a:pPr algn="r"/>
-            <a:fld id="{E51347DF-BFCB-451D-9FE5-823D2AB3A5E2}" type="slidenum">
+            <a:fld id="{ED044D57-B85A-4601-9F62-A8F8008CA4F3}" type="slidenum">
               <a:rPr b="0" lang="en-US" sz="1400" spc="-1" strike="noStrike">
-                <a:latin typeface="Open Sans"/>
+                <a:latin typeface="Times New Roman"/>
               </a:rPr>
               <a:t>&lt;number&gt;</a:t>
             </a:fld>
             <a:endParaRPr b="0" lang="en-US" sz="1400" spc="-1" strike="noStrike">
-              <a:latin typeface="Open Sans"/>
+              <a:latin typeface="Times New Roman"/>
             </a:endParaRPr>
           </a:p>
         </p:txBody>
@@ -246,7 +246,7 @@
       </p:grpSpPr>
       <p:sp>
         <p:nvSpPr>
-          <p:cNvPr id="131" name="PlaceHolder 1"/>
+          <p:cNvPr id="126" name="PlaceHolder 1"/>
           <p:cNvSpPr>
             <a:spLocks noGrp="1"/>
           </p:cNvSpPr>
@@ -257,7 +257,7 @@
         <p:spPr>
           <a:xfrm>
             <a:off x="756000" y="5078520"/>
-            <a:ext cx="6047640" cy="4811040"/>
+            <a:ext cx="6046920" cy="4810320"/>
           </a:xfrm>
           <a:prstGeom prst="rect">
             <a:avLst/>
@@ -313,7 +313,7 @@
       </p:grpSpPr>
       <p:sp>
         <p:nvSpPr>
-          <p:cNvPr id="140" name="PlaceHolder 1"/>
+          <p:cNvPr id="135" name="PlaceHolder 1"/>
           <p:cNvSpPr>
             <a:spLocks noGrp="1"/>
           </p:cNvSpPr>
@@ -324,7 +324,7 @@
         <p:spPr>
           <a:xfrm>
             <a:off x="756000" y="5078520"/>
-            <a:ext cx="6047640" cy="4811040"/>
+            <a:ext cx="6046920" cy="4810320"/>
           </a:xfrm>
           <a:prstGeom prst="rect">
             <a:avLst/>
@@ -385,7 +385,7 @@
       </p:grpSpPr>
       <p:sp>
         <p:nvSpPr>
-          <p:cNvPr id="141" name="PlaceHolder 1"/>
+          <p:cNvPr id="136" name="PlaceHolder 1"/>
           <p:cNvSpPr>
             <a:spLocks noGrp="1"/>
           </p:cNvSpPr>
@@ -396,7 +396,7 @@
         <p:spPr>
           <a:xfrm>
             <a:off x="756000" y="5078520"/>
-            <a:ext cx="6047640" cy="5666760"/>
+            <a:ext cx="6046920" cy="5382720"/>
           </a:xfrm>
           <a:prstGeom prst="rect">
             <a:avLst/>
@@ -409,7 +409,7 @@
               <a:rPr b="0" lang="en-US" sz="2000" spc="-1" strike="noStrike">
                 <a:latin typeface="Arial"/>
               </a:rPr>
-              <a:t>So I turned to hypothesis testing. Here I performed a difference in proportions hypothesis test. I took a window of tickets issued in the 6 months before and after a fine increase as my two samples and compared the proportion of tickets paid. A simplifying assumption is that the two samples are independent, but I would need to spend more time in my data checking that assumption, as some drivers receive multiple violations and make up a nontrivial proportion of the total tickets issued</a:t>
+              <a:t>So I turned to hypothesis testing. Here I performed a difference in proportions hypothesis test. I took a window of tickets issued in the 6 months before and after a fine increase as my two samples. A simplifying assumption is that the two samples are independent, but I would need to spend more time in my data checking that assumption, as some drivers receive multiple violations and make up a nontrivial proportion of the total tickets issued</a:t>
             </a:r>
             <a:r>
               <a:rPr b="0" lang="en-US" sz="2000" spc="-1" strike="noStrike">
@@ -427,6 +427,7 @@
             <a:r>
               <a:rPr b="0" lang="en-US" sz="2000" spc="-1" strike="noStrike">
                 <a:latin typeface="Arial"/>
+                <a:ea typeface="Microsoft YaHei"/>
               </a:rPr>
               <a:t>The difference in proportions test is a parametric test that relies on the Central Limit Theorem, which applies to my data as the windows capture a few hundred observations.</a:t>
             </a:r>
@@ -443,6 +444,7 @@
             <a:r>
               <a:rPr b="0" lang="en-US" sz="2000" spc="-1" strike="noStrike">
                 <a:latin typeface="Arial"/>
+                <a:ea typeface="Microsoft YaHei"/>
               </a:rPr>
               <a:t>Here I have sketched the calculations involved in the difference in proportions test.</a:t>
             </a:r>
@@ -476,7 +478,7 @@
       </p:grpSpPr>
       <p:sp>
         <p:nvSpPr>
-          <p:cNvPr id="142" name="PlaceHolder 1"/>
+          <p:cNvPr id="137" name="PlaceHolder 1"/>
           <p:cNvSpPr>
             <a:spLocks noGrp="1"/>
           </p:cNvSpPr>
@@ -487,7 +489,7 @@
         <p:spPr>
           <a:xfrm>
             <a:off x="756000" y="5078520"/>
-            <a:ext cx="6047640" cy="4811040"/>
+            <a:ext cx="6046920" cy="4810320"/>
           </a:xfrm>
           <a:prstGeom prst="rect">
             <a:avLst/>
@@ -530,13 +532,9 @@
           <a:p>
             <a:r>
               <a:rPr b="0" lang="en-US" sz="2000" spc="-1" strike="noStrike">
-                <a:solidFill>
-                  <a:srgbClr val="333333"/>
-                </a:solidFill>
-                <a:latin typeface="Open Sans"/>
-                <a:ea typeface="Microsoft YaHei"/>
-              </a:rPr>
-              <a:t>There is not enough evidence to reject the null hypothesis that raising ticket fines decreases payment probability. </a:t>
+                <a:latin typeface="Arial"/>
+              </a:rPr>
+              <a:t>I detected no association between raising fine amounts and the probability of violators paying their tickets.</a:t>
             </a:r>
             <a:endParaRPr b="0" lang="en-US" sz="2000" spc="-1" strike="noStrike">
               <a:latin typeface="Arial"/>
@@ -578,7 +576,7 @@
       </p:grpSpPr>
       <p:sp>
         <p:nvSpPr>
-          <p:cNvPr id="143" name="PlaceHolder 1"/>
+          <p:cNvPr id="138" name="PlaceHolder 1"/>
           <p:cNvSpPr>
             <a:spLocks noGrp="1"/>
           </p:cNvSpPr>
@@ -589,7 +587,7 @@
         <p:spPr>
           <a:xfrm>
             <a:off x="756000" y="5078520"/>
-            <a:ext cx="6047640" cy="4811040"/>
+            <a:ext cx="6046920" cy="4810320"/>
           </a:xfrm>
           <a:prstGeom prst="rect">
             <a:avLst/>
@@ -634,7 +632,7 @@
       </p:grpSpPr>
       <p:sp>
         <p:nvSpPr>
-          <p:cNvPr id="144" name="PlaceHolder 1"/>
+          <p:cNvPr id="139" name="PlaceHolder 1"/>
           <p:cNvSpPr>
             <a:spLocks noGrp="1"/>
           </p:cNvSpPr>
@@ -645,7 +643,7 @@
         <p:spPr>
           <a:xfrm>
             <a:off x="756000" y="5078520"/>
-            <a:ext cx="6047640" cy="4811040"/>
+            <a:ext cx="6046920" cy="4810320"/>
           </a:xfrm>
           <a:prstGeom prst="rect">
             <a:avLst/>
@@ -654,7 +652,10 @@
         <p:txBody>
           <a:bodyPr lIns="0" rIns="0" tIns="0" bIns="0"/>
           <a:p>
-            <a:pPr marL="216000">
+            <a:pPr marL="216000" indent="-215640">
+              <a:lnSpc>
+                <a:spcPct val="100000"/>
+              </a:lnSpc>
               <a:buClr>
                 <a:srgbClr val="000000"/>
               </a:buClr>
@@ -698,7 +699,7 @@
       </p:grpSpPr>
       <p:sp>
         <p:nvSpPr>
-          <p:cNvPr id="145" name="PlaceHolder 1"/>
+          <p:cNvPr id="140" name="PlaceHolder 1"/>
           <p:cNvSpPr>
             <a:spLocks noGrp="1"/>
           </p:cNvSpPr>
@@ -709,7 +710,7 @@
         <p:spPr>
           <a:xfrm>
             <a:off x="756000" y="5078520"/>
-            <a:ext cx="6047640" cy="4811040"/>
+            <a:ext cx="6046920" cy="4810320"/>
           </a:xfrm>
           <a:prstGeom prst="rect">
             <a:avLst/>
@@ -754,7 +755,7 @@
       </p:grpSpPr>
       <p:sp>
         <p:nvSpPr>
-          <p:cNvPr id="146" name="PlaceHolder 1"/>
+          <p:cNvPr id="141" name="PlaceHolder 1"/>
           <p:cNvSpPr>
             <a:spLocks noGrp="1"/>
           </p:cNvSpPr>
@@ -765,7 +766,7 @@
         <p:spPr>
           <a:xfrm>
             <a:off x="756000" y="5078520"/>
-            <a:ext cx="6047640" cy="4811040"/>
+            <a:ext cx="6046920" cy="4810320"/>
           </a:xfrm>
           <a:prstGeom prst="rect">
             <a:avLst/>
@@ -854,7 +855,7 @@
       </p:grpSpPr>
       <p:sp>
         <p:nvSpPr>
-          <p:cNvPr id="147" name="PlaceHolder 1"/>
+          <p:cNvPr id="142" name="PlaceHolder 1"/>
           <p:cNvSpPr>
             <a:spLocks noGrp="1"/>
           </p:cNvSpPr>
@@ -865,7 +866,7 @@
         <p:spPr>
           <a:xfrm>
             <a:off x="756000" y="5078520"/>
-            <a:ext cx="6047640" cy="4811040"/>
+            <a:ext cx="6046920" cy="4810320"/>
           </a:xfrm>
           <a:prstGeom prst="rect">
             <a:avLst/>
@@ -914,7 +915,7 @@
       </p:grpSpPr>
       <p:sp>
         <p:nvSpPr>
-          <p:cNvPr id="132" name="PlaceHolder 1"/>
+          <p:cNvPr id="127" name="PlaceHolder 1"/>
           <p:cNvSpPr>
             <a:spLocks noGrp="1"/>
           </p:cNvSpPr>
@@ -925,7 +926,7 @@
         <p:spPr>
           <a:xfrm>
             <a:off x="756000" y="5078520"/>
-            <a:ext cx="6047640" cy="4811040"/>
+            <a:ext cx="6046920" cy="4810320"/>
           </a:xfrm>
           <a:prstGeom prst="rect">
             <a:avLst/>
@@ -1002,7 +1003,7 @@
       </p:grpSpPr>
       <p:sp>
         <p:nvSpPr>
-          <p:cNvPr id="133" name="PlaceHolder 1"/>
+          <p:cNvPr id="128" name="PlaceHolder 1"/>
           <p:cNvSpPr>
             <a:spLocks noGrp="1"/>
           </p:cNvSpPr>
@@ -1013,7 +1014,7 @@
         <p:spPr>
           <a:xfrm>
             <a:off x="756000" y="5078520"/>
-            <a:ext cx="6047640" cy="4811040"/>
+            <a:ext cx="6046920" cy="4810320"/>
           </a:xfrm>
           <a:prstGeom prst="rect">
             <a:avLst/>
@@ -1074,7 +1075,7 @@
       </p:grpSpPr>
       <p:sp>
         <p:nvSpPr>
-          <p:cNvPr id="134" name="PlaceHolder 1"/>
+          <p:cNvPr id="129" name="PlaceHolder 1"/>
           <p:cNvSpPr>
             <a:spLocks noGrp="1"/>
           </p:cNvSpPr>
@@ -1085,7 +1086,7 @@
         <p:spPr>
           <a:xfrm>
             <a:off x="756000" y="5078520"/>
-            <a:ext cx="6047640" cy="4816800"/>
+            <a:ext cx="6046920" cy="4816080"/>
           </a:xfrm>
           <a:prstGeom prst="rect">
             <a:avLst/>
@@ -1189,7 +1190,7 @@
       </p:grpSpPr>
       <p:sp>
         <p:nvSpPr>
-          <p:cNvPr id="135" name="PlaceHolder 1"/>
+          <p:cNvPr id="130" name="PlaceHolder 1"/>
           <p:cNvSpPr>
             <a:spLocks noGrp="1"/>
           </p:cNvSpPr>
@@ -1200,7 +1201,7 @@
         <p:spPr>
           <a:xfrm>
             <a:off x="756000" y="5078520"/>
-            <a:ext cx="6047640" cy="4811040"/>
+            <a:ext cx="6046920" cy="4810320"/>
           </a:xfrm>
           <a:prstGeom prst="rect">
             <a:avLst/>
@@ -1268,7 +1269,7 @@
       </p:grpSpPr>
       <p:sp>
         <p:nvSpPr>
-          <p:cNvPr id="136" name="PlaceHolder 1"/>
+          <p:cNvPr id="131" name="PlaceHolder 1"/>
           <p:cNvSpPr>
             <a:spLocks noGrp="1"/>
           </p:cNvSpPr>
@@ -1279,7 +1280,7 @@
         <p:spPr>
           <a:xfrm>
             <a:off x="756000" y="5078520"/>
-            <a:ext cx="6047640" cy="4811040"/>
+            <a:ext cx="6046920" cy="4810320"/>
           </a:xfrm>
           <a:prstGeom prst="rect">
             <a:avLst/>
@@ -1340,7 +1341,7 @@
       </p:grpSpPr>
       <p:sp>
         <p:nvSpPr>
-          <p:cNvPr id="137" name="PlaceHolder 1"/>
+          <p:cNvPr id="132" name="PlaceHolder 1"/>
           <p:cNvSpPr>
             <a:spLocks noGrp="1"/>
           </p:cNvSpPr>
@@ -1351,7 +1352,7 @@
         <p:spPr>
           <a:xfrm>
             <a:off x="756000" y="5078520"/>
-            <a:ext cx="6047640" cy="4811040"/>
+            <a:ext cx="6046920" cy="4810320"/>
           </a:xfrm>
           <a:prstGeom prst="rect">
             <a:avLst/>
@@ -1444,7 +1445,7 @@
       </p:grpSpPr>
       <p:sp>
         <p:nvSpPr>
-          <p:cNvPr id="138" name="PlaceHolder 1"/>
+          <p:cNvPr id="133" name="PlaceHolder 1"/>
           <p:cNvSpPr>
             <a:spLocks noGrp="1"/>
           </p:cNvSpPr>
@@ -1455,7 +1456,7 @@
         <p:spPr>
           <a:xfrm>
             <a:off x="756000" y="5078520"/>
-            <a:ext cx="6047640" cy="4811040"/>
+            <a:ext cx="6046920" cy="4810320"/>
           </a:xfrm>
           <a:prstGeom prst="rect">
             <a:avLst/>
@@ -1500,7 +1501,7 @@
       </p:grpSpPr>
       <p:sp>
         <p:nvSpPr>
-          <p:cNvPr id="139" name="PlaceHolder 1"/>
+          <p:cNvPr id="134" name="PlaceHolder 1"/>
           <p:cNvSpPr>
             <a:spLocks noGrp="1"/>
           </p:cNvSpPr>
@@ -1511,7 +1512,7 @@
         <p:spPr>
           <a:xfrm>
             <a:off x="756000" y="5078520"/>
-            <a:ext cx="6047640" cy="4811040"/>
+            <a:ext cx="6046920" cy="4810320"/>
           </a:xfrm>
           <a:prstGeom prst="rect">
             <a:avLst/>
@@ -1594,7 +1595,7 @@
       </p:grpSpPr>
       <p:sp>
         <p:nvSpPr>
-          <p:cNvPr id="27" name="PlaceHolder 1"/>
+          <p:cNvPr id="24" name="PlaceHolder 1"/>
           <p:cNvSpPr>
             <a:spLocks noGrp="1"/>
           </p:cNvSpPr>
@@ -1604,8 +1605,8 @@
         </p:nvSpPr>
         <p:spPr>
           <a:xfrm>
-            <a:off x="720000" y="300960"/>
-            <a:ext cx="8855640" cy="1262520"/>
+            <a:off x="504000" y="301320"/>
+            <a:ext cx="9072000" cy="1261800"/>
           </a:xfrm>
           <a:prstGeom prst="rect">
             <a:avLst/>
@@ -1614,18 +1615,16 @@
         <p:txBody>
           <a:bodyPr lIns="0" rIns="0" tIns="0" bIns="0" anchor="ctr"/>
           <a:p>
-            <a:endParaRPr b="1" lang="en-US" sz="4400" spc="-1" strike="noStrike">
-              <a:solidFill>
-                <a:srgbClr val="333333"/>
-              </a:solidFill>
-              <a:latin typeface="Open Sans"/>
-            </a:endParaRPr>
-          </a:p>
-        </p:txBody>
-      </p:sp>
-      <p:sp>
-        <p:nvSpPr>
-          <p:cNvPr id="28" name="PlaceHolder 2"/>
+            <a:pPr algn="ctr"/>
+            <a:endParaRPr b="0" lang="en-US" sz="4400" spc="-1" strike="noStrike">
+              <a:latin typeface="Arial"/>
+            </a:endParaRPr>
+          </a:p>
+        </p:txBody>
+      </p:sp>
+      <p:sp>
+        <p:nvSpPr>
+          <p:cNvPr id="25" name="PlaceHolder 2"/>
           <p:cNvSpPr>
             <a:spLocks noGrp="1"/>
           </p:cNvSpPr>
@@ -1635,28 +1634,27 @@
         </p:nvSpPr>
         <p:spPr>
           <a:xfrm>
-            <a:off x="720000" y="2160000"/>
-            <a:ext cx="8640000" cy="2091240"/>
-          </a:xfrm>
-          <a:prstGeom prst="rect">
-            <a:avLst/>
-          </a:prstGeom>
-        </p:spPr>
-        <p:txBody>
-          <a:bodyPr lIns="0" rIns="0" tIns="0" bIns="0"/>
-          <a:p>
-            <a:endParaRPr b="0" lang="en-US" sz="2800" spc="-1" strike="noStrike">
-              <a:solidFill>
-                <a:srgbClr val="333333"/>
-              </a:solidFill>
-              <a:latin typeface="Open Sans"/>
-            </a:endParaRPr>
-          </a:p>
-        </p:txBody>
-      </p:sp>
-      <p:sp>
-        <p:nvSpPr>
-          <p:cNvPr id="29" name="PlaceHolder 3"/>
+            <a:off x="504000" y="1768680"/>
+            <a:ext cx="9072000" cy="2090880"/>
+          </a:xfrm>
+          <a:prstGeom prst="rect">
+            <a:avLst/>
+          </a:prstGeom>
+        </p:spPr>
+        <p:txBody>
+          <a:bodyPr lIns="0" rIns="0" tIns="0" bIns="0">
+            <a:normAutofit/>
+          </a:bodyPr>
+          <a:p>
+            <a:endParaRPr b="0" lang="en-US" sz="3200" spc="-1" strike="noStrike">
+              <a:latin typeface="Arial"/>
+            </a:endParaRPr>
+          </a:p>
+        </p:txBody>
+      </p:sp>
+      <p:sp>
+        <p:nvSpPr>
+          <p:cNvPr id="26" name="PlaceHolder 3"/>
           <p:cNvSpPr>
             <a:spLocks noGrp="1"/>
           </p:cNvSpPr>
@@ -1666,21 +1664,20 @@
         </p:nvSpPr>
         <p:spPr>
           <a:xfrm>
-            <a:off x="720000" y="4450320"/>
-            <a:ext cx="8640000" cy="2091240"/>
-          </a:xfrm>
-          <a:prstGeom prst="rect">
-            <a:avLst/>
-          </a:prstGeom>
-        </p:spPr>
-        <p:txBody>
-          <a:bodyPr lIns="0" rIns="0" tIns="0" bIns="0"/>
-          <a:p>
-            <a:endParaRPr b="0" lang="en-US" sz="2800" spc="-1" strike="noStrike">
-              <a:solidFill>
-                <a:srgbClr val="333333"/>
-              </a:solidFill>
-              <a:latin typeface="Open Sans"/>
+            <a:off x="504000" y="4058640"/>
+            <a:ext cx="9072000" cy="2090880"/>
+          </a:xfrm>
+          <a:prstGeom prst="rect">
+            <a:avLst/>
+          </a:prstGeom>
+        </p:spPr>
+        <p:txBody>
+          <a:bodyPr lIns="0" rIns="0" tIns="0" bIns="0">
+            <a:normAutofit/>
+          </a:bodyPr>
+          <a:p>
+            <a:endParaRPr b="0" lang="en-US" sz="3200" spc="-1" strike="noStrike">
+              <a:latin typeface="Arial"/>
             </a:endParaRPr>
           </a:p>
         </p:txBody>
@@ -1709,7 +1706,7 @@
       </p:grpSpPr>
       <p:sp>
         <p:nvSpPr>
-          <p:cNvPr id="30" name="PlaceHolder 1"/>
+          <p:cNvPr id="27" name="PlaceHolder 1"/>
           <p:cNvSpPr>
             <a:spLocks noGrp="1"/>
           </p:cNvSpPr>
@@ -1719,8 +1716,8 @@
         </p:nvSpPr>
         <p:spPr>
           <a:xfrm>
-            <a:off x="720000" y="300960"/>
-            <a:ext cx="8855640" cy="1262520"/>
+            <a:off x="504000" y="301320"/>
+            <a:ext cx="9072000" cy="1261800"/>
           </a:xfrm>
           <a:prstGeom prst="rect">
             <a:avLst/>
@@ -1729,18 +1726,16 @@
         <p:txBody>
           <a:bodyPr lIns="0" rIns="0" tIns="0" bIns="0" anchor="ctr"/>
           <a:p>
-            <a:endParaRPr b="1" lang="en-US" sz="4400" spc="-1" strike="noStrike">
-              <a:solidFill>
-                <a:srgbClr val="333333"/>
-              </a:solidFill>
-              <a:latin typeface="Open Sans"/>
-            </a:endParaRPr>
-          </a:p>
-        </p:txBody>
-      </p:sp>
-      <p:sp>
-        <p:nvSpPr>
-          <p:cNvPr id="31" name="PlaceHolder 2"/>
+            <a:pPr algn="ctr"/>
+            <a:endParaRPr b="0" lang="en-US" sz="4400" spc="-1" strike="noStrike">
+              <a:latin typeface="Arial"/>
+            </a:endParaRPr>
+          </a:p>
+        </p:txBody>
+      </p:sp>
+      <p:sp>
+        <p:nvSpPr>
+          <p:cNvPr id="28" name="PlaceHolder 2"/>
           <p:cNvSpPr>
             <a:spLocks noGrp="1"/>
           </p:cNvSpPr>
@@ -1750,28 +1745,27 @@
         </p:nvSpPr>
         <p:spPr>
           <a:xfrm>
-            <a:off x="720000" y="2160000"/>
-            <a:ext cx="4215960" cy="2091240"/>
-          </a:xfrm>
-          <a:prstGeom prst="rect">
-            <a:avLst/>
-          </a:prstGeom>
-        </p:spPr>
-        <p:txBody>
-          <a:bodyPr lIns="0" rIns="0" tIns="0" bIns="0"/>
-          <a:p>
-            <a:endParaRPr b="0" lang="en-US" sz="2800" spc="-1" strike="noStrike">
-              <a:solidFill>
-                <a:srgbClr val="333333"/>
-              </a:solidFill>
-              <a:latin typeface="Open Sans"/>
-            </a:endParaRPr>
-          </a:p>
-        </p:txBody>
-      </p:sp>
-      <p:sp>
-        <p:nvSpPr>
-          <p:cNvPr id="32" name="PlaceHolder 3"/>
+            <a:off x="504000" y="1768680"/>
+            <a:ext cx="4426920" cy="2090880"/>
+          </a:xfrm>
+          <a:prstGeom prst="rect">
+            <a:avLst/>
+          </a:prstGeom>
+        </p:spPr>
+        <p:txBody>
+          <a:bodyPr lIns="0" rIns="0" tIns="0" bIns="0">
+            <a:normAutofit/>
+          </a:bodyPr>
+          <a:p>
+            <a:endParaRPr b="0" lang="en-US" sz="3200" spc="-1" strike="noStrike">
+              <a:latin typeface="Arial"/>
+            </a:endParaRPr>
+          </a:p>
+        </p:txBody>
+      </p:sp>
+      <p:sp>
+        <p:nvSpPr>
+          <p:cNvPr id="29" name="PlaceHolder 3"/>
           <p:cNvSpPr>
             <a:spLocks noGrp="1"/>
           </p:cNvSpPr>
@@ -1781,28 +1775,27 @@
         </p:nvSpPr>
         <p:spPr>
           <a:xfrm>
-            <a:off x="5147280" y="2160000"/>
-            <a:ext cx="4215960" cy="2091240"/>
-          </a:xfrm>
-          <a:prstGeom prst="rect">
-            <a:avLst/>
-          </a:prstGeom>
-        </p:spPr>
-        <p:txBody>
-          <a:bodyPr lIns="0" rIns="0" tIns="0" bIns="0"/>
-          <a:p>
-            <a:endParaRPr b="0" lang="en-US" sz="2800" spc="-1" strike="noStrike">
-              <a:solidFill>
-                <a:srgbClr val="333333"/>
-              </a:solidFill>
-              <a:latin typeface="Open Sans"/>
-            </a:endParaRPr>
-          </a:p>
-        </p:txBody>
-      </p:sp>
-      <p:sp>
-        <p:nvSpPr>
-          <p:cNvPr id="33" name="PlaceHolder 4"/>
+            <a:off x="5152680" y="1768680"/>
+            <a:ext cx="4426920" cy="2090880"/>
+          </a:xfrm>
+          <a:prstGeom prst="rect">
+            <a:avLst/>
+          </a:prstGeom>
+        </p:spPr>
+        <p:txBody>
+          <a:bodyPr lIns="0" rIns="0" tIns="0" bIns="0">
+            <a:normAutofit/>
+          </a:bodyPr>
+          <a:p>
+            <a:endParaRPr b="0" lang="en-US" sz="3200" spc="-1" strike="noStrike">
+              <a:latin typeface="Arial"/>
+            </a:endParaRPr>
+          </a:p>
+        </p:txBody>
+      </p:sp>
+      <p:sp>
+        <p:nvSpPr>
+          <p:cNvPr id="30" name="PlaceHolder 4"/>
           <p:cNvSpPr>
             <a:spLocks noGrp="1"/>
           </p:cNvSpPr>
@@ -1812,28 +1805,27 @@
         </p:nvSpPr>
         <p:spPr>
           <a:xfrm>
-            <a:off x="5147280" y="4450320"/>
-            <a:ext cx="4215960" cy="2091240"/>
-          </a:xfrm>
-          <a:prstGeom prst="rect">
-            <a:avLst/>
-          </a:prstGeom>
-        </p:spPr>
-        <p:txBody>
-          <a:bodyPr lIns="0" rIns="0" tIns="0" bIns="0"/>
-          <a:p>
-            <a:endParaRPr b="0" lang="en-US" sz="2800" spc="-1" strike="noStrike">
-              <a:solidFill>
-                <a:srgbClr val="333333"/>
-              </a:solidFill>
-              <a:latin typeface="Open Sans"/>
-            </a:endParaRPr>
-          </a:p>
-        </p:txBody>
-      </p:sp>
-      <p:sp>
-        <p:nvSpPr>
-          <p:cNvPr id="34" name="PlaceHolder 5"/>
+            <a:off x="5152680" y="4058640"/>
+            <a:ext cx="4426920" cy="2090880"/>
+          </a:xfrm>
+          <a:prstGeom prst="rect">
+            <a:avLst/>
+          </a:prstGeom>
+        </p:spPr>
+        <p:txBody>
+          <a:bodyPr lIns="0" rIns="0" tIns="0" bIns="0">
+            <a:normAutofit/>
+          </a:bodyPr>
+          <a:p>
+            <a:endParaRPr b="0" lang="en-US" sz="3200" spc="-1" strike="noStrike">
+              <a:latin typeface="Arial"/>
+            </a:endParaRPr>
+          </a:p>
+        </p:txBody>
+      </p:sp>
+      <p:sp>
+        <p:nvSpPr>
+          <p:cNvPr id="31" name="PlaceHolder 5"/>
           <p:cNvSpPr>
             <a:spLocks noGrp="1"/>
           </p:cNvSpPr>
@@ -1843,21 +1835,20 @@
         </p:nvSpPr>
         <p:spPr>
           <a:xfrm>
-            <a:off x="720000" y="4450320"/>
-            <a:ext cx="4215960" cy="2091240"/>
-          </a:xfrm>
-          <a:prstGeom prst="rect">
-            <a:avLst/>
-          </a:prstGeom>
-        </p:spPr>
-        <p:txBody>
-          <a:bodyPr lIns="0" rIns="0" tIns="0" bIns="0"/>
-          <a:p>
-            <a:endParaRPr b="0" lang="en-US" sz="2800" spc="-1" strike="noStrike">
-              <a:solidFill>
-                <a:srgbClr val="333333"/>
-              </a:solidFill>
-              <a:latin typeface="Open Sans"/>
+            <a:off x="504000" y="4058640"/>
+            <a:ext cx="4426920" cy="2090880"/>
+          </a:xfrm>
+          <a:prstGeom prst="rect">
+            <a:avLst/>
+          </a:prstGeom>
+        </p:spPr>
+        <p:txBody>
+          <a:bodyPr lIns="0" rIns="0" tIns="0" bIns="0">
+            <a:normAutofit/>
+          </a:bodyPr>
+          <a:p>
+            <a:endParaRPr b="0" lang="en-US" sz="3200" spc="-1" strike="noStrike">
+              <a:latin typeface="Arial"/>
             </a:endParaRPr>
           </a:p>
         </p:txBody>
@@ -1886,7 +1877,7 @@
       </p:grpSpPr>
       <p:sp>
         <p:nvSpPr>
-          <p:cNvPr id="35" name="PlaceHolder 1"/>
+          <p:cNvPr id="32" name="PlaceHolder 1"/>
           <p:cNvSpPr>
             <a:spLocks noGrp="1"/>
           </p:cNvSpPr>
@@ -1896,8 +1887,8 @@
         </p:nvSpPr>
         <p:spPr>
           <a:xfrm>
-            <a:off x="720000" y="300960"/>
-            <a:ext cx="8855640" cy="1262520"/>
+            <a:off x="504000" y="301320"/>
+            <a:ext cx="9072000" cy="1261800"/>
           </a:xfrm>
           <a:prstGeom prst="rect">
             <a:avLst/>
@@ -1906,18 +1897,16 @@
         <p:txBody>
           <a:bodyPr lIns="0" rIns="0" tIns="0" bIns="0" anchor="ctr"/>
           <a:p>
-            <a:endParaRPr b="1" lang="en-US" sz="4400" spc="-1" strike="noStrike">
-              <a:solidFill>
-                <a:srgbClr val="333333"/>
-              </a:solidFill>
-              <a:latin typeface="Open Sans"/>
-            </a:endParaRPr>
-          </a:p>
-        </p:txBody>
-      </p:sp>
-      <p:sp>
-        <p:nvSpPr>
-          <p:cNvPr id="36" name="PlaceHolder 2"/>
+            <a:pPr algn="ctr"/>
+            <a:endParaRPr b="0" lang="en-US" sz="4400" spc="-1" strike="noStrike">
+              <a:latin typeface="Arial"/>
+            </a:endParaRPr>
+          </a:p>
+        </p:txBody>
+      </p:sp>
+      <p:sp>
+        <p:nvSpPr>
+          <p:cNvPr id="33" name="PlaceHolder 2"/>
           <p:cNvSpPr>
             <a:spLocks noGrp="1"/>
           </p:cNvSpPr>
@@ -1927,28 +1916,27 @@
         </p:nvSpPr>
         <p:spPr>
           <a:xfrm>
-            <a:off x="720000" y="2160000"/>
-            <a:ext cx="2781720" cy="2091240"/>
-          </a:xfrm>
-          <a:prstGeom prst="rect">
-            <a:avLst/>
-          </a:prstGeom>
-        </p:spPr>
-        <p:txBody>
-          <a:bodyPr lIns="0" rIns="0" tIns="0" bIns="0"/>
-          <a:p>
-            <a:endParaRPr b="0" lang="en-US" sz="2800" spc="-1" strike="noStrike">
-              <a:solidFill>
-                <a:srgbClr val="333333"/>
-              </a:solidFill>
-              <a:latin typeface="Open Sans"/>
-            </a:endParaRPr>
-          </a:p>
-        </p:txBody>
-      </p:sp>
-      <p:sp>
-        <p:nvSpPr>
-          <p:cNvPr id="37" name="PlaceHolder 3"/>
+            <a:off x="504000" y="1768680"/>
+            <a:ext cx="2921040" cy="2090880"/>
+          </a:xfrm>
+          <a:prstGeom prst="rect">
+            <a:avLst/>
+          </a:prstGeom>
+        </p:spPr>
+        <p:txBody>
+          <a:bodyPr lIns="0" rIns="0" tIns="0" bIns="0">
+            <a:normAutofit/>
+          </a:bodyPr>
+          <a:p>
+            <a:endParaRPr b="0" lang="en-US" sz="3200" spc="-1" strike="noStrike">
+              <a:latin typeface="Arial"/>
+            </a:endParaRPr>
+          </a:p>
+        </p:txBody>
+      </p:sp>
+      <p:sp>
+        <p:nvSpPr>
+          <p:cNvPr id="34" name="PlaceHolder 3"/>
           <p:cNvSpPr>
             <a:spLocks noGrp="1"/>
           </p:cNvSpPr>
@@ -1958,28 +1946,27 @@
         </p:nvSpPr>
         <p:spPr>
           <a:xfrm>
-            <a:off x="3641040" y="2160000"/>
-            <a:ext cx="2781720" cy="2091240"/>
-          </a:xfrm>
-          <a:prstGeom prst="rect">
-            <a:avLst/>
-          </a:prstGeom>
-        </p:spPr>
-        <p:txBody>
-          <a:bodyPr lIns="0" rIns="0" tIns="0" bIns="0"/>
-          <a:p>
-            <a:endParaRPr b="0" lang="en-US" sz="2800" spc="-1" strike="noStrike">
-              <a:solidFill>
-                <a:srgbClr val="333333"/>
-              </a:solidFill>
-              <a:latin typeface="Open Sans"/>
-            </a:endParaRPr>
-          </a:p>
-        </p:txBody>
-      </p:sp>
-      <p:sp>
-        <p:nvSpPr>
-          <p:cNvPr id="38" name="PlaceHolder 4"/>
+            <a:off x="3571560" y="1768680"/>
+            <a:ext cx="2921040" cy="2090880"/>
+          </a:xfrm>
+          <a:prstGeom prst="rect">
+            <a:avLst/>
+          </a:prstGeom>
+        </p:spPr>
+        <p:txBody>
+          <a:bodyPr lIns="0" rIns="0" tIns="0" bIns="0">
+            <a:normAutofit/>
+          </a:bodyPr>
+          <a:p>
+            <a:endParaRPr b="0" lang="en-US" sz="3200" spc="-1" strike="noStrike">
+              <a:latin typeface="Arial"/>
+            </a:endParaRPr>
+          </a:p>
+        </p:txBody>
+      </p:sp>
+      <p:sp>
+        <p:nvSpPr>
+          <p:cNvPr id="35" name="PlaceHolder 4"/>
           <p:cNvSpPr>
             <a:spLocks noGrp="1"/>
           </p:cNvSpPr>
@@ -1989,28 +1976,27 @@
         </p:nvSpPr>
         <p:spPr>
           <a:xfrm>
-            <a:off x="6562440" y="2160000"/>
-            <a:ext cx="2781720" cy="2091240"/>
-          </a:xfrm>
-          <a:prstGeom prst="rect">
-            <a:avLst/>
-          </a:prstGeom>
-        </p:spPr>
-        <p:txBody>
-          <a:bodyPr lIns="0" rIns="0" tIns="0" bIns="0"/>
-          <a:p>
-            <a:endParaRPr b="0" lang="en-US" sz="2800" spc="-1" strike="noStrike">
-              <a:solidFill>
-                <a:srgbClr val="333333"/>
-              </a:solidFill>
-              <a:latin typeface="Open Sans"/>
-            </a:endParaRPr>
-          </a:p>
-        </p:txBody>
-      </p:sp>
-      <p:sp>
-        <p:nvSpPr>
-          <p:cNvPr id="39" name="PlaceHolder 5"/>
+            <a:off x="6639120" y="1768680"/>
+            <a:ext cx="2921040" cy="2090880"/>
+          </a:xfrm>
+          <a:prstGeom prst="rect">
+            <a:avLst/>
+          </a:prstGeom>
+        </p:spPr>
+        <p:txBody>
+          <a:bodyPr lIns="0" rIns="0" tIns="0" bIns="0">
+            <a:normAutofit/>
+          </a:bodyPr>
+          <a:p>
+            <a:endParaRPr b="0" lang="en-US" sz="3200" spc="-1" strike="noStrike">
+              <a:latin typeface="Arial"/>
+            </a:endParaRPr>
+          </a:p>
+        </p:txBody>
+      </p:sp>
+      <p:sp>
+        <p:nvSpPr>
+          <p:cNvPr id="36" name="PlaceHolder 5"/>
           <p:cNvSpPr>
             <a:spLocks noGrp="1"/>
           </p:cNvSpPr>
@@ -2020,28 +2006,27 @@
         </p:nvSpPr>
         <p:spPr>
           <a:xfrm>
-            <a:off x="6562440" y="4450320"/>
-            <a:ext cx="2781720" cy="2091240"/>
-          </a:xfrm>
-          <a:prstGeom prst="rect">
-            <a:avLst/>
-          </a:prstGeom>
-        </p:spPr>
-        <p:txBody>
-          <a:bodyPr lIns="0" rIns="0" tIns="0" bIns="0"/>
-          <a:p>
-            <a:endParaRPr b="0" lang="en-US" sz="2800" spc="-1" strike="noStrike">
-              <a:solidFill>
-                <a:srgbClr val="333333"/>
-              </a:solidFill>
-              <a:latin typeface="Open Sans"/>
-            </a:endParaRPr>
-          </a:p>
-        </p:txBody>
-      </p:sp>
-      <p:sp>
-        <p:nvSpPr>
-          <p:cNvPr id="40" name="PlaceHolder 6"/>
+            <a:off x="6639120" y="4058640"/>
+            <a:ext cx="2921040" cy="2090880"/>
+          </a:xfrm>
+          <a:prstGeom prst="rect">
+            <a:avLst/>
+          </a:prstGeom>
+        </p:spPr>
+        <p:txBody>
+          <a:bodyPr lIns="0" rIns="0" tIns="0" bIns="0">
+            <a:normAutofit/>
+          </a:bodyPr>
+          <a:p>
+            <a:endParaRPr b="0" lang="en-US" sz="3200" spc="-1" strike="noStrike">
+              <a:latin typeface="Arial"/>
+            </a:endParaRPr>
+          </a:p>
+        </p:txBody>
+      </p:sp>
+      <p:sp>
+        <p:nvSpPr>
+          <p:cNvPr id="37" name="PlaceHolder 6"/>
           <p:cNvSpPr>
             <a:spLocks noGrp="1"/>
           </p:cNvSpPr>
@@ -2051,28 +2036,27 @@
         </p:nvSpPr>
         <p:spPr>
           <a:xfrm>
-            <a:off x="3641040" y="4450320"/>
-            <a:ext cx="2781720" cy="2091240"/>
-          </a:xfrm>
-          <a:prstGeom prst="rect">
-            <a:avLst/>
-          </a:prstGeom>
-        </p:spPr>
-        <p:txBody>
-          <a:bodyPr lIns="0" rIns="0" tIns="0" bIns="0"/>
-          <a:p>
-            <a:endParaRPr b="0" lang="en-US" sz="2800" spc="-1" strike="noStrike">
-              <a:solidFill>
-                <a:srgbClr val="333333"/>
-              </a:solidFill>
-              <a:latin typeface="Open Sans"/>
-            </a:endParaRPr>
-          </a:p>
-        </p:txBody>
-      </p:sp>
-      <p:sp>
-        <p:nvSpPr>
-          <p:cNvPr id="41" name="PlaceHolder 7"/>
+            <a:off x="3571560" y="4058640"/>
+            <a:ext cx="2921040" cy="2090880"/>
+          </a:xfrm>
+          <a:prstGeom prst="rect">
+            <a:avLst/>
+          </a:prstGeom>
+        </p:spPr>
+        <p:txBody>
+          <a:bodyPr lIns="0" rIns="0" tIns="0" bIns="0">
+            <a:normAutofit/>
+          </a:bodyPr>
+          <a:p>
+            <a:endParaRPr b="0" lang="en-US" sz="3200" spc="-1" strike="noStrike">
+              <a:latin typeface="Arial"/>
+            </a:endParaRPr>
+          </a:p>
+        </p:txBody>
+      </p:sp>
+      <p:sp>
+        <p:nvSpPr>
+          <p:cNvPr id="38" name="PlaceHolder 7"/>
           <p:cNvSpPr>
             <a:spLocks noGrp="1"/>
           </p:cNvSpPr>
@@ -2082,21 +2066,20 @@
         </p:nvSpPr>
         <p:spPr>
           <a:xfrm>
-            <a:off x="720000" y="4450320"/>
-            <a:ext cx="2781720" cy="2091240"/>
-          </a:xfrm>
-          <a:prstGeom prst="rect">
-            <a:avLst/>
-          </a:prstGeom>
-        </p:spPr>
-        <p:txBody>
-          <a:bodyPr lIns="0" rIns="0" tIns="0" bIns="0"/>
-          <a:p>
-            <a:endParaRPr b="0" lang="en-US" sz="2800" spc="-1" strike="noStrike">
-              <a:solidFill>
-                <a:srgbClr val="333333"/>
-              </a:solidFill>
-              <a:latin typeface="Open Sans"/>
+            <a:off x="504000" y="4058640"/>
+            <a:ext cx="2921040" cy="2090880"/>
+          </a:xfrm>
+          <a:prstGeom prst="rect">
+            <a:avLst/>
+          </a:prstGeom>
+        </p:spPr>
+        <p:txBody>
+          <a:bodyPr lIns="0" rIns="0" tIns="0" bIns="0">
+            <a:normAutofit/>
+          </a:bodyPr>
+          <a:p>
+            <a:endParaRPr b="0" lang="en-US" sz="3200" spc="-1" strike="noStrike">
+              <a:latin typeface="Arial"/>
             </a:endParaRPr>
           </a:p>
         </p:txBody>
@@ -2147,7 +2130,7 @@
       </p:grpSpPr>
       <p:sp>
         <p:nvSpPr>
-          <p:cNvPr id="48" name="PlaceHolder 1"/>
+          <p:cNvPr id="42" name="PlaceHolder 1"/>
           <p:cNvSpPr>
             <a:spLocks noGrp="1"/>
           </p:cNvSpPr>
@@ -2157,8 +2140,8 @@
         </p:nvSpPr>
         <p:spPr>
           <a:xfrm>
-            <a:off x="720000" y="300960"/>
-            <a:ext cx="8855640" cy="1262520"/>
+            <a:off x="504000" y="301320"/>
+            <a:ext cx="9072000" cy="1261800"/>
           </a:xfrm>
           <a:prstGeom prst="rect">
             <a:avLst/>
@@ -2167,18 +2150,16 @@
         <p:txBody>
           <a:bodyPr lIns="0" rIns="0" tIns="0" bIns="0" anchor="ctr"/>
           <a:p>
-            <a:endParaRPr b="1" lang="en-US" sz="4400" spc="-1" strike="noStrike">
-              <a:solidFill>
-                <a:srgbClr val="333333"/>
-              </a:solidFill>
-              <a:latin typeface="Open Sans"/>
-            </a:endParaRPr>
-          </a:p>
-        </p:txBody>
-      </p:sp>
-      <p:sp>
-        <p:nvSpPr>
-          <p:cNvPr id="49" name="PlaceHolder 2"/>
+            <a:pPr algn="ctr"/>
+            <a:endParaRPr b="0" lang="en-US" sz="4400" spc="-1" strike="noStrike">
+              <a:latin typeface="Arial"/>
+            </a:endParaRPr>
+          </a:p>
+        </p:txBody>
+      </p:sp>
+      <p:sp>
+        <p:nvSpPr>
+          <p:cNvPr id="43" name="PlaceHolder 2"/>
           <p:cNvSpPr>
             <a:spLocks noGrp="1"/>
           </p:cNvSpPr>
@@ -2188,8 +2169,8 @@
         </p:nvSpPr>
         <p:spPr>
           <a:xfrm>
-            <a:off x="720000" y="2160000"/>
-            <a:ext cx="8640000" cy="4384800"/>
+            <a:off x="504000" y="1768680"/>
+            <a:ext cx="9072000" cy="4384080"/>
           </a:xfrm>
           <a:prstGeom prst="rect">
             <a:avLst/>
@@ -2229,7 +2210,7 @@
       </p:grpSpPr>
       <p:sp>
         <p:nvSpPr>
-          <p:cNvPr id="50" name="PlaceHolder 1"/>
+          <p:cNvPr id="44" name="PlaceHolder 1"/>
           <p:cNvSpPr>
             <a:spLocks noGrp="1"/>
           </p:cNvSpPr>
@@ -2239,8 +2220,8 @@
         </p:nvSpPr>
         <p:spPr>
           <a:xfrm>
-            <a:off x="720000" y="300960"/>
-            <a:ext cx="8855640" cy="1262520"/>
+            <a:off x="504000" y="301320"/>
+            <a:ext cx="9072000" cy="1261800"/>
           </a:xfrm>
           <a:prstGeom prst="rect">
             <a:avLst/>
@@ -2249,18 +2230,16 @@
         <p:txBody>
           <a:bodyPr lIns="0" rIns="0" tIns="0" bIns="0" anchor="ctr"/>
           <a:p>
-            <a:endParaRPr b="1" lang="en-US" sz="4400" spc="-1" strike="noStrike">
-              <a:solidFill>
-                <a:srgbClr val="333333"/>
-              </a:solidFill>
-              <a:latin typeface="Open Sans"/>
-            </a:endParaRPr>
-          </a:p>
-        </p:txBody>
-      </p:sp>
-      <p:sp>
-        <p:nvSpPr>
-          <p:cNvPr id="51" name="PlaceHolder 2"/>
+            <a:pPr algn="ctr"/>
+            <a:endParaRPr b="0" lang="en-US" sz="4400" spc="-1" strike="noStrike">
+              <a:latin typeface="Arial"/>
+            </a:endParaRPr>
+          </a:p>
+        </p:txBody>
+      </p:sp>
+      <p:sp>
+        <p:nvSpPr>
+          <p:cNvPr id="45" name="PlaceHolder 2"/>
           <p:cNvSpPr>
             <a:spLocks noGrp="1"/>
           </p:cNvSpPr>
@@ -2270,21 +2249,20 @@
         </p:nvSpPr>
         <p:spPr>
           <a:xfrm>
-            <a:off x="720000" y="2160000"/>
-            <a:ext cx="8640000" cy="4384800"/>
-          </a:xfrm>
-          <a:prstGeom prst="rect">
-            <a:avLst/>
-          </a:prstGeom>
-        </p:spPr>
-        <p:txBody>
-          <a:bodyPr lIns="0" rIns="0" tIns="0" bIns="0"/>
-          <a:p>
-            <a:endParaRPr b="0" lang="en-US" sz="2800" spc="-1" strike="noStrike">
-              <a:solidFill>
-                <a:srgbClr val="333333"/>
-              </a:solidFill>
-              <a:latin typeface="Open Sans"/>
+            <a:off x="504000" y="1768680"/>
+            <a:ext cx="9072000" cy="4384080"/>
+          </a:xfrm>
+          <a:prstGeom prst="rect">
+            <a:avLst/>
+          </a:prstGeom>
+        </p:spPr>
+        <p:txBody>
+          <a:bodyPr lIns="0" rIns="0" tIns="0" bIns="0">
+            <a:normAutofit/>
+          </a:bodyPr>
+          <a:p>
+            <a:endParaRPr b="0" lang="en-US" sz="3200" spc="-1" strike="noStrike">
+              <a:latin typeface="Arial"/>
             </a:endParaRPr>
           </a:p>
         </p:txBody>
@@ -2313,7 +2291,7 @@
       </p:grpSpPr>
       <p:sp>
         <p:nvSpPr>
-          <p:cNvPr id="52" name="PlaceHolder 1"/>
+          <p:cNvPr id="46" name="PlaceHolder 1"/>
           <p:cNvSpPr>
             <a:spLocks noGrp="1"/>
           </p:cNvSpPr>
@@ -2323,8 +2301,8 @@
         </p:nvSpPr>
         <p:spPr>
           <a:xfrm>
-            <a:off x="720000" y="300960"/>
-            <a:ext cx="8855640" cy="1262520"/>
+            <a:off x="504000" y="301320"/>
+            <a:ext cx="9072000" cy="1261800"/>
           </a:xfrm>
           <a:prstGeom prst="rect">
             <a:avLst/>
@@ -2333,18 +2311,16 @@
         <p:txBody>
           <a:bodyPr lIns="0" rIns="0" tIns="0" bIns="0" anchor="ctr"/>
           <a:p>
-            <a:endParaRPr b="1" lang="en-US" sz="4400" spc="-1" strike="noStrike">
-              <a:solidFill>
-                <a:srgbClr val="333333"/>
-              </a:solidFill>
-              <a:latin typeface="Open Sans"/>
-            </a:endParaRPr>
-          </a:p>
-        </p:txBody>
-      </p:sp>
-      <p:sp>
-        <p:nvSpPr>
-          <p:cNvPr id="53" name="PlaceHolder 2"/>
+            <a:pPr algn="ctr"/>
+            <a:endParaRPr b="0" lang="en-US" sz="4400" spc="-1" strike="noStrike">
+              <a:latin typeface="Arial"/>
+            </a:endParaRPr>
+          </a:p>
+        </p:txBody>
+      </p:sp>
+      <p:sp>
+        <p:nvSpPr>
+          <p:cNvPr id="47" name="PlaceHolder 2"/>
           <p:cNvSpPr>
             <a:spLocks noGrp="1"/>
           </p:cNvSpPr>
@@ -2354,28 +2330,27 @@
         </p:nvSpPr>
         <p:spPr>
           <a:xfrm>
-            <a:off x="720000" y="2160000"/>
-            <a:ext cx="4215960" cy="4384800"/>
-          </a:xfrm>
-          <a:prstGeom prst="rect">
-            <a:avLst/>
-          </a:prstGeom>
-        </p:spPr>
-        <p:txBody>
-          <a:bodyPr lIns="0" rIns="0" tIns="0" bIns="0"/>
-          <a:p>
-            <a:endParaRPr b="0" lang="en-US" sz="2800" spc="-1" strike="noStrike">
-              <a:solidFill>
-                <a:srgbClr val="333333"/>
-              </a:solidFill>
-              <a:latin typeface="Open Sans"/>
-            </a:endParaRPr>
-          </a:p>
-        </p:txBody>
-      </p:sp>
-      <p:sp>
-        <p:nvSpPr>
-          <p:cNvPr id="54" name="PlaceHolder 3"/>
+            <a:off x="504000" y="1768680"/>
+            <a:ext cx="4426920" cy="4384080"/>
+          </a:xfrm>
+          <a:prstGeom prst="rect">
+            <a:avLst/>
+          </a:prstGeom>
+        </p:spPr>
+        <p:txBody>
+          <a:bodyPr lIns="0" rIns="0" tIns="0" bIns="0">
+            <a:normAutofit/>
+          </a:bodyPr>
+          <a:p>
+            <a:endParaRPr b="0" lang="en-US" sz="3200" spc="-1" strike="noStrike">
+              <a:latin typeface="Arial"/>
+            </a:endParaRPr>
+          </a:p>
+        </p:txBody>
+      </p:sp>
+      <p:sp>
+        <p:nvSpPr>
+          <p:cNvPr id="48" name="PlaceHolder 3"/>
           <p:cNvSpPr>
             <a:spLocks noGrp="1"/>
           </p:cNvSpPr>
@@ -2385,21 +2360,20 @@
         </p:nvSpPr>
         <p:spPr>
           <a:xfrm>
-            <a:off x="5147280" y="2160000"/>
-            <a:ext cx="4215960" cy="4384800"/>
-          </a:xfrm>
-          <a:prstGeom prst="rect">
-            <a:avLst/>
-          </a:prstGeom>
-        </p:spPr>
-        <p:txBody>
-          <a:bodyPr lIns="0" rIns="0" tIns="0" bIns="0"/>
-          <a:p>
-            <a:endParaRPr b="0" lang="en-US" sz="2800" spc="-1" strike="noStrike">
-              <a:solidFill>
-                <a:srgbClr val="333333"/>
-              </a:solidFill>
-              <a:latin typeface="Open Sans"/>
+            <a:off x="5152680" y="1768680"/>
+            <a:ext cx="4426920" cy="4384080"/>
+          </a:xfrm>
+          <a:prstGeom prst="rect">
+            <a:avLst/>
+          </a:prstGeom>
+        </p:spPr>
+        <p:txBody>
+          <a:bodyPr lIns="0" rIns="0" tIns="0" bIns="0">
+            <a:normAutofit/>
+          </a:bodyPr>
+          <a:p>
+            <a:endParaRPr b="0" lang="en-US" sz="3200" spc="-1" strike="noStrike">
+              <a:latin typeface="Arial"/>
             </a:endParaRPr>
           </a:p>
         </p:txBody>
@@ -2428,7 +2402,7 @@
       </p:grpSpPr>
       <p:sp>
         <p:nvSpPr>
-          <p:cNvPr id="55" name="PlaceHolder 1"/>
+          <p:cNvPr id="49" name="PlaceHolder 1"/>
           <p:cNvSpPr>
             <a:spLocks noGrp="1"/>
           </p:cNvSpPr>
@@ -2438,8 +2412,8 @@
         </p:nvSpPr>
         <p:spPr>
           <a:xfrm>
-            <a:off x="720000" y="300960"/>
-            <a:ext cx="8855640" cy="1262520"/>
+            <a:off x="504000" y="301320"/>
+            <a:ext cx="9072000" cy="1261800"/>
           </a:xfrm>
           <a:prstGeom prst="rect">
             <a:avLst/>
@@ -2448,11 +2422,9 @@
         <p:txBody>
           <a:bodyPr lIns="0" rIns="0" tIns="0" bIns="0" anchor="ctr"/>
           <a:p>
-            <a:endParaRPr b="1" lang="en-US" sz="4400" spc="-1" strike="noStrike">
-              <a:solidFill>
-                <a:srgbClr val="333333"/>
-              </a:solidFill>
-              <a:latin typeface="Open Sans"/>
+            <a:pPr algn="ctr"/>
+            <a:endParaRPr b="0" lang="en-US" sz="4400" spc="-1" strike="noStrike">
+              <a:latin typeface="Arial"/>
             </a:endParaRPr>
           </a:p>
         </p:txBody>
@@ -2481,7 +2453,7 @@
       </p:grpSpPr>
       <p:sp>
         <p:nvSpPr>
-          <p:cNvPr id="56" name="PlaceHolder 1"/>
+          <p:cNvPr id="50" name="PlaceHolder 1"/>
           <p:cNvSpPr>
             <a:spLocks noGrp="1"/>
           </p:cNvSpPr>
@@ -2491,8 +2463,8 @@
         </p:nvSpPr>
         <p:spPr>
           <a:xfrm>
-            <a:off x="720000" y="300960"/>
-            <a:ext cx="8855640" cy="5853600"/>
+            <a:off x="504000" y="301320"/>
+            <a:ext cx="9072000" cy="5850360"/>
           </a:xfrm>
           <a:prstGeom prst="rect">
             <a:avLst/>
@@ -2532,7 +2504,7 @@
       </p:grpSpPr>
       <p:sp>
         <p:nvSpPr>
-          <p:cNvPr id="57" name="PlaceHolder 1"/>
+          <p:cNvPr id="51" name="PlaceHolder 1"/>
           <p:cNvSpPr>
             <a:spLocks noGrp="1"/>
           </p:cNvSpPr>
@@ -2542,8 +2514,8 @@
         </p:nvSpPr>
         <p:spPr>
           <a:xfrm>
-            <a:off x="720000" y="300960"/>
-            <a:ext cx="8855640" cy="1262520"/>
+            <a:off x="504000" y="301320"/>
+            <a:ext cx="9072000" cy="1261800"/>
           </a:xfrm>
           <a:prstGeom prst="rect">
             <a:avLst/>
@@ -2552,18 +2524,16 @@
         <p:txBody>
           <a:bodyPr lIns="0" rIns="0" tIns="0" bIns="0" anchor="ctr"/>
           <a:p>
-            <a:endParaRPr b="1" lang="en-US" sz="4400" spc="-1" strike="noStrike">
-              <a:solidFill>
-                <a:srgbClr val="333333"/>
-              </a:solidFill>
-              <a:latin typeface="Open Sans"/>
-            </a:endParaRPr>
-          </a:p>
-        </p:txBody>
-      </p:sp>
-      <p:sp>
-        <p:nvSpPr>
-          <p:cNvPr id="58" name="PlaceHolder 2"/>
+            <a:pPr algn="ctr"/>
+            <a:endParaRPr b="0" lang="en-US" sz="4400" spc="-1" strike="noStrike">
+              <a:latin typeface="Arial"/>
+            </a:endParaRPr>
+          </a:p>
+        </p:txBody>
+      </p:sp>
+      <p:sp>
+        <p:nvSpPr>
+          <p:cNvPr id="52" name="PlaceHolder 2"/>
           <p:cNvSpPr>
             <a:spLocks noGrp="1"/>
           </p:cNvSpPr>
@@ -2573,28 +2543,27 @@
         </p:nvSpPr>
         <p:spPr>
           <a:xfrm>
-            <a:off x="720000" y="2160000"/>
-            <a:ext cx="4215960" cy="2091240"/>
-          </a:xfrm>
-          <a:prstGeom prst="rect">
-            <a:avLst/>
-          </a:prstGeom>
-        </p:spPr>
-        <p:txBody>
-          <a:bodyPr lIns="0" rIns="0" tIns="0" bIns="0"/>
-          <a:p>
-            <a:endParaRPr b="0" lang="en-US" sz="2800" spc="-1" strike="noStrike">
-              <a:solidFill>
-                <a:srgbClr val="333333"/>
-              </a:solidFill>
-              <a:latin typeface="Open Sans"/>
-            </a:endParaRPr>
-          </a:p>
-        </p:txBody>
-      </p:sp>
-      <p:sp>
-        <p:nvSpPr>
-          <p:cNvPr id="59" name="PlaceHolder 3"/>
+            <a:off x="504000" y="1768680"/>
+            <a:ext cx="4426920" cy="2090880"/>
+          </a:xfrm>
+          <a:prstGeom prst="rect">
+            <a:avLst/>
+          </a:prstGeom>
+        </p:spPr>
+        <p:txBody>
+          <a:bodyPr lIns="0" rIns="0" tIns="0" bIns="0">
+            <a:normAutofit/>
+          </a:bodyPr>
+          <a:p>
+            <a:endParaRPr b="0" lang="en-US" sz="3200" spc="-1" strike="noStrike">
+              <a:latin typeface="Arial"/>
+            </a:endParaRPr>
+          </a:p>
+        </p:txBody>
+      </p:sp>
+      <p:sp>
+        <p:nvSpPr>
+          <p:cNvPr id="53" name="PlaceHolder 3"/>
           <p:cNvSpPr>
             <a:spLocks noGrp="1"/>
           </p:cNvSpPr>
@@ -2604,28 +2573,27 @@
         </p:nvSpPr>
         <p:spPr>
           <a:xfrm>
-            <a:off x="720000" y="4450320"/>
-            <a:ext cx="4215960" cy="2091240"/>
-          </a:xfrm>
-          <a:prstGeom prst="rect">
-            <a:avLst/>
-          </a:prstGeom>
-        </p:spPr>
-        <p:txBody>
-          <a:bodyPr lIns="0" rIns="0" tIns="0" bIns="0"/>
-          <a:p>
-            <a:endParaRPr b="0" lang="en-US" sz="2800" spc="-1" strike="noStrike">
-              <a:solidFill>
-                <a:srgbClr val="333333"/>
-              </a:solidFill>
-              <a:latin typeface="Open Sans"/>
-            </a:endParaRPr>
-          </a:p>
-        </p:txBody>
-      </p:sp>
-      <p:sp>
-        <p:nvSpPr>
-          <p:cNvPr id="60" name="PlaceHolder 4"/>
+            <a:off x="504000" y="4058640"/>
+            <a:ext cx="4426920" cy="2090880"/>
+          </a:xfrm>
+          <a:prstGeom prst="rect">
+            <a:avLst/>
+          </a:prstGeom>
+        </p:spPr>
+        <p:txBody>
+          <a:bodyPr lIns="0" rIns="0" tIns="0" bIns="0">
+            <a:normAutofit/>
+          </a:bodyPr>
+          <a:p>
+            <a:endParaRPr b="0" lang="en-US" sz="3200" spc="-1" strike="noStrike">
+              <a:latin typeface="Arial"/>
+            </a:endParaRPr>
+          </a:p>
+        </p:txBody>
+      </p:sp>
+      <p:sp>
+        <p:nvSpPr>
+          <p:cNvPr id="54" name="PlaceHolder 4"/>
           <p:cNvSpPr>
             <a:spLocks noGrp="1"/>
           </p:cNvSpPr>
@@ -2635,21 +2603,20 @@
         </p:nvSpPr>
         <p:spPr>
           <a:xfrm>
-            <a:off x="5147280" y="2160000"/>
-            <a:ext cx="4215960" cy="4384800"/>
-          </a:xfrm>
-          <a:prstGeom prst="rect">
-            <a:avLst/>
-          </a:prstGeom>
-        </p:spPr>
-        <p:txBody>
-          <a:bodyPr lIns="0" rIns="0" tIns="0" bIns="0"/>
-          <a:p>
-            <a:endParaRPr b="0" lang="en-US" sz="2800" spc="-1" strike="noStrike">
-              <a:solidFill>
-                <a:srgbClr val="333333"/>
-              </a:solidFill>
-              <a:latin typeface="Open Sans"/>
+            <a:off x="5152680" y="1768680"/>
+            <a:ext cx="4426920" cy="4384080"/>
+          </a:xfrm>
+          <a:prstGeom prst="rect">
+            <a:avLst/>
+          </a:prstGeom>
+        </p:spPr>
+        <p:txBody>
+          <a:bodyPr lIns="0" rIns="0" tIns="0" bIns="0">
+            <a:normAutofit/>
+          </a:bodyPr>
+          <a:p>
+            <a:endParaRPr b="0" lang="en-US" sz="3200" spc="-1" strike="noStrike">
+              <a:latin typeface="Arial"/>
             </a:endParaRPr>
           </a:p>
         </p:txBody>
@@ -2678,7 +2645,7 @@
       </p:grpSpPr>
       <p:sp>
         <p:nvSpPr>
-          <p:cNvPr id="6" name="PlaceHolder 1"/>
+          <p:cNvPr id="3" name="PlaceHolder 1"/>
           <p:cNvSpPr>
             <a:spLocks noGrp="1"/>
           </p:cNvSpPr>
@@ -2688,8 +2655,8 @@
         </p:nvSpPr>
         <p:spPr>
           <a:xfrm>
-            <a:off x="720000" y="300960"/>
-            <a:ext cx="8855640" cy="1262520"/>
+            <a:off x="504000" y="301320"/>
+            <a:ext cx="9072000" cy="1261800"/>
           </a:xfrm>
           <a:prstGeom prst="rect">
             <a:avLst/>
@@ -2698,18 +2665,16 @@
         <p:txBody>
           <a:bodyPr lIns="0" rIns="0" tIns="0" bIns="0" anchor="ctr"/>
           <a:p>
-            <a:endParaRPr b="1" lang="en-US" sz="4400" spc="-1" strike="noStrike">
-              <a:solidFill>
-                <a:srgbClr val="333333"/>
-              </a:solidFill>
-              <a:latin typeface="Open Sans"/>
-            </a:endParaRPr>
-          </a:p>
-        </p:txBody>
-      </p:sp>
-      <p:sp>
-        <p:nvSpPr>
-          <p:cNvPr id="7" name="PlaceHolder 2"/>
+            <a:pPr algn="ctr"/>
+            <a:endParaRPr b="0" lang="en-US" sz="4400" spc="-1" strike="noStrike">
+              <a:latin typeface="Arial"/>
+            </a:endParaRPr>
+          </a:p>
+        </p:txBody>
+      </p:sp>
+      <p:sp>
+        <p:nvSpPr>
+          <p:cNvPr id="4" name="PlaceHolder 2"/>
           <p:cNvSpPr>
             <a:spLocks noGrp="1"/>
           </p:cNvSpPr>
@@ -2719,8 +2684,8 @@
         </p:nvSpPr>
         <p:spPr>
           <a:xfrm>
-            <a:off x="720000" y="2160000"/>
-            <a:ext cx="8640000" cy="4384800"/>
+            <a:off x="504000" y="1768680"/>
+            <a:ext cx="9072000" cy="4384080"/>
           </a:xfrm>
           <a:prstGeom prst="rect">
             <a:avLst/>
@@ -2760,7 +2725,7 @@
       </p:grpSpPr>
       <p:sp>
         <p:nvSpPr>
-          <p:cNvPr id="61" name="PlaceHolder 1"/>
+          <p:cNvPr id="55" name="PlaceHolder 1"/>
           <p:cNvSpPr>
             <a:spLocks noGrp="1"/>
           </p:cNvSpPr>
@@ -2770,8 +2735,8 @@
         </p:nvSpPr>
         <p:spPr>
           <a:xfrm>
-            <a:off x="720000" y="300960"/>
-            <a:ext cx="8855640" cy="1262520"/>
+            <a:off x="504000" y="301320"/>
+            <a:ext cx="9072000" cy="1261800"/>
           </a:xfrm>
           <a:prstGeom prst="rect">
             <a:avLst/>
@@ -2780,18 +2745,16 @@
         <p:txBody>
           <a:bodyPr lIns="0" rIns="0" tIns="0" bIns="0" anchor="ctr"/>
           <a:p>
-            <a:endParaRPr b="1" lang="en-US" sz="4400" spc="-1" strike="noStrike">
-              <a:solidFill>
-                <a:srgbClr val="333333"/>
-              </a:solidFill>
-              <a:latin typeface="Open Sans"/>
-            </a:endParaRPr>
-          </a:p>
-        </p:txBody>
-      </p:sp>
-      <p:sp>
-        <p:nvSpPr>
-          <p:cNvPr id="62" name="PlaceHolder 2"/>
+            <a:pPr algn="ctr"/>
+            <a:endParaRPr b="0" lang="en-US" sz="4400" spc="-1" strike="noStrike">
+              <a:latin typeface="Arial"/>
+            </a:endParaRPr>
+          </a:p>
+        </p:txBody>
+      </p:sp>
+      <p:sp>
+        <p:nvSpPr>
+          <p:cNvPr id="56" name="PlaceHolder 2"/>
           <p:cNvSpPr>
             <a:spLocks noGrp="1"/>
           </p:cNvSpPr>
@@ -2801,28 +2764,27 @@
         </p:nvSpPr>
         <p:spPr>
           <a:xfrm>
-            <a:off x="720000" y="2160000"/>
-            <a:ext cx="4215960" cy="4384800"/>
-          </a:xfrm>
-          <a:prstGeom prst="rect">
-            <a:avLst/>
-          </a:prstGeom>
-        </p:spPr>
-        <p:txBody>
-          <a:bodyPr lIns="0" rIns="0" tIns="0" bIns="0"/>
-          <a:p>
-            <a:endParaRPr b="0" lang="en-US" sz="2800" spc="-1" strike="noStrike">
-              <a:solidFill>
-                <a:srgbClr val="333333"/>
-              </a:solidFill>
-              <a:latin typeface="Open Sans"/>
-            </a:endParaRPr>
-          </a:p>
-        </p:txBody>
-      </p:sp>
-      <p:sp>
-        <p:nvSpPr>
-          <p:cNvPr id="63" name="PlaceHolder 3"/>
+            <a:off x="504000" y="1768680"/>
+            <a:ext cx="4426920" cy="4384080"/>
+          </a:xfrm>
+          <a:prstGeom prst="rect">
+            <a:avLst/>
+          </a:prstGeom>
+        </p:spPr>
+        <p:txBody>
+          <a:bodyPr lIns="0" rIns="0" tIns="0" bIns="0">
+            <a:normAutofit/>
+          </a:bodyPr>
+          <a:p>
+            <a:endParaRPr b="0" lang="en-US" sz="3200" spc="-1" strike="noStrike">
+              <a:latin typeface="Arial"/>
+            </a:endParaRPr>
+          </a:p>
+        </p:txBody>
+      </p:sp>
+      <p:sp>
+        <p:nvSpPr>
+          <p:cNvPr id="57" name="PlaceHolder 3"/>
           <p:cNvSpPr>
             <a:spLocks noGrp="1"/>
           </p:cNvSpPr>
@@ -2832,28 +2794,27 @@
         </p:nvSpPr>
         <p:spPr>
           <a:xfrm>
-            <a:off x="5147280" y="2160000"/>
-            <a:ext cx="4215960" cy="2091240"/>
-          </a:xfrm>
-          <a:prstGeom prst="rect">
-            <a:avLst/>
-          </a:prstGeom>
-        </p:spPr>
-        <p:txBody>
-          <a:bodyPr lIns="0" rIns="0" tIns="0" bIns="0"/>
-          <a:p>
-            <a:endParaRPr b="0" lang="en-US" sz="2800" spc="-1" strike="noStrike">
-              <a:solidFill>
-                <a:srgbClr val="333333"/>
-              </a:solidFill>
-              <a:latin typeface="Open Sans"/>
-            </a:endParaRPr>
-          </a:p>
-        </p:txBody>
-      </p:sp>
-      <p:sp>
-        <p:nvSpPr>
-          <p:cNvPr id="64" name="PlaceHolder 4"/>
+            <a:off x="5152680" y="1768680"/>
+            <a:ext cx="4426920" cy="2090880"/>
+          </a:xfrm>
+          <a:prstGeom prst="rect">
+            <a:avLst/>
+          </a:prstGeom>
+        </p:spPr>
+        <p:txBody>
+          <a:bodyPr lIns="0" rIns="0" tIns="0" bIns="0">
+            <a:normAutofit/>
+          </a:bodyPr>
+          <a:p>
+            <a:endParaRPr b="0" lang="en-US" sz="3200" spc="-1" strike="noStrike">
+              <a:latin typeface="Arial"/>
+            </a:endParaRPr>
+          </a:p>
+        </p:txBody>
+      </p:sp>
+      <p:sp>
+        <p:nvSpPr>
+          <p:cNvPr id="58" name="PlaceHolder 4"/>
           <p:cNvSpPr>
             <a:spLocks noGrp="1"/>
           </p:cNvSpPr>
@@ -2863,21 +2824,20 @@
         </p:nvSpPr>
         <p:spPr>
           <a:xfrm>
-            <a:off x="5147280" y="4450320"/>
-            <a:ext cx="4215960" cy="2091240"/>
-          </a:xfrm>
-          <a:prstGeom prst="rect">
-            <a:avLst/>
-          </a:prstGeom>
-        </p:spPr>
-        <p:txBody>
-          <a:bodyPr lIns="0" rIns="0" tIns="0" bIns="0"/>
-          <a:p>
-            <a:endParaRPr b="0" lang="en-US" sz="2800" spc="-1" strike="noStrike">
-              <a:solidFill>
-                <a:srgbClr val="333333"/>
-              </a:solidFill>
-              <a:latin typeface="Open Sans"/>
+            <a:off x="5152680" y="4058640"/>
+            <a:ext cx="4426920" cy="2090880"/>
+          </a:xfrm>
+          <a:prstGeom prst="rect">
+            <a:avLst/>
+          </a:prstGeom>
+        </p:spPr>
+        <p:txBody>
+          <a:bodyPr lIns="0" rIns="0" tIns="0" bIns="0">
+            <a:normAutofit/>
+          </a:bodyPr>
+          <a:p>
+            <a:endParaRPr b="0" lang="en-US" sz="3200" spc="-1" strike="noStrike">
+              <a:latin typeface="Arial"/>
             </a:endParaRPr>
           </a:p>
         </p:txBody>
@@ -2906,7 +2866,7 @@
       </p:grpSpPr>
       <p:sp>
         <p:nvSpPr>
-          <p:cNvPr id="65" name="PlaceHolder 1"/>
+          <p:cNvPr id="59" name="PlaceHolder 1"/>
           <p:cNvSpPr>
             <a:spLocks noGrp="1"/>
           </p:cNvSpPr>
@@ -2916,8 +2876,8 @@
         </p:nvSpPr>
         <p:spPr>
           <a:xfrm>
-            <a:off x="720000" y="300960"/>
-            <a:ext cx="8855640" cy="1262520"/>
+            <a:off x="504000" y="301320"/>
+            <a:ext cx="9072000" cy="1261800"/>
           </a:xfrm>
           <a:prstGeom prst="rect">
             <a:avLst/>
@@ -2926,18 +2886,16 @@
         <p:txBody>
           <a:bodyPr lIns="0" rIns="0" tIns="0" bIns="0" anchor="ctr"/>
           <a:p>
-            <a:endParaRPr b="1" lang="en-US" sz="4400" spc="-1" strike="noStrike">
-              <a:solidFill>
-                <a:srgbClr val="333333"/>
-              </a:solidFill>
-              <a:latin typeface="Open Sans"/>
-            </a:endParaRPr>
-          </a:p>
-        </p:txBody>
-      </p:sp>
-      <p:sp>
-        <p:nvSpPr>
-          <p:cNvPr id="66" name="PlaceHolder 2"/>
+            <a:pPr algn="ctr"/>
+            <a:endParaRPr b="0" lang="en-US" sz="4400" spc="-1" strike="noStrike">
+              <a:latin typeface="Arial"/>
+            </a:endParaRPr>
+          </a:p>
+        </p:txBody>
+      </p:sp>
+      <p:sp>
+        <p:nvSpPr>
+          <p:cNvPr id="60" name="PlaceHolder 2"/>
           <p:cNvSpPr>
             <a:spLocks noGrp="1"/>
           </p:cNvSpPr>
@@ -2947,28 +2905,27 @@
         </p:nvSpPr>
         <p:spPr>
           <a:xfrm>
-            <a:off x="720000" y="2160000"/>
-            <a:ext cx="4215960" cy="2091240"/>
-          </a:xfrm>
-          <a:prstGeom prst="rect">
-            <a:avLst/>
-          </a:prstGeom>
-        </p:spPr>
-        <p:txBody>
-          <a:bodyPr lIns="0" rIns="0" tIns="0" bIns="0"/>
-          <a:p>
-            <a:endParaRPr b="0" lang="en-US" sz="2800" spc="-1" strike="noStrike">
-              <a:solidFill>
-                <a:srgbClr val="333333"/>
-              </a:solidFill>
-              <a:latin typeface="Open Sans"/>
-            </a:endParaRPr>
-          </a:p>
-        </p:txBody>
-      </p:sp>
-      <p:sp>
-        <p:nvSpPr>
-          <p:cNvPr id="67" name="PlaceHolder 3"/>
+            <a:off x="504000" y="1768680"/>
+            <a:ext cx="4426920" cy="2090880"/>
+          </a:xfrm>
+          <a:prstGeom prst="rect">
+            <a:avLst/>
+          </a:prstGeom>
+        </p:spPr>
+        <p:txBody>
+          <a:bodyPr lIns="0" rIns="0" tIns="0" bIns="0">
+            <a:normAutofit/>
+          </a:bodyPr>
+          <a:p>
+            <a:endParaRPr b="0" lang="en-US" sz="3200" spc="-1" strike="noStrike">
+              <a:latin typeface="Arial"/>
+            </a:endParaRPr>
+          </a:p>
+        </p:txBody>
+      </p:sp>
+      <p:sp>
+        <p:nvSpPr>
+          <p:cNvPr id="61" name="PlaceHolder 3"/>
           <p:cNvSpPr>
             <a:spLocks noGrp="1"/>
           </p:cNvSpPr>
@@ -2978,28 +2935,27 @@
         </p:nvSpPr>
         <p:spPr>
           <a:xfrm>
-            <a:off x="5147280" y="2160000"/>
-            <a:ext cx="4215960" cy="2091240"/>
-          </a:xfrm>
-          <a:prstGeom prst="rect">
-            <a:avLst/>
-          </a:prstGeom>
-        </p:spPr>
-        <p:txBody>
-          <a:bodyPr lIns="0" rIns="0" tIns="0" bIns="0"/>
-          <a:p>
-            <a:endParaRPr b="0" lang="en-US" sz="2800" spc="-1" strike="noStrike">
-              <a:solidFill>
-                <a:srgbClr val="333333"/>
-              </a:solidFill>
-              <a:latin typeface="Open Sans"/>
-            </a:endParaRPr>
-          </a:p>
-        </p:txBody>
-      </p:sp>
-      <p:sp>
-        <p:nvSpPr>
-          <p:cNvPr id="68" name="PlaceHolder 4"/>
+            <a:off x="5152680" y="1768680"/>
+            <a:ext cx="4426920" cy="2090880"/>
+          </a:xfrm>
+          <a:prstGeom prst="rect">
+            <a:avLst/>
+          </a:prstGeom>
+        </p:spPr>
+        <p:txBody>
+          <a:bodyPr lIns="0" rIns="0" tIns="0" bIns="0">
+            <a:normAutofit/>
+          </a:bodyPr>
+          <a:p>
+            <a:endParaRPr b="0" lang="en-US" sz="3200" spc="-1" strike="noStrike">
+              <a:latin typeface="Arial"/>
+            </a:endParaRPr>
+          </a:p>
+        </p:txBody>
+      </p:sp>
+      <p:sp>
+        <p:nvSpPr>
+          <p:cNvPr id="62" name="PlaceHolder 4"/>
           <p:cNvSpPr>
             <a:spLocks noGrp="1"/>
           </p:cNvSpPr>
@@ -3009,21 +2965,20 @@
         </p:nvSpPr>
         <p:spPr>
           <a:xfrm>
-            <a:off x="720000" y="4450320"/>
-            <a:ext cx="8640000" cy="2091240"/>
-          </a:xfrm>
-          <a:prstGeom prst="rect">
-            <a:avLst/>
-          </a:prstGeom>
-        </p:spPr>
-        <p:txBody>
-          <a:bodyPr lIns="0" rIns="0" tIns="0" bIns="0"/>
-          <a:p>
-            <a:endParaRPr b="0" lang="en-US" sz="2800" spc="-1" strike="noStrike">
-              <a:solidFill>
-                <a:srgbClr val="333333"/>
-              </a:solidFill>
-              <a:latin typeface="Open Sans"/>
+            <a:off x="504000" y="4058640"/>
+            <a:ext cx="9072000" cy="2090880"/>
+          </a:xfrm>
+          <a:prstGeom prst="rect">
+            <a:avLst/>
+          </a:prstGeom>
+        </p:spPr>
+        <p:txBody>
+          <a:bodyPr lIns="0" rIns="0" tIns="0" bIns="0">
+            <a:normAutofit/>
+          </a:bodyPr>
+          <a:p>
+            <a:endParaRPr b="0" lang="en-US" sz="3200" spc="-1" strike="noStrike">
+              <a:latin typeface="Arial"/>
             </a:endParaRPr>
           </a:p>
         </p:txBody>
@@ -3052,7 +3007,7 @@
       </p:grpSpPr>
       <p:sp>
         <p:nvSpPr>
-          <p:cNvPr id="69" name="PlaceHolder 1"/>
+          <p:cNvPr id="63" name="PlaceHolder 1"/>
           <p:cNvSpPr>
             <a:spLocks noGrp="1"/>
           </p:cNvSpPr>
@@ -3062,8 +3017,8 @@
         </p:nvSpPr>
         <p:spPr>
           <a:xfrm>
-            <a:off x="720000" y="300960"/>
-            <a:ext cx="8855640" cy="1262520"/>
+            <a:off x="504000" y="301320"/>
+            <a:ext cx="9072000" cy="1261800"/>
           </a:xfrm>
           <a:prstGeom prst="rect">
             <a:avLst/>
@@ -3072,18 +3027,16 @@
         <p:txBody>
           <a:bodyPr lIns="0" rIns="0" tIns="0" bIns="0" anchor="ctr"/>
           <a:p>
-            <a:endParaRPr b="1" lang="en-US" sz="4400" spc="-1" strike="noStrike">
-              <a:solidFill>
-                <a:srgbClr val="333333"/>
-              </a:solidFill>
-              <a:latin typeface="Open Sans"/>
-            </a:endParaRPr>
-          </a:p>
-        </p:txBody>
-      </p:sp>
-      <p:sp>
-        <p:nvSpPr>
-          <p:cNvPr id="70" name="PlaceHolder 2"/>
+            <a:pPr algn="ctr"/>
+            <a:endParaRPr b="0" lang="en-US" sz="4400" spc="-1" strike="noStrike">
+              <a:latin typeface="Arial"/>
+            </a:endParaRPr>
+          </a:p>
+        </p:txBody>
+      </p:sp>
+      <p:sp>
+        <p:nvSpPr>
+          <p:cNvPr id="64" name="PlaceHolder 2"/>
           <p:cNvSpPr>
             <a:spLocks noGrp="1"/>
           </p:cNvSpPr>
@@ -3093,28 +3046,27 @@
         </p:nvSpPr>
         <p:spPr>
           <a:xfrm>
-            <a:off x="720000" y="2160000"/>
-            <a:ext cx="8640000" cy="2091240"/>
-          </a:xfrm>
-          <a:prstGeom prst="rect">
-            <a:avLst/>
-          </a:prstGeom>
-        </p:spPr>
-        <p:txBody>
-          <a:bodyPr lIns="0" rIns="0" tIns="0" bIns="0"/>
-          <a:p>
-            <a:endParaRPr b="0" lang="en-US" sz="2800" spc="-1" strike="noStrike">
-              <a:solidFill>
-                <a:srgbClr val="333333"/>
-              </a:solidFill>
-              <a:latin typeface="Open Sans"/>
-            </a:endParaRPr>
-          </a:p>
-        </p:txBody>
-      </p:sp>
-      <p:sp>
-        <p:nvSpPr>
-          <p:cNvPr id="71" name="PlaceHolder 3"/>
+            <a:off x="504000" y="1768680"/>
+            <a:ext cx="9072000" cy="2090880"/>
+          </a:xfrm>
+          <a:prstGeom prst="rect">
+            <a:avLst/>
+          </a:prstGeom>
+        </p:spPr>
+        <p:txBody>
+          <a:bodyPr lIns="0" rIns="0" tIns="0" bIns="0">
+            <a:normAutofit/>
+          </a:bodyPr>
+          <a:p>
+            <a:endParaRPr b="0" lang="en-US" sz="3200" spc="-1" strike="noStrike">
+              <a:latin typeface="Arial"/>
+            </a:endParaRPr>
+          </a:p>
+        </p:txBody>
+      </p:sp>
+      <p:sp>
+        <p:nvSpPr>
+          <p:cNvPr id="65" name="PlaceHolder 3"/>
           <p:cNvSpPr>
             <a:spLocks noGrp="1"/>
           </p:cNvSpPr>
@@ -3124,21 +3076,20 @@
         </p:nvSpPr>
         <p:spPr>
           <a:xfrm>
-            <a:off x="720000" y="4450320"/>
-            <a:ext cx="8640000" cy="2091240"/>
-          </a:xfrm>
-          <a:prstGeom prst="rect">
-            <a:avLst/>
-          </a:prstGeom>
-        </p:spPr>
-        <p:txBody>
-          <a:bodyPr lIns="0" rIns="0" tIns="0" bIns="0"/>
-          <a:p>
-            <a:endParaRPr b="0" lang="en-US" sz="2800" spc="-1" strike="noStrike">
-              <a:solidFill>
-                <a:srgbClr val="333333"/>
-              </a:solidFill>
-              <a:latin typeface="Open Sans"/>
+            <a:off x="504000" y="4058640"/>
+            <a:ext cx="9072000" cy="2090880"/>
+          </a:xfrm>
+          <a:prstGeom prst="rect">
+            <a:avLst/>
+          </a:prstGeom>
+        </p:spPr>
+        <p:txBody>
+          <a:bodyPr lIns="0" rIns="0" tIns="0" bIns="0">
+            <a:normAutofit/>
+          </a:bodyPr>
+          <a:p>
+            <a:endParaRPr b="0" lang="en-US" sz="3200" spc="-1" strike="noStrike">
+              <a:latin typeface="Arial"/>
             </a:endParaRPr>
           </a:p>
         </p:txBody>
@@ -3167,7 +3118,7 @@
       </p:grpSpPr>
       <p:sp>
         <p:nvSpPr>
-          <p:cNvPr id="72" name="PlaceHolder 1"/>
+          <p:cNvPr id="66" name="PlaceHolder 1"/>
           <p:cNvSpPr>
             <a:spLocks noGrp="1"/>
           </p:cNvSpPr>
@@ -3177,8 +3128,8 @@
         </p:nvSpPr>
         <p:spPr>
           <a:xfrm>
-            <a:off x="720000" y="300960"/>
-            <a:ext cx="8855640" cy="1262520"/>
+            <a:off x="504000" y="301320"/>
+            <a:ext cx="9072000" cy="1261800"/>
           </a:xfrm>
           <a:prstGeom prst="rect">
             <a:avLst/>
@@ -3187,18 +3138,16 @@
         <p:txBody>
           <a:bodyPr lIns="0" rIns="0" tIns="0" bIns="0" anchor="ctr"/>
           <a:p>
-            <a:endParaRPr b="1" lang="en-US" sz="4400" spc="-1" strike="noStrike">
-              <a:solidFill>
-                <a:srgbClr val="333333"/>
-              </a:solidFill>
-              <a:latin typeface="Open Sans"/>
-            </a:endParaRPr>
-          </a:p>
-        </p:txBody>
-      </p:sp>
-      <p:sp>
-        <p:nvSpPr>
-          <p:cNvPr id="73" name="PlaceHolder 2"/>
+            <a:pPr algn="ctr"/>
+            <a:endParaRPr b="0" lang="en-US" sz="4400" spc="-1" strike="noStrike">
+              <a:latin typeface="Arial"/>
+            </a:endParaRPr>
+          </a:p>
+        </p:txBody>
+      </p:sp>
+      <p:sp>
+        <p:nvSpPr>
+          <p:cNvPr id="67" name="PlaceHolder 2"/>
           <p:cNvSpPr>
             <a:spLocks noGrp="1"/>
           </p:cNvSpPr>
@@ -3208,28 +3157,27 @@
         </p:nvSpPr>
         <p:spPr>
           <a:xfrm>
-            <a:off x="720000" y="2160000"/>
-            <a:ext cx="4215960" cy="2091240"/>
-          </a:xfrm>
-          <a:prstGeom prst="rect">
-            <a:avLst/>
-          </a:prstGeom>
-        </p:spPr>
-        <p:txBody>
-          <a:bodyPr lIns="0" rIns="0" tIns="0" bIns="0"/>
-          <a:p>
-            <a:endParaRPr b="0" lang="en-US" sz="2800" spc="-1" strike="noStrike">
-              <a:solidFill>
-                <a:srgbClr val="333333"/>
-              </a:solidFill>
-              <a:latin typeface="Open Sans"/>
-            </a:endParaRPr>
-          </a:p>
-        </p:txBody>
-      </p:sp>
-      <p:sp>
-        <p:nvSpPr>
-          <p:cNvPr id="74" name="PlaceHolder 3"/>
+            <a:off x="504000" y="1768680"/>
+            <a:ext cx="4426920" cy="2090880"/>
+          </a:xfrm>
+          <a:prstGeom prst="rect">
+            <a:avLst/>
+          </a:prstGeom>
+        </p:spPr>
+        <p:txBody>
+          <a:bodyPr lIns="0" rIns="0" tIns="0" bIns="0">
+            <a:normAutofit/>
+          </a:bodyPr>
+          <a:p>
+            <a:endParaRPr b="0" lang="en-US" sz="3200" spc="-1" strike="noStrike">
+              <a:latin typeface="Arial"/>
+            </a:endParaRPr>
+          </a:p>
+        </p:txBody>
+      </p:sp>
+      <p:sp>
+        <p:nvSpPr>
+          <p:cNvPr id="68" name="PlaceHolder 3"/>
           <p:cNvSpPr>
             <a:spLocks noGrp="1"/>
           </p:cNvSpPr>
@@ -3239,28 +3187,27 @@
         </p:nvSpPr>
         <p:spPr>
           <a:xfrm>
-            <a:off x="5147280" y="2160000"/>
-            <a:ext cx="4215960" cy="2091240"/>
-          </a:xfrm>
-          <a:prstGeom prst="rect">
-            <a:avLst/>
-          </a:prstGeom>
-        </p:spPr>
-        <p:txBody>
-          <a:bodyPr lIns="0" rIns="0" tIns="0" bIns="0"/>
-          <a:p>
-            <a:endParaRPr b="0" lang="en-US" sz="2800" spc="-1" strike="noStrike">
-              <a:solidFill>
-                <a:srgbClr val="333333"/>
-              </a:solidFill>
-              <a:latin typeface="Open Sans"/>
-            </a:endParaRPr>
-          </a:p>
-        </p:txBody>
-      </p:sp>
-      <p:sp>
-        <p:nvSpPr>
-          <p:cNvPr id="75" name="PlaceHolder 4"/>
+            <a:off x="5152680" y="1768680"/>
+            <a:ext cx="4426920" cy="2090880"/>
+          </a:xfrm>
+          <a:prstGeom prst="rect">
+            <a:avLst/>
+          </a:prstGeom>
+        </p:spPr>
+        <p:txBody>
+          <a:bodyPr lIns="0" rIns="0" tIns="0" bIns="0">
+            <a:normAutofit/>
+          </a:bodyPr>
+          <a:p>
+            <a:endParaRPr b="0" lang="en-US" sz="3200" spc="-1" strike="noStrike">
+              <a:latin typeface="Arial"/>
+            </a:endParaRPr>
+          </a:p>
+        </p:txBody>
+      </p:sp>
+      <p:sp>
+        <p:nvSpPr>
+          <p:cNvPr id="69" name="PlaceHolder 4"/>
           <p:cNvSpPr>
             <a:spLocks noGrp="1"/>
           </p:cNvSpPr>
@@ -3270,28 +3217,27 @@
         </p:nvSpPr>
         <p:spPr>
           <a:xfrm>
-            <a:off x="5147280" y="4450320"/>
-            <a:ext cx="4215960" cy="2091240"/>
-          </a:xfrm>
-          <a:prstGeom prst="rect">
-            <a:avLst/>
-          </a:prstGeom>
-        </p:spPr>
-        <p:txBody>
-          <a:bodyPr lIns="0" rIns="0" tIns="0" bIns="0"/>
-          <a:p>
-            <a:endParaRPr b="0" lang="en-US" sz="2800" spc="-1" strike="noStrike">
-              <a:solidFill>
-                <a:srgbClr val="333333"/>
-              </a:solidFill>
-              <a:latin typeface="Open Sans"/>
-            </a:endParaRPr>
-          </a:p>
-        </p:txBody>
-      </p:sp>
-      <p:sp>
-        <p:nvSpPr>
-          <p:cNvPr id="76" name="PlaceHolder 5"/>
+            <a:off x="5152680" y="4058640"/>
+            <a:ext cx="4426920" cy="2090880"/>
+          </a:xfrm>
+          <a:prstGeom prst="rect">
+            <a:avLst/>
+          </a:prstGeom>
+        </p:spPr>
+        <p:txBody>
+          <a:bodyPr lIns="0" rIns="0" tIns="0" bIns="0">
+            <a:normAutofit/>
+          </a:bodyPr>
+          <a:p>
+            <a:endParaRPr b="0" lang="en-US" sz="3200" spc="-1" strike="noStrike">
+              <a:latin typeface="Arial"/>
+            </a:endParaRPr>
+          </a:p>
+        </p:txBody>
+      </p:sp>
+      <p:sp>
+        <p:nvSpPr>
+          <p:cNvPr id="70" name="PlaceHolder 5"/>
           <p:cNvSpPr>
             <a:spLocks noGrp="1"/>
           </p:cNvSpPr>
@@ -3301,21 +3247,20 @@
         </p:nvSpPr>
         <p:spPr>
           <a:xfrm>
-            <a:off x="720000" y="4450320"/>
-            <a:ext cx="4215960" cy="2091240"/>
-          </a:xfrm>
-          <a:prstGeom prst="rect">
-            <a:avLst/>
-          </a:prstGeom>
-        </p:spPr>
-        <p:txBody>
-          <a:bodyPr lIns="0" rIns="0" tIns="0" bIns="0"/>
-          <a:p>
-            <a:endParaRPr b="0" lang="en-US" sz="2800" spc="-1" strike="noStrike">
-              <a:solidFill>
-                <a:srgbClr val="333333"/>
-              </a:solidFill>
-              <a:latin typeface="Open Sans"/>
+            <a:off x="504000" y="4058640"/>
+            <a:ext cx="4426920" cy="2090880"/>
+          </a:xfrm>
+          <a:prstGeom prst="rect">
+            <a:avLst/>
+          </a:prstGeom>
+        </p:spPr>
+        <p:txBody>
+          <a:bodyPr lIns="0" rIns="0" tIns="0" bIns="0">
+            <a:normAutofit/>
+          </a:bodyPr>
+          <a:p>
+            <a:endParaRPr b="0" lang="en-US" sz="3200" spc="-1" strike="noStrike">
+              <a:latin typeface="Arial"/>
             </a:endParaRPr>
           </a:p>
         </p:txBody>
@@ -3344,7 +3289,7 @@
       </p:grpSpPr>
       <p:sp>
         <p:nvSpPr>
-          <p:cNvPr id="77" name="PlaceHolder 1"/>
+          <p:cNvPr id="71" name="PlaceHolder 1"/>
           <p:cNvSpPr>
             <a:spLocks noGrp="1"/>
           </p:cNvSpPr>
@@ -3354,8 +3299,8 @@
         </p:nvSpPr>
         <p:spPr>
           <a:xfrm>
-            <a:off x="720000" y="300960"/>
-            <a:ext cx="8855640" cy="1262520"/>
+            <a:off x="504000" y="301320"/>
+            <a:ext cx="9072000" cy="1261800"/>
           </a:xfrm>
           <a:prstGeom prst="rect">
             <a:avLst/>
@@ -3364,18 +3309,16 @@
         <p:txBody>
           <a:bodyPr lIns="0" rIns="0" tIns="0" bIns="0" anchor="ctr"/>
           <a:p>
-            <a:endParaRPr b="1" lang="en-US" sz="4400" spc="-1" strike="noStrike">
-              <a:solidFill>
-                <a:srgbClr val="333333"/>
-              </a:solidFill>
-              <a:latin typeface="Open Sans"/>
-            </a:endParaRPr>
-          </a:p>
-        </p:txBody>
-      </p:sp>
-      <p:sp>
-        <p:nvSpPr>
-          <p:cNvPr id="78" name="PlaceHolder 2"/>
+            <a:pPr algn="ctr"/>
+            <a:endParaRPr b="0" lang="en-US" sz="4400" spc="-1" strike="noStrike">
+              <a:latin typeface="Arial"/>
+            </a:endParaRPr>
+          </a:p>
+        </p:txBody>
+      </p:sp>
+      <p:sp>
+        <p:nvSpPr>
+          <p:cNvPr id="72" name="PlaceHolder 2"/>
           <p:cNvSpPr>
             <a:spLocks noGrp="1"/>
           </p:cNvSpPr>
@@ -3385,28 +3328,27 @@
         </p:nvSpPr>
         <p:spPr>
           <a:xfrm>
-            <a:off x="720000" y="2160000"/>
-            <a:ext cx="2781720" cy="2091240"/>
-          </a:xfrm>
-          <a:prstGeom prst="rect">
-            <a:avLst/>
-          </a:prstGeom>
-        </p:spPr>
-        <p:txBody>
-          <a:bodyPr lIns="0" rIns="0" tIns="0" bIns="0"/>
-          <a:p>
-            <a:endParaRPr b="0" lang="en-US" sz="2800" spc="-1" strike="noStrike">
-              <a:solidFill>
-                <a:srgbClr val="333333"/>
-              </a:solidFill>
-              <a:latin typeface="Open Sans"/>
-            </a:endParaRPr>
-          </a:p>
-        </p:txBody>
-      </p:sp>
-      <p:sp>
-        <p:nvSpPr>
-          <p:cNvPr id="79" name="PlaceHolder 3"/>
+            <a:off x="504000" y="1768680"/>
+            <a:ext cx="2921040" cy="2090880"/>
+          </a:xfrm>
+          <a:prstGeom prst="rect">
+            <a:avLst/>
+          </a:prstGeom>
+        </p:spPr>
+        <p:txBody>
+          <a:bodyPr lIns="0" rIns="0" tIns="0" bIns="0">
+            <a:normAutofit/>
+          </a:bodyPr>
+          <a:p>
+            <a:endParaRPr b="0" lang="en-US" sz="3200" spc="-1" strike="noStrike">
+              <a:latin typeface="Arial"/>
+            </a:endParaRPr>
+          </a:p>
+        </p:txBody>
+      </p:sp>
+      <p:sp>
+        <p:nvSpPr>
+          <p:cNvPr id="73" name="PlaceHolder 3"/>
           <p:cNvSpPr>
             <a:spLocks noGrp="1"/>
           </p:cNvSpPr>
@@ -3416,28 +3358,27 @@
         </p:nvSpPr>
         <p:spPr>
           <a:xfrm>
-            <a:off x="3641040" y="2160000"/>
-            <a:ext cx="2781720" cy="2091240"/>
-          </a:xfrm>
-          <a:prstGeom prst="rect">
-            <a:avLst/>
-          </a:prstGeom>
-        </p:spPr>
-        <p:txBody>
-          <a:bodyPr lIns="0" rIns="0" tIns="0" bIns="0"/>
-          <a:p>
-            <a:endParaRPr b="0" lang="en-US" sz="2800" spc="-1" strike="noStrike">
-              <a:solidFill>
-                <a:srgbClr val="333333"/>
-              </a:solidFill>
-              <a:latin typeface="Open Sans"/>
-            </a:endParaRPr>
-          </a:p>
-        </p:txBody>
-      </p:sp>
-      <p:sp>
-        <p:nvSpPr>
-          <p:cNvPr id="80" name="PlaceHolder 4"/>
+            <a:off x="3571560" y="1768680"/>
+            <a:ext cx="2921040" cy="2090880"/>
+          </a:xfrm>
+          <a:prstGeom prst="rect">
+            <a:avLst/>
+          </a:prstGeom>
+        </p:spPr>
+        <p:txBody>
+          <a:bodyPr lIns="0" rIns="0" tIns="0" bIns="0">
+            <a:normAutofit/>
+          </a:bodyPr>
+          <a:p>
+            <a:endParaRPr b="0" lang="en-US" sz="3200" spc="-1" strike="noStrike">
+              <a:latin typeface="Arial"/>
+            </a:endParaRPr>
+          </a:p>
+        </p:txBody>
+      </p:sp>
+      <p:sp>
+        <p:nvSpPr>
+          <p:cNvPr id="74" name="PlaceHolder 4"/>
           <p:cNvSpPr>
             <a:spLocks noGrp="1"/>
           </p:cNvSpPr>
@@ -3447,28 +3388,27 @@
         </p:nvSpPr>
         <p:spPr>
           <a:xfrm>
-            <a:off x="6562440" y="2160000"/>
-            <a:ext cx="2781720" cy="2091240"/>
-          </a:xfrm>
-          <a:prstGeom prst="rect">
-            <a:avLst/>
-          </a:prstGeom>
-        </p:spPr>
-        <p:txBody>
-          <a:bodyPr lIns="0" rIns="0" tIns="0" bIns="0"/>
-          <a:p>
-            <a:endParaRPr b="0" lang="en-US" sz="2800" spc="-1" strike="noStrike">
-              <a:solidFill>
-                <a:srgbClr val="333333"/>
-              </a:solidFill>
-              <a:latin typeface="Open Sans"/>
-            </a:endParaRPr>
-          </a:p>
-        </p:txBody>
-      </p:sp>
-      <p:sp>
-        <p:nvSpPr>
-          <p:cNvPr id="81" name="PlaceHolder 5"/>
+            <a:off x="6639120" y="1768680"/>
+            <a:ext cx="2921040" cy="2090880"/>
+          </a:xfrm>
+          <a:prstGeom prst="rect">
+            <a:avLst/>
+          </a:prstGeom>
+        </p:spPr>
+        <p:txBody>
+          <a:bodyPr lIns="0" rIns="0" tIns="0" bIns="0">
+            <a:normAutofit/>
+          </a:bodyPr>
+          <a:p>
+            <a:endParaRPr b="0" lang="en-US" sz="3200" spc="-1" strike="noStrike">
+              <a:latin typeface="Arial"/>
+            </a:endParaRPr>
+          </a:p>
+        </p:txBody>
+      </p:sp>
+      <p:sp>
+        <p:nvSpPr>
+          <p:cNvPr id="75" name="PlaceHolder 5"/>
           <p:cNvSpPr>
             <a:spLocks noGrp="1"/>
           </p:cNvSpPr>
@@ -3478,28 +3418,27 @@
         </p:nvSpPr>
         <p:spPr>
           <a:xfrm>
-            <a:off x="6562440" y="4450320"/>
-            <a:ext cx="2781720" cy="2091240"/>
-          </a:xfrm>
-          <a:prstGeom prst="rect">
-            <a:avLst/>
-          </a:prstGeom>
-        </p:spPr>
-        <p:txBody>
-          <a:bodyPr lIns="0" rIns="0" tIns="0" bIns="0"/>
-          <a:p>
-            <a:endParaRPr b="0" lang="en-US" sz="2800" spc="-1" strike="noStrike">
-              <a:solidFill>
-                <a:srgbClr val="333333"/>
-              </a:solidFill>
-              <a:latin typeface="Open Sans"/>
-            </a:endParaRPr>
-          </a:p>
-        </p:txBody>
-      </p:sp>
-      <p:sp>
-        <p:nvSpPr>
-          <p:cNvPr id="82" name="PlaceHolder 6"/>
+            <a:off x="6639120" y="4058640"/>
+            <a:ext cx="2921040" cy="2090880"/>
+          </a:xfrm>
+          <a:prstGeom prst="rect">
+            <a:avLst/>
+          </a:prstGeom>
+        </p:spPr>
+        <p:txBody>
+          <a:bodyPr lIns="0" rIns="0" tIns="0" bIns="0">
+            <a:normAutofit/>
+          </a:bodyPr>
+          <a:p>
+            <a:endParaRPr b="0" lang="en-US" sz="3200" spc="-1" strike="noStrike">
+              <a:latin typeface="Arial"/>
+            </a:endParaRPr>
+          </a:p>
+        </p:txBody>
+      </p:sp>
+      <p:sp>
+        <p:nvSpPr>
+          <p:cNvPr id="76" name="PlaceHolder 6"/>
           <p:cNvSpPr>
             <a:spLocks noGrp="1"/>
           </p:cNvSpPr>
@@ -3509,28 +3448,27 @@
         </p:nvSpPr>
         <p:spPr>
           <a:xfrm>
-            <a:off x="3641040" y="4450320"/>
-            <a:ext cx="2781720" cy="2091240"/>
-          </a:xfrm>
-          <a:prstGeom prst="rect">
-            <a:avLst/>
-          </a:prstGeom>
-        </p:spPr>
-        <p:txBody>
-          <a:bodyPr lIns="0" rIns="0" tIns="0" bIns="0"/>
-          <a:p>
-            <a:endParaRPr b="0" lang="en-US" sz="2800" spc="-1" strike="noStrike">
-              <a:solidFill>
-                <a:srgbClr val="333333"/>
-              </a:solidFill>
-              <a:latin typeface="Open Sans"/>
-            </a:endParaRPr>
-          </a:p>
-        </p:txBody>
-      </p:sp>
-      <p:sp>
-        <p:nvSpPr>
-          <p:cNvPr id="83" name="PlaceHolder 7"/>
+            <a:off x="3571560" y="4058640"/>
+            <a:ext cx="2921040" cy="2090880"/>
+          </a:xfrm>
+          <a:prstGeom prst="rect">
+            <a:avLst/>
+          </a:prstGeom>
+        </p:spPr>
+        <p:txBody>
+          <a:bodyPr lIns="0" rIns="0" tIns="0" bIns="0">
+            <a:normAutofit/>
+          </a:bodyPr>
+          <a:p>
+            <a:endParaRPr b="0" lang="en-US" sz="3200" spc="-1" strike="noStrike">
+              <a:latin typeface="Arial"/>
+            </a:endParaRPr>
+          </a:p>
+        </p:txBody>
+      </p:sp>
+      <p:sp>
+        <p:nvSpPr>
+          <p:cNvPr id="77" name="PlaceHolder 7"/>
           <p:cNvSpPr>
             <a:spLocks noGrp="1"/>
           </p:cNvSpPr>
@@ -3540,21 +3478,20 @@
         </p:nvSpPr>
         <p:spPr>
           <a:xfrm>
-            <a:off x="720000" y="4450320"/>
-            <a:ext cx="2781720" cy="2091240"/>
-          </a:xfrm>
-          <a:prstGeom prst="rect">
-            <a:avLst/>
-          </a:prstGeom>
-        </p:spPr>
-        <p:txBody>
-          <a:bodyPr lIns="0" rIns="0" tIns="0" bIns="0"/>
-          <a:p>
-            <a:endParaRPr b="0" lang="en-US" sz="2800" spc="-1" strike="noStrike">
-              <a:solidFill>
-                <a:srgbClr val="333333"/>
-              </a:solidFill>
-              <a:latin typeface="Open Sans"/>
+            <a:off x="504000" y="4058640"/>
+            <a:ext cx="2921040" cy="2090880"/>
+          </a:xfrm>
+          <a:prstGeom prst="rect">
+            <a:avLst/>
+          </a:prstGeom>
+        </p:spPr>
+        <p:txBody>
+          <a:bodyPr lIns="0" rIns="0" tIns="0" bIns="0">
+            <a:normAutofit/>
+          </a:bodyPr>
+          <a:p>
+            <a:endParaRPr b="0" lang="en-US" sz="3200" spc="-1" strike="noStrike">
+              <a:latin typeface="Arial"/>
             </a:endParaRPr>
           </a:p>
         </p:txBody>
@@ -3583,7 +3520,7 @@
       </p:grpSpPr>
       <p:sp>
         <p:nvSpPr>
-          <p:cNvPr id="8" name="PlaceHolder 1"/>
+          <p:cNvPr id="5" name="PlaceHolder 1"/>
           <p:cNvSpPr>
             <a:spLocks noGrp="1"/>
           </p:cNvSpPr>
@@ -3593,8 +3530,8 @@
         </p:nvSpPr>
         <p:spPr>
           <a:xfrm>
-            <a:off x="720000" y="300960"/>
-            <a:ext cx="8855640" cy="1262520"/>
+            <a:off x="504000" y="301320"/>
+            <a:ext cx="9072000" cy="1261800"/>
           </a:xfrm>
           <a:prstGeom prst="rect">
             <a:avLst/>
@@ -3603,18 +3540,16 @@
         <p:txBody>
           <a:bodyPr lIns="0" rIns="0" tIns="0" bIns="0" anchor="ctr"/>
           <a:p>
-            <a:endParaRPr b="1" lang="en-US" sz="4400" spc="-1" strike="noStrike">
-              <a:solidFill>
-                <a:srgbClr val="333333"/>
-              </a:solidFill>
-              <a:latin typeface="Open Sans"/>
-            </a:endParaRPr>
-          </a:p>
-        </p:txBody>
-      </p:sp>
-      <p:sp>
-        <p:nvSpPr>
-          <p:cNvPr id="9" name="PlaceHolder 2"/>
+            <a:pPr algn="ctr"/>
+            <a:endParaRPr b="0" lang="en-US" sz="4400" spc="-1" strike="noStrike">
+              <a:latin typeface="Arial"/>
+            </a:endParaRPr>
+          </a:p>
+        </p:txBody>
+      </p:sp>
+      <p:sp>
+        <p:nvSpPr>
+          <p:cNvPr id="6" name="PlaceHolder 2"/>
           <p:cNvSpPr>
             <a:spLocks noGrp="1"/>
           </p:cNvSpPr>
@@ -3624,21 +3559,20 @@
         </p:nvSpPr>
         <p:spPr>
           <a:xfrm>
-            <a:off x="720000" y="2160000"/>
-            <a:ext cx="8640000" cy="4384800"/>
-          </a:xfrm>
-          <a:prstGeom prst="rect">
-            <a:avLst/>
-          </a:prstGeom>
-        </p:spPr>
-        <p:txBody>
-          <a:bodyPr lIns="0" rIns="0" tIns="0" bIns="0"/>
-          <a:p>
-            <a:endParaRPr b="0" lang="en-US" sz="2800" spc="-1" strike="noStrike">
-              <a:solidFill>
-                <a:srgbClr val="333333"/>
-              </a:solidFill>
-              <a:latin typeface="Open Sans"/>
+            <a:off x="504000" y="1768680"/>
+            <a:ext cx="9072000" cy="4384080"/>
+          </a:xfrm>
+          <a:prstGeom prst="rect">
+            <a:avLst/>
+          </a:prstGeom>
+        </p:spPr>
+        <p:txBody>
+          <a:bodyPr lIns="0" rIns="0" tIns="0" bIns="0">
+            <a:normAutofit/>
+          </a:bodyPr>
+          <a:p>
+            <a:endParaRPr b="0" lang="en-US" sz="3200" spc="-1" strike="noStrike">
+              <a:latin typeface="Arial"/>
             </a:endParaRPr>
           </a:p>
         </p:txBody>
@@ -3667,7 +3601,7 @@
       </p:grpSpPr>
       <p:sp>
         <p:nvSpPr>
-          <p:cNvPr id="10" name="PlaceHolder 1"/>
+          <p:cNvPr id="7" name="PlaceHolder 1"/>
           <p:cNvSpPr>
             <a:spLocks noGrp="1"/>
           </p:cNvSpPr>
@@ -3677,8 +3611,8 @@
         </p:nvSpPr>
         <p:spPr>
           <a:xfrm>
-            <a:off x="720000" y="300960"/>
-            <a:ext cx="8855640" cy="1262520"/>
+            <a:off x="504000" y="301320"/>
+            <a:ext cx="9072000" cy="1261800"/>
           </a:xfrm>
           <a:prstGeom prst="rect">
             <a:avLst/>
@@ -3687,18 +3621,16 @@
         <p:txBody>
           <a:bodyPr lIns="0" rIns="0" tIns="0" bIns="0" anchor="ctr"/>
           <a:p>
-            <a:endParaRPr b="1" lang="en-US" sz="4400" spc="-1" strike="noStrike">
-              <a:solidFill>
-                <a:srgbClr val="333333"/>
-              </a:solidFill>
-              <a:latin typeface="Open Sans"/>
-            </a:endParaRPr>
-          </a:p>
-        </p:txBody>
-      </p:sp>
-      <p:sp>
-        <p:nvSpPr>
-          <p:cNvPr id="11" name="PlaceHolder 2"/>
+            <a:pPr algn="ctr"/>
+            <a:endParaRPr b="0" lang="en-US" sz="4400" spc="-1" strike="noStrike">
+              <a:latin typeface="Arial"/>
+            </a:endParaRPr>
+          </a:p>
+        </p:txBody>
+      </p:sp>
+      <p:sp>
+        <p:nvSpPr>
+          <p:cNvPr id="8" name="PlaceHolder 2"/>
           <p:cNvSpPr>
             <a:spLocks noGrp="1"/>
           </p:cNvSpPr>
@@ -3708,28 +3640,27 @@
         </p:nvSpPr>
         <p:spPr>
           <a:xfrm>
-            <a:off x="720000" y="2160000"/>
-            <a:ext cx="4215960" cy="4384800"/>
-          </a:xfrm>
-          <a:prstGeom prst="rect">
-            <a:avLst/>
-          </a:prstGeom>
-        </p:spPr>
-        <p:txBody>
-          <a:bodyPr lIns="0" rIns="0" tIns="0" bIns="0"/>
-          <a:p>
-            <a:endParaRPr b="0" lang="en-US" sz="2800" spc="-1" strike="noStrike">
-              <a:solidFill>
-                <a:srgbClr val="333333"/>
-              </a:solidFill>
-              <a:latin typeface="Open Sans"/>
-            </a:endParaRPr>
-          </a:p>
-        </p:txBody>
-      </p:sp>
-      <p:sp>
-        <p:nvSpPr>
-          <p:cNvPr id="12" name="PlaceHolder 3"/>
+            <a:off x="504000" y="1768680"/>
+            <a:ext cx="4426920" cy="4384080"/>
+          </a:xfrm>
+          <a:prstGeom prst="rect">
+            <a:avLst/>
+          </a:prstGeom>
+        </p:spPr>
+        <p:txBody>
+          <a:bodyPr lIns="0" rIns="0" tIns="0" bIns="0">
+            <a:normAutofit/>
+          </a:bodyPr>
+          <a:p>
+            <a:endParaRPr b="0" lang="en-US" sz="3200" spc="-1" strike="noStrike">
+              <a:latin typeface="Arial"/>
+            </a:endParaRPr>
+          </a:p>
+        </p:txBody>
+      </p:sp>
+      <p:sp>
+        <p:nvSpPr>
+          <p:cNvPr id="9" name="PlaceHolder 3"/>
           <p:cNvSpPr>
             <a:spLocks noGrp="1"/>
           </p:cNvSpPr>
@@ -3739,21 +3670,20 @@
         </p:nvSpPr>
         <p:spPr>
           <a:xfrm>
-            <a:off x="5147280" y="2160000"/>
-            <a:ext cx="4215960" cy="4384800"/>
-          </a:xfrm>
-          <a:prstGeom prst="rect">
-            <a:avLst/>
-          </a:prstGeom>
-        </p:spPr>
-        <p:txBody>
-          <a:bodyPr lIns="0" rIns="0" tIns="0" bIns="0"/>
-          <a:p>
-            <a:endParaRPr b="0" lang="en-US" sz="2800" spc="-1" strike="noStrike">
-              <a:solidFill>
-                <a:srgbClr val="333333"/>
-              </a:solidFill>
-              <a:latin typeface="Open Sans"/>
+            <a:off x="5152680" y="1768680"/>
+            <a:ext cx="4426920" cy="4384080"/>
+          </a:xfrm>
+          <a:prstGeom prst="rect">
+            <a:avLst/>
+          </a:prstGeom>
+        </p:spPr>
+        <p:txBody>
+          <a:bodyPr lIns="0" rIns="0" tIns="0" bIns="0">
+            <a:normAutofit/>
+          </a:bodyPr>
+          <a:p>
+            <a:endParaRPr b="0" lang="en-US" sz="3200" spc="-1" strike="noStrike">
+              <a:latin typeface="Arial"/>
             </a:endParaRPr>
           </a:p>
         </p:txBody>
@@ -3782,7 +3712,7 @@
       </p:grpSpPr>
       <p:sp>
         <p:nvSpPr>
-          <p:cNvPr id="13" name="PlaceHolder 1"/>
+          <p:cNvPr id="10" name="PlaceHolder 1"/>
           <p:cNvSpPr>
             <a:spLocks noGrp="1"/>
           </p:cNvSpPr>
@@ -3792,8 +3722,8 @@
         </p:nvSpPr>
         <p:spPr>
           <a:xfrm>
-            <a:off x="720000" y="300960"/>
-            <a:ext cx="8855640" cy="1262520"/>
+            <a:off x="504000" y="301320"/>
+            <a:ext cx="9072000" cy="1261800"/>
           </a:xfrm>
           <a:prstGeom prst="rect">
             <a:avLst/>
@@ -3802,11 +3732,9 @@
         <p:txBody>
           <a:bodyPr lIns="0" rIns="0" tIns="0" bIns="0" anchor="ctr"/>
           <a:p>
-            <a:endParaRPr b="1" lang="en-US" sz="4400" spc="-1" strike="noStrike">
-              <a:solidFill>
-                <a:srgbClr val="333333"/>
-              </a:solidFill>
-              <a:latin typeface="Open Sans"/>
+            <a:pPr algn="ctr"/>
+            <a:endParaRPr b="0" lang="en-US" sz="4400" spc="-1" strike="noStrike">
+              <a:latin typeface="Arial"/>
             </a:endParaRPr>
           </a:p>
         </p:txBody>
@@ -3835,7 +3763,7 @@
       </p:grpSpPr>
       <p:sp>
         <p:nvSpPr>
-          <p:cNvPr id="14" name="PlaceHolder 1"/>
+          <p:cNvPr id="11" name="PlaceHolder 1"/>
           <p:cNvSpPr>
             <a:spLocks noGrp="1"/>
           </p:cNvSpPr>
@@ -3845,8 +3773,8 @@
         </p:nvSpPr>
         <p:spPr>
           <a:xfrm>
-            <a:off x="720000" y="300960"/>
-            <a:ext cx="8855640" cy="5853600"/>
+            <a:off x="504000" y="301320"/>
+            <a:ext cx="9072000" cy="5850360"/>
           </a:xfrm>
           <a:prstGeom prst="rect">
             <a:avLst/>
@@ -3886,7 +3814,7 @@
       </p:grpSpPr>
       <p:sp>
         <p:nvSpPr>
-          <p:cNvPr id="15" name="PlaceHolder 1"/>
+          <p:cNvPr id="12" name="PlaceHolder 1"/>
           <p:cNvSpPr>
             <a:spLocks noGrp="1"/>
           </p:cNvSpPr>
@@ -3896,8 +3824,8 @@
         </p:nvSpPr>
         <p:spPr>
           <a:xfrm>
-            <a:off x="720000" y="300960"/>
-            <a:ext cx="8855640" cy="1262520"/>
+            <a:off x="504000" y="301320"/>
+            <a:ext cx="9072000" cy="1261800"/>
           </a:xfrm>
           <a:prstGeom prst="rect">
             <a:avLst/>
@@ -3906,18 +3834,16 @@
         <p:txBody>
           <a:bodyPr lIns="0" rIns="0" tIns="0" bIns="0" anchor="ctr"/>
           <a:p>
-            <a:endParaRPr b="1" lang="en-US" sz="4400" spc="-1" strike="noStrike">
-              <a:solidFill>
-                <a:srgbClr val="333333"/>
-              </a:solidFill>
-              <a:latin typeface="Open Sans"/>
-            </a:endParaRPr>
-          </a:p>
-        </p:txBody>
-      </p:sp>
-      <p:sp>
-        <p:nvSpPr>
-          <p:cNvPr id="16" name="PlaceHolder 2"/>
+            <a:pPr algn="ctr"/>
+            <a:endParaRPr b="0" lang="en-US" sz="4400" spc="-1" strike="noStrike">
+              <a:latin typeface="Arial"/>
+            </a:endParaRPr>
+          </a:p>
+        </p:txBody>
+      </p:sp>
+      <p:sp>
+        <p:nvSpPr>
+          <p:cNvPr id="13" name="PlaceHolder 2"/>
           <p:cNvSpPr>
             <a:spLocks noGrp="1"/>
           </p:cNvSpPr>
@@ -3927,28 +3853,27 @@
         </p:nvSpPr>
         <p:spPr>
           <a:xfrm>
-            <a:off x="720000" y="2160000"/>
-            <a:ext cx="4215960" cy="2091240"/>
-          </a:xfrm>
-          <a:prstGeom prst="rect">
-            <a:avLst/>
-          </a:prstGeom>
-        </p:spPr>
-        <p:txBody>
-          <a:bodyPr lIns="0" rIns="0" tIns="0" bIns="0"/>
-          <a:p>
-            <a:endParaRPr b="0" lang="en-US" sz="2800" spc="-1" strike="noStrike">
-              <a:solidFill>
-                <a:srgbClr val="333333"/>
-              </a:solidFill>
-              <a:latin typeface="Open Sans"/>
-            </a:endParaRPr>
-          </a:p>
-        </p:txBody>
-      </p:sp>
-      <p:sp>
-        <p:nvSpPr>
-          <p:cNvPr id="17" name="PlaceHolder 3"/>
+            <a:off x="504000" y="1768680"/>
+            <a:ext cx="4426920" cy="2090880"/>
+          </a:xfrm>
+          <a:prstGeom prst="rect">
+            <a:avLst/>
+          </a:prstGeom>
+        </p:spPr>
+        <p:txBody>
+          <a:bodyPr lIns="0" rIns="0" tIns="0" bIns="0">
+            <a:normAutofit/>
+          </a:bodyPr>
+          <a:p>
+            <a:endParaRPr b="0" lang="en-US" sz="3200" spc="-1" strike="noStrike">
+              <a:latin typeface="Arial"/>
+            </a:endParaRPr>
+          </a:p>
+        </p:txBody>
+      </p:sp>
+      <p:sp>
+        <p:nvSpPr>
+          <p:cNvPr id="14" name="PlaceHolder 3"/>
           <p:cNvSpPr>
             <a:spLocks noGrp="1"/>
           </p:cNvSpPr>
@@ -3958,28 +3883,27 @@
         </p:nvSpPr>
         <p:spPr>
           <a:xfrm>
-            <a:off x="720000" y="4450320"/>
-            <a:ext cx="4215960" cy="2091240"/>
-          </a:xfrm>
-          <a:prstGeom prst="rect">
-            <a:avLst/>
-          </a:prstGeom>
-        </p:spPr>
-        <p:txBody>
-          <a:bodyPr lIns="0" rIns="0" tIns="0" bIns="0"/>
-          <a:p>
-            <a:endParaRPr b="0" lang="en-US" sz="2800" spc="-1" strike="noStrike">
-              <a:solidFill>
-                <a:srgbClr val="333333"/>
-              </a:solidFill>
-              <a:latin typeface="Open Sans"/>
-            </a:endParaRPr>
-          </a:p>
-        </p:txBody>
-      </p:sp>
-      <p:sp>
-        <p:nvSpPr>
-          <p:cNvPr id="18" name="PlaceHolder 4"/>
+            <a:off x="504000" y="4058640"/>
+            <a:ext cx="4426920" cy="2090880"/>
+          </a:xfrm>
+          <a:prstGeom prst="rect">
+            <a:avLst/>
+          </a:prstGeom>
+        </p:spPr>
+        <p:txBody>
+          <a:bodyPr lIns="0" rIns="0" tIns="0" bIns="0">
+            <a:normAutofit/>
+          </a:bodyPr>
+          <a:p>
+            <a:endParaRPr b="0" lang="en-US" sz="3200" spc="-1" strike="noStrike">
+              <a:latin typeface="Arial"/>
+            </a:endParaRPr>
+          </a:p>
+        </p:txBody>
+      </p:sp>
+      <p:sp>
+        <p:nvSpPr>
+          <p:cNvPr id="15" name="PlaceHolder 4"/>
           <p:cNvSpPr>
             <a:spLocks noGrp="1"/>
           </p:cNvSpPr>
@@ -3989,21 +3913,20 @@
         </p:nvSpPr>
         <p:spPr>
           <a:xfrm>
-            <a:off x="5147280" y="2160000"/>
-            <a:ext cx="4215960" cy="4384800"/>
-          </a:xfrm>
-          <a:prstGeom prst="rect">
-            <a:avLst/>
-          </a:prstGeom>
-        </p:spPr>
-        <p:txBody>
-          <a:bodyPr lIns="0" rIns="0" tIns="0" bIns="0"/>
-          <a:p>
-            <a:endParaRPr b="0" lang="en-US" sz="2800" spc="-1" strike="noStrike">
-              <a:solidFill>
-                <a:srgbClr val="333333"/>
-              </a:solidFill>
-              <a:latin typeface="Open Sans"/>
+            <a:off x="5152680" y="1768680"/>
+            <a:ext cx="4426920" cy="4384080"/>
+          </a:xfrm>
+          <a:prstGeom prst="rect">
+            <a:avLst/>
+          </a:prstGeom>
+        </p:spPr>
+        <p:txBody>
+          <a:bodyPr lIns="0" rIns="0" tIns="0" bIns="0">
+            <a:normAutofit/>
+          </a:bodyPr>
+          <a:p>
+            <a:endParaRPr b="0" lang="en-US" sz="3200" spc="-1" strike="noStrike">
+              <a:latin typeface="Arial"/>
             </a:endParaRPr>
           </a:p>
         </p:txBody>
@@ -4032,7 +3955,7 @@
       </p:grpSpPr>
       <p:sp>
         <p:nvSpPr>
-          <p:cNvPr id="19" name="PlaceHolder 1"/>
+          <p:cNvPr id="16" name="PlaceHolder 1"/>
           <p:cNvSpPr>
             <a:spLocks noGrp="1"/>
           </p:cNvSpPr>
@@ -4042,8 +3965,8 @@
         </p:nvSpPr>
         <p:spPr>
           <a:xfrm>
-            <a:off x="720000" y="300960"/>
-            <a:ext cx="8855640" cy="1262520"/>
+            <a:off x="504000" y="301320"/>
+            <a:ext cx="9072000" cy="1261800"/>
           </a:xfrm>
           <a:prstGeom prst="rect">
             <a:avLst/>
@@ -4052,18 +3975,16 @@
         <p:txBody>
           <a:bodyPr lIns="0" rIns="0" tIns="0" bIns="0" anchor="ctr"/>
           <a:p>
-            <a:endParaRPr b="1" lang="en-US" sz="4400" spc="-1" strike="noStrike">
-              <a:solidFill>
-                <a:srgbClr val="333333"/>
-              </a:solidFill>
-              <a:latin typeface="Open Sans"/>
-            </a:endParaRPr>
-          </a:p>
-        </p:txBody>
-      </p:sp>
-      <p:sp>
-        <p:nvSpPr>
-          <p:cNvPr id="20" name="PlaceHolder 2"/>
+            <a:pPr algn="ctr"/>
+            <a:endParaRPr b="0" lang="en-US" sz="4400" spc="-1" strike="noStrike">
+              <a:latin typeface="Arial"/>
+            </a:endParaRPr>
+          </a:p>
+        </p:txBody>
+      </p:sp>
+      <p:sp>
+        <p:nvSpPr>
+          <p:cNvPr id="17" name="PlaceHolder 2"/>
           <p:cNvSpPr>
             <a:spLocks noGrp="1"/>
           </p:cNvSpPr>
@@ -4073,28 +3994,27 @@
         </p:nvSpPr>
         <p:spPr>
           <a:xfrm>
-            <a:off x="720000" y="2160000"/>
-            <a:ext cx="4215960" cy="4384800"/>
-          </a:xfrm>
-          <a:prstGeom prst="rect">
-            <a:avLst/>
-          </a:prstGeom>
-        </p:spPr>
-        <p:txBody>
-          <a:bodyPr lIns="0" rIns="0" tIns="0" bIns="0"/>
-          <a:p>
-            <a:endParaRPr b="0" lang="en-US" sz="2800" spc="-1" strike="noStrike">
-              <a:solidFill>
-                <a:srgbClr val="333333"/>
-              </a:solidFill>
-              <a:latin typeface="Open Sans"/>
-            </a:endParaRPr>
-          </a:p>
-        </p:txBody>
-      </p:sp>
-      <p:sp>
-        <p:nvSpPr>
-          <p:cNvPr id="21" name="PlaceHolder 3"/>
+            <a:off x="504000" y="1768680"/>
+            <a:ext cx="4426920" cy="4384080"/>
+          </a:xfrm>
+          <a:prstGeom prst="rect">
+            <a:avLst/>
+          </a:prstGeom>
+        </p:spPr>
+        <p:txBody>
+          <a:bodyPr lIns="0" rIns="0" tIns="0" bIns="0">
+            <a:normAutofit/>
+          </a:bodyPr>
+          <a:p>
+            <a:endParaRPr b="0" lang="en-US" sz="3200" spc="-1" strike="noStrike">
+              <a:latin typeface="Arial"/>
+            </a:endParaRPr>
+          </a:p>
+        </p:txBody>
+      </p:sp>
+      <p:sp>
+        <p:nvSpPr>
+          <p:cNvPr id="18" name="PlaceHolder 3"/>
           <p:cNvSpPr>
             <a:spLocks noGrp="1"/>
           </p:cNvSpPr>
@@ -4104,28 +4024,27 @@
         </p:nvSpPr>
         <p:spPr>
           <a:xfrm>
-            <a:off x="5147280" y="2160000"/>
-            <a:ext cx="4215960" cy="2091240"/>
-          </a:xfrm>
-          <a:prstGeom prst="rect">
-            <a:avLst/>
-          </a:prstGeom>
-        </p:spPr>
-        <p:txBody>
-          <a:bodyPr lIns="0" rIns="0" tIns="0" bIns="0"/>
-          <a:p>
-            <a:endParaRPr b="0" lang="en-US" sz="2800" spc="-1" strike="noStrike">
-              <a:solidFill>
-                <a:srgbClr val="333333"/>
-              </a:solidFill>
-              <a:latin typeface="Open Sans"/>
-            </a:endParaRPr>
-          </a:p>
-        </p:txBody>
-      </p:sp>
-      <p:sp>
-        <p:nvSpPr>
-          <p:cNvPr id="22" name="PlaceHolder 4"/>
+            <a:off x="5152680" y="1768680"/>
+            <a:ext cx="4426920" cy="2090880"/>
+          </a:xfrm>
+          <a:prstGeom prst="rect">
+            <a:avLst/>
+          </a:prstGeom>
+        </p:spPr>
+        <p:txBody>
+          <a:bodyPr lIns="0" rIns="0" tIns="0" bIns="0">
+            <a:normAutofit/>
+          </a:bodyPr>
+          <a:p>
+            <a:endParaRPr b="0" lang="en-US" sz="3200" spc="-1" strike="noStrike">
+              <a:latin typeface="Arial"/>
+            </a:endParaRPr>
+          </a:p>
+        </p:txBody>
+      </p:sp>
+      <p:sp>
+        <p:nvSpPr>
+          <p:cNvPr id="19" name="PlaceHolder 4"/>
           <p:cNvSpPr>
             <a:spLocks noGrp="1"/>
           </p:cNvSpPr>
@@ -4135,21 +4054,20 @@
         </p:nvSpPr>
         <p:spPr>
           <a:xfrm>
-            <a:off x="5147280" y="4450320"/>
-            <a:ext cx="4215960" cy="2091240"/>
-          </a:xfrm>
-          <a:prstGeom prst="rect">
-            <a:avLst/>
-          </a:prstGeom>
-        </p:spPr>
-        <p:txBody>
-          <a:bodyPr lIns="0" rIns="0" tIns="0" bIns="0"/>
-          <a:p>
-            <a:endParaRPr b="0" lang="en-US" sz="2800" spc="-1" strike="noStrike">
-              <a:solidFill>
-                <a:srgbClr val="333333"/>
-              </a:solidFill>
-              <a:latin typeface="Open Sans"/>
+            <a:off x="5152680" y="4058640"/>
+            <a:ext cx="4426920" cy="2090880"/>
+          </a:xfrm>
+          <a:prstGeom prst="rect">
+            <a:avLst/>
+          </a:prstGeom>
+        </p:spPr>
+        <p:txBody>
+          <a:bodyPr lIns="0" rIns="0" tIns="0" bIns="0">
+            <a:normAutofit/>
+          </a:bodyPr>
+          <a:p>
+            <a:endParaRPr b="0" lang="en-US" sz="3200" spc="-1" strike="noStrike">
+              <a:latin typeface="Arial"/>
             </a:endParaRPr>
           </a:p>
         </p:txBody>
@@ -4178,7 +4096,7 @@
       </p:grpSpPr>
       <p:sp>
         <p:nvSpPr>
-          <p:cNvPr id="23" name="PlaceHolder 1"/>
+          <p:cNvPr id="20" name="PlaceHolder 1"/>
           <p:cNvSpPr>
             <a:spLocks noGrp="1"/>
           </p:cNvSpPr>
@@ -4188,8 +4106,8 @@
         </p:nvSpPr>
         <p:spPr>
           <a:xfrm>
-            <a:off x="720000" y="300960"/>
-            <a:ext cx="8855640" cy="1262520"/>
+            <a:off x="504000" y="301320"/>
+            <a:ext cx="9072000" cy="1261800"/>
           </a:xfrm>
           <a:prstGeom prst="rect">
             <a:avLst/>
@@ -4198,18 +4116,16 @@
         <p:txBody>
           <a:bodyPr lIns="0" rIns="0" tIns="0" bIns="0" anchor="ctr"/>
           <a:p>
-            <a:endParaRPr b="1" lang="en-US" sz="4400" spc="-1" strike="noStrike">
-              <a:solidFill>
-                <a:srgbClr val="333333"/>
-              </a:solidFill>
-              <a:latin typeface="Open Sans"/>
-            </a:endParaRPr>
-          </a:p>
-        </p:txBody>
-      </p:sp>
-      <p:sp>
-        <p:nvSpPr>
-          <p:cNvPr id="24" name="PlaceHolder 2"/>
+            <a:pPr algn="ctr"/>
+            <a:endParaRPr b="0" lang="en-US" sz="4400" spc="-1" strike="noStrike">
+              <a:latin typeface="Arial"/>
+            </a:endParaRPr>
+          </a:p>
+        </p:txBody>
+      </p:sp>
+      <p:sp>
+        <p:nvSpPr>
+          <p:cNvPr id="21" name="PlaceHolder 2"/>
           <p:cNvSpPr>
             <a:spLocks noGrp="1"/>
           </p:cNvSpPr>
@@ -4219,28 +4135,27 @@
         </p:nvSpPr>
         <p:spPr>
           <a:xfrm>
-            <a:off x="720000" y="2160000"/>
-            <a:ext cx="4215960" cy="2091240"/>
-          </a:xfrm>
-          <a:prstGeom prst="rect">
-            <a:avLst/>
-          </a:prstGeom>
-        </p:spPr>
-        <p:txBody>
-          <a:bodyPr lIns="0" rIns="0" tIns="0" bIns="0"/>
-          <a:p>
-            <a:endParaRPr b="0" lang="en-US" sz="2800" spc="-1" strike="noStrike">
-              <a:solidFill>
-                <a:srgbClr val="333333"/>
-              </a:solidFill>
-              <a:latin typeface="Open Sans"/>
-            </a:endParaRPr>
-          </a:p>
-        </p:txBody>
-      </p:sp>
-      <p:sp>
-        <p:nvSpPr>
-          <p:cNvPr id="25" name="PlaceHolder 3"/>
+            <a:off x="504000" y="1768680"/>
+            <a:ext cx="4426920" cy="2090880"/>
+          </a:xfrm>
+          <a:prstGeom prst="rect">
+            <a:avLst/>
+          </a:prstGeom>
+        </p:spPr>
+        <p:txBody>
+          <a:bodyPr lIns="0" rIns="0" tIns="0" bIns="0">
+            <a:normAutofit/>
+          </a:bodyPr>
+          <a:p>
+            <a:endParaRPr b="0" lang="en-US" sz="3200" spc="-1" strike="noStrike">
+              <a:latin typeface="Arial"/>
+            </a:endParaRPr>
+          </a:p>
+        </p:txBody>
+      </p:sp>
+      <p:sp>
+        <p:nvSpPr>
+          <p:cNvPr id="22" name="PlaceHolder 3"/>
           <p:cNvSpPr>
             <a:spLocks noGrp="1"/>
           </p:cNvSpPr>
@@ -4250,28 +4165,27 @@
         </p:nvSpPr>
         <p:spPr>
           <a:xfrm>
-            <a:off x="5147280" y="2160000"/>
-            <a:ext cx="4215960" cy="2091240"/>
-          </a:xfrm>
-          <a:prstGeom prst="rect">
-            <a:avLst/>
-          </a:prstGeom>
-        </p:spPr>
-        <p:txBody>
-          <a:bodyPr lIns="0" rIns="0" tIns="0" bIns="0"/>
-          <a:p>
-            <a:endParaRPr b="0" lang="en-US" sz="2800" spc="-1" strike="noStrike">
-              <a:solidFill>
-                <a:srgbClr val="333333"/>
-              </a:solidFill>
-              <a:latin typeface="Open Sans"/>
-            </a:endParaRPr>
-          </a:p>
-        </p:txBody>
-      </p:sp>
-      <p:sp>
-        <p:nvSpPr>
-          <p:cNvPr id="26" name="PlaceHolder 4"/>
+            <a:off x="5152680" y="1768680"/>
+            <a:ext cx="4426920" cy="2090880"/>
+          </a:xfrm>
+          <a:prstGeom prst="rect">
+            <a:avLst/>
+          </a:prstGeom>
+        </p:spPr>
+        <p:txBody>
+          <a:bodyPr lIns="0" rIns="0" tIns="0" bIns="0">
+            <a:normAutofit/>
+          </a:bodyPr>
+          <a:p>
+            <a:endParaRPr b="0" lang="en-US" sz="3200" spc="-1" strike="noStrike">
+              <a:latin typeface="Arial"/>
+            </a:endParaRPr>
+          </a:p>
+        </p:txBody>
+      </p:sp>
+      <p:sp>
+        <p:nvSpPr>
+          <p:cNvPr id="23" name="PlaceHolder 4"/>
           <p:cNvSpPr>
             <a:spLocks noGrp="1"/>
           </p:cNvSpPr>
@@ -4281,21 +4195,20 @@
         </p:nvSpPr>
         <p:spPr>
           <a:xfrm>
-            <a:off x="720000" y="4450320"/>
-            <a:ext cx="8640000" cy="2091240"/>
-          </a:xfrm>
-          <a:prstGeom prst="rect">
-            <a:avLst/>
-          </a:prstGeom>
-        </p:spPr>
-        <p:txBody>
-          <a:bodyPr lIns="0" rIns="0" tIns="0" bIns="0"/>
-          <a:p>
-            <a:endParaRPr b="0" lang="en-US" sz="2800" spc="-1" strike="noStrike">
-              <a:solidFill>
-                <a:srgbClr val="333333"/>
-              </a:solidFill>
-              <a:latin typeface="Open Sans"/>
+            <a:off x="504000" y="4058640"/>
+            <a:ext cx="9072000" cy="2090880"/>
+          </a:xfrm>
+          <a:prstGeom prst="rect">
+            <a:avLst/>
+          </a:prstGeom>
+        </p:spPr>
+        <p:txBody>
+          <a:bodyPr lIns="0" rIns="0" tIns="0" bIns="0">
+            <a:normAutofit/>
+          </a:bodyPr>
+          <a:p>
+            <a:endParaRPr b="0" lang="en-US" sz="3200" spc="-1" strike="noStrike">
+              <a:latin typeface="Arial"/>
             </a:endParaRPr>
           </a:p>
         </p:txBody>
@@ -4324,7 +4237,35 @@
       </p:grpSpPr>
       <p:sp>
         <p:nvSpPr>
-          <p:cNvPr id="0" name="PlaceHolder 1"/>
+          <p:cNvPr id="0" name="CustomShape 1"/>
+          <p:cNvSpPr/>
+          <p:nvPr/>
+        </p:nvSpPr>
+        <p:spPr>
+          <a:xfrm>
+            <a:off x="0" y="4320000"/>
+            <a:ext cx="503280" cy="1079280"/>
+          </a:xfrm>
+          <a:prstGeom prst="rect">
+            <a:avLst/>
+          </a:prstGeom>
+          <a:solidFill>
+            <a:srgbClr val="ef2929"/>
+          </a:solidFill>
+          <a:ln>
+            <a:noFill/>
+          </a:ln>
+        </p:spPr>
+        <p:style>
+          <a:lnRef idx="0"/>
+          <a:fillRef idx="0"/>
+          <a:effectRef idx="0"/>
+          <a:fontRef idx="minor"/>
+        </p:style>
+      </p:sp>
+      <p:sp>
+        <p:nvSpPr>
+          <p:cNvPr id="1" name="PlaceHolder 2"/>
           <p:cNvSpPr>
             <a:spLocks noGrp="1"/>
           </p:cNvSpPr>
@@ -4334,39 +4275,31 @@
         </p:nvSpPr>
         <p:spPr>
           <a:xfrm>
-            <a:off x="792000" y="4104000"/>
-            <a:ext cx="8568000" cy="1440000"/>
-          </a:xfrm>
-          <a:prstGeom prst="rect">
-            <a:avLst/>
-          </a:prstGeom>
-        </p:spPr>
-        <p:txBody>
-          <a:bodyPr lIns="0" rIns="0" tIns="0" bIns="0" anchor="ctr">
-            <a:normAutofit/>
-          </a:bodyPr>
-          <a:p>
-            <a:r>
-              <a:rPr b="1" lang="en-US" sz="4800" spc="-1" strike="noStrike">
-                <a:solidFill>
-                  <a:srgbClr val="333333"/>
-                </a:solidFill>
-                <a:latin typeface="Open Sans"/>
+            <a:off x="720000" y="300960"/>
+            <a:ext cx="8854920" cy="1261800"/>
+          </a:xfrm>
+          <a:prstGeom prst="rect">
+            <a:avLst/>
+          </a:prstGeom>
+        </p:spPr>
+        <p:txBody>
+          <a:bodyPr lIns="0" rIns="0" tIns="0" bIns="0" anchor="ctr"/>
+          <a:p>
+            <a:r>
+              <a:rPr b="0" lang="en-US" sz="1800" spc="-1" strike="noStrike">
+                <a:latin typeface="Arial"/>
               </a:rPr>
               <a:t>Click to edit the title text format</a:t>
             </a:r>
-            <a:endParaRPr b="1" lang="en-US" sz="4800" spc="-1" strike="noStrike">
-              <a:solidFill>
-                <a:srgbClr val="333333"/>
-              </a:solidFill>
-              <a:latin typeface="Open Sans"/>
-            </a:endParaRPr>
-          </a:p>
-        </p:txBody>
-      </p:sp>
-      <p:sp>
-        <p:nvSpPr>
-          <p:cNvPr id="1" name="PlaceHolder 2"/>
+            <a:endParaRPr b="0" lang="en-US" sz="1800" spc="-1" strike="noStrike">
+              <a:latin typeface="Arial"/>
+            </a:endParaRPr>
+          </a:p>
+        </p:txBody>
+      </p:sp>
+      <p:sp>
+        <p:nvSpPr>
+          <p:cNvPr id="2" name="PlaceHolder 3"/>
           <p:cNvSpPr>
             <a:spLocks noGrp="1"/>
           </p:cNvSpPr>
@@ -4376,8 +4309,8 @@
         </p:nvSpPr>
         <p:spPr>
           <a:xfrm>
-            <a:off x="792000" y="5904000"/>
-            <a:ext cx="8568000" cy="982440"/>
+            <a:off x="720000" y="2160000"/>
+            <a:ext cx="8639280" cy="4384080"/>
           </a:xfrm>
           <a:prstGeom prst="rect">
             <a:avLst/>
@@ -4389,345 +4322,159 @@
           </a:bodyPr>
           <a:p>
             <a:pPr marL="432000" indent="-324000">
-              <a:spcAft>
-                <a:spcPts val="1879"/>
-              </a:spcAft>
+              <a:spcBef>
+                <a:spcPts val="1417"/>
+              </a:spcBef>
               <a:buClr>
-                <a:srgbClr val="333333"/>
+                <a:srgbClr val="000000"/>
               </a:buClr>
               <a:buSzPct val="45000"/>
               <a:buFont typeface="Wingdings" charset="2"/>
               <a:buChar char=""/>
             </a:pPr>
             <a:r>
-              <a:rPr b="0" lang="en-US" sz="2400" spc="-1" strike="noStrike">
-                <a:solidFill>
-                  <a:srgbClr val="333333"/>
-                </a:solidFill>
-                <a:latin typeface="Open Sans"/>
+              <a:rPr b="0" lang="en-US" sz="1800" spc="-1" strike="noStrike">
+                <a:latin typeface="Arial"/>
               </a:rPr>
               <a:t>Click to edit the outline text format</a:t>
             </a:r>
-            <a:endParaRPr b="0" lang="en-US" sz="2400" spc="-1" strike="noStrike">
-              <a:solidFill>
-                <a:srgbClr val="333333"/>
-              </a:solidFill>
-              <a:latin typeface="Open Sans"/>
+            <a:endParaRPr b="0" lang="en-US" sz="1800" spc="-1" strike="noStrike">
+              <a:latin typeface="Arial"/>
             </a:endParaRPr>
           </a:p>
           <a:p>
             <a:pPr lvl="1" marL="864000" indent="-324000">
-              <a:spcAft>
-                <a:spcPts val="1497"/>
-              </a:spcAft>
+              <a:spcBef>
+                <a:spcPts val="1134"/>
+              </a:spcBef>
               <a:buClr>
-                <a:srgbClr val="ffffff"/>
+                <a:srgbClr val="000000"/>
               </a:buClr>
               <a:buSzPct val="75000"/>
               <a:buFont typeface="Symbol" charset="2"/>
               <a:buChar char=""/>
             </a:pPr>
             <a:r>
-              <a:rPr b="0" lang="en-US" sz="2400" spc="-1" strike="noStrike">
-                <a:solidFill>
-                  <a:srgbClr val="333333"/>
-                </a:solidFill>
-                <a:latin typeface="Open Sans"/>
+              <a:rPr b="0" lang="en-US" sz="1800" spc="-1" strike="noStrike">
+                <a:latin typeface="Arial"/>
               </a:rPr>
               <a:t>Second Outline Level</a:t>
             </a:r>
-            <a:endParaRPr b="0" lang="en-US" sz="2400" spc="-1" strike="noStrike">
-              <a:solidFill>
-                <a:srgbClr val="333333"/>
-              </a:solidFill>
-              <a:latin typeface="Open Sans"/>
+            <a:endParaRPr b="0" lang="en-US" sz="1800" spc="-1" strike="noStrike">
+              <a:latin typeface="Arial"/>
             </a:endParaRPr>
           </a:p>
           <a:p>
             <a:pPr lvl="2" marL="1296000" indent="-288000">
-              <a:spcAft>
-                <a:spcPts val="1120"/>
-              </a:spcAft>
+              <a:spcBef>
+                <a:spcPts val="850"/>
+              </a:spcBef>
               <a:buClr>
-                <a:srgbClr val="ffffff"/>
+                <a:srgbClr val="000000"/>
               </a:buClr>
               <a:buSzPct val="45000"/>
               <a:buFont typeface="Wingdings" charset="2"/>
               <a:buChar char=""/>
             </a:pPr>
             <a:r>
-              <a:rPr b="0" lang="en-US" sz="2400" spc="-1" strike="noStrike">
-                <a:solidFill>
-                  <a:srgbClr val="333333"/>
-                </a:solidFill>
-                <a:latin typeface="Open Sans"/>
+              <a:rPr b="0" lang="en-US" sz="1800" spc="-1" strike="noStrike">
+                <a:latin typeface="Arial"/>
               </a:rPr>
               <a:t>Third Outline Level</a:t>
             </a:r>
-            <a:endParaRPr b="0" lang="en-US" sz="2400" spc="-1" strike="noStrike">
-              <a:solidFill>
-                <a:srgbClr val="333333"/>
-              </a:solidFill>
-              <a:latin typeface="Open Sans"/>
+            <a:endParaRPr b="0" lang="en-US" sz="1800" spc="-1" strike="noStrike">
+              <a:latin typeface="Arial"/>
             </a:endParaRPr>
           </a:p>
           <a:p>
             <a:pPr lvl="3" marL="1728000" indent="-216000">
-              <a:spcAft>
-                <a:spcPts val="743"/>
-              </a:spcAft>
+              <a:spcBef>
+                <a:spcPts val="567"/>
+              </a:spcBef>
               <a:buClr>
-                <a:srgbClr val="ffffff"/>
+                <a:srgbClr val="000000"/>
               </a:buClr>
               <a:buSzPct val="75000"/>
               <a:buFont typeface="Symbol" charset="2"/>
               <a:buChar char=""/>
             </a:pPr>
             <a:r>
-              <a:rPr b="0" lang="en-US" sz="2400" spc="-1" strike="noStrike">
-                <a:solidFill>
-                  <a:srgbClr val="333333"/>
-                </a:solidFill>
-                <a:latin typeface="Open Sans"/>
+              <a:rPr b="0" lang="en-US" sz="1800" spc="-1" strike="noStrike">
+                <a:latin typeface="Arial"/>
               </a:rPr>
               <a:t>Fourth Outline Level</a:t>
             </a:r>
-            <a:endParaRPr b="0" lang="en-US" sz="2400" spc="-1" strike="noStrike">
-              <a:solidFill>
-                <a:srgbClr val="333333"/>
-              </a:solidFill>
-              <a:latin typeface="Open Sans"/>
+            <a:endParaRPr b="0" lang="en-US" sz="1800" spc="-1" strike="noStrike">
+              <a:latin typeface="Arial"/>
             </a:endParaRPr>
           </a:p>
           <a:p>
             <a:pPr lvl="4" marL="2160000" indent="-216000">
-              <a:spcAft>
-                <a:spcPts val="366"/>
-              </a:spcAft>
+              <a:spcBef>
+                <a:spcPts val="283"/>
+              </a:spcBef>
               <a:buClr>
-                <a:srgbClr val="ffffff"/>
+                <a:srgbClr val="000000"/>
               </a:buClr>
               <a:buSzPct val="45000"/>
               <a:buFont typeface="Wingdings" charset="2"/>
               <a:buChar char=""/>
             </a:pPr>
             <a:r>
-              <a:rPr b="0" lang="en-US" sz="2400" spc="-1" strike="noStrike">
-                <a:solidFill>
-                  <a:srgbClr val="333333"/>
-                </a:solidFill>
-                <a:latin typeface="Open Sans"/>
+              <a:rPr b="0" lang="en-US" sz="1800" spc="-1" strike="noStrike">
+                <a:latin typeface="Arial"/>
               </a:rPr>
               <a:t>Fifth Outline Level</a:t>
             </a:r>
-            <a:endParaRPr b="0" lang="en-US" sz="2400" spc="-1" strike="noStrike">
-              <a:solidFill>
-                <a:srgbClr val="333333"/>
-              </a:solidFill>
-              <a:latin typeface="Open Sans"/>
+            <a:endParaRPr b="0" lang="en-US" sz="1800" spc="-1" strike="noStrike">
+              <a:latin typeface="Arial"/>
             </a:endParaRPr>
           </a:p>
           <a:p>
             <a:pPr lvl="5" marL="2592000" indent="-216000">
-              <a:spcAft>
-                <a:spcPts val="366"/>
-              </a:spcAft>
+              <a:spcBef>
+                <a:spcPts val="283"/>
+              </a:spcBef>
               <a:buClr>
-                <a:srgbClr val="ffffff"/>
+                <a:srgbClr val="000000"/>
               </a:buClr>
               <a:buSzPct val="45000"/>
               <a:buFont typeface="Wingdings" charset="2"/>
               <a:buChar char=""/>
             </a:pPr>
             <a:r>
-              <a:rPr b="0" lang="en-US" sz="2400" spc="-1" strike="noStrike">
-                <a:solidFill>
-                  <a:srgbClr val="333333"/>
-                </a:solidFill>
-                <a:latin typeface="Open Sans"/>
+              <a:rPr b="0" lang="en-US" sz="1800" spc="-1" strike="noStrike">
+                <a:latin typeface="Arial"/>
               </a:rPr>
               <a:t>Sixth Outline Level</a:t>
             </a:r>
-            <a:endParaRPr b="0" lang="en-US" sz="2400" spc="-1" strike="noStrike">
-              <a:solidFill>
-                <a:srgbClr val="333333"/>
-              </a:solidFill>
-              <a:latin typeface="Open Sans"/>
+            <a:endParaRPr b="0" lang="en-US" sz="1800" spc="-1" strike="noStrike">
+              <a:latin typeface="Arial"/>
             </a:endParaRPr>
           </a:p>
           <a:p>
             <a:pPr lvl="6" marL="3024000" indent="-216000">
-              <a:spcAft>
-                <a:spcPts val="366"/>
-              </a:spcAft>
+              <a:spcBef>
+                <a:spcPts val="283"/>
+              </a:spcBef>
               <a:buClr>
-                <a:srgbClr val="ffffff"/>
+                <a:srgbClr val="000000"/>
               </a:buClr>
               <a:buSzPct val="45000"/>
               <a:buFont typeface="Wingdings" charset="2"/>
               <a:buChar char=""/>
             </a:pPr>
             <a:r>
-              <a:rPr b="0" lang="en-US" sz="2400" spc="-1" strike="noStrike">
-                <a:solidFill>
-                  <a:srgbClr val="333333"/>
-                </a:solidFill>
-                <a:latin typeface="Open Sans"/>
+              <a:rPr b="0" lang="en-US" sz="1800" spc="-1" strike="noStrike">
+                <a:latin typeface="Arial"/>
               </a:rPr>
               <a:t>Seventh Outline Level</a:t>
             </a:r>
-            <a:endParaRPr b="0" lang="en-US" sz="2400" spc="-1" strike="noStrike">
-              <a:solidFill>
-                <a:srgbClr val="333333"/>
-              </a:solidFill>
-              <a:latin typeface="Open Sans"/>
-            </a:endParaRPr>
-          </a:p>
-        </p:txBody>
-      </p:sp>
-      <p:sp>
-        <p:nvSpPr>
-          <p:cNvPr id="2" name="PlaceHolder 3"/>
-          <p:cNvSpPr>
-            <a:spLocks noGrp="1"/>
-          </p:cNvSpPr>
-          <p:nvPr>
-            <p:ph type="dt"/>
-          </p:nvPr>
-        </p:nvSpPr>
-        <p:spPr>
-          <a:xfrm>
-            <a:off x="504000" y="6886440"/>
-            <a:ext cx="2348280" cy="521280"/>
-          </a:xfrm>
-          <a:prstGeom prst="rect">
-            <a:avLst/>
-          </a:prstGeom>
-        </p:spPr>
-        <p:txBody>
-          <a:bodyPr lIns="0" rIns="0" tIns="0" bIns="0"/>
-          <a:p>
-            <a:r>
-              <a:rPr b="0" lang="en-US" sz="1400" spc="-1" strike="noStrike">
-                <a:latin typeface="Open Sans"/>
-              </a:rPr>
-              <a:t>&lt;date/time&gt;</a:t>
-            </a:r>
-            <a:endParaRPr b="0" lang="en-US" sz="1400" spc="-1" strike="noStrike">
-              <a:latin typeface="Open Sans"/>
-            </a:endParaRPr>
-          </a:p>
-        </p:txBody>
-      </p:sp>
-      <p:sp>
-        <p:nvSpPr>
-          <p:cNvPr id="3" name="PlaceHolder 4"/>
-          <p:cNvSpPr>
-            <a:spLocks noGrp="1"/>
-          </p:cNvSpPr>
-          <p:nvPr>
-            <p:ph type="ftr"/>
-          </p:nvPr>
-        </p:nvSpPr>
-        <p:spPr>
-          <a:xfrm>
-            <a:off x="3447360" y="6886440"/>
-            <a:ext cx="3195000" cy="521280"/>
-          </a:xfrm>
-          <a:prstGeom prst="rect">
-            <a:avLst/>
-          </a:prstGeom>
-        </p:spPr>
-        <p:txBody>
-          <a:bodyPr lIns="0" rIns="0" tIns="0" bIns="0"/>
-          <a:p>
-            <a:pPr algn="ctr"/>
-            <a:r>
-              <a:rPr b="0" lang="en-US" sz="1400" spc="-1" strike="noStrike">
-                <a:latin typeface="Open Sans"/>
-              </a:rPr>
-              <a:t>&lt;footer&gt;</a:t>
-            </a:r>
-            <a:endParaRPr b="0" lang="en-US" sz="1400" spc="-1" strike="noStrike">
-              <a:latin typeface="Open Sans"/>
-            </a:endParaRPr>
-          </a:p>
-        </p:txBody>
-      </p:sp>
-      <p:sp>
-        <p:nvSpPr>
-          <p:cNvPr id="4" name="PlaceHolder 5"/>
-          <p:cNvSpPr>
-            <a:spLocks noGrp="1"/>
-          </p:cNvSpPr>
-          <p:nvPr>
-            <p:ph type="sldNum"/>
-          </p:nvPr>
-        </p:nvSpPr>
-        <p:spPr>
-          <a:xfrm>
-            <a:off x="7227360" y="6886440"/>
-            <a:ext cx="2348280" cy="521280"/>
-          </a:xfrm>
-          <a:prstGeom prst="rect">
-            <a:avLst/>
-          </a:prstGeom>
-        </p:spPr>
-        <p:txBody>
-          <a:bodyPr lIns="0" rIns="0" tIns="0" bIns="0"/>
-          <a:p>
-            <a:pPr algn="r"/>
-            <a:fld id="{3267BEF4-D6C0-43A5-AD67-755C52E708CC}" type="slidenum">
-              <a:rPr b="0" lang="en-US" sz="1400" spc="-1" strike="noStrike">
-                <a:latin typeface="Open Sans"/>
-              </a:rPr>
-              <a:t>&lt;number&gt;</a:t>
-            </a:fld>
-            <a:r>
-              <a:rPr b="0" lang="en-US" sz="1400" spc="-1" strike="noStrike">
-                <a:latin typeface="Open Sans"/>
-              </a:rPr>
-              <a:t> / </a:t>
-            </a:r>
-            <a:fld id="{204FE711-D81E-4285-8BE4-1585367552AF}" type="slidecount">
-              <a:rPr b="0" lang="en-US" sz="1400" spc="-1" strike="noStrike">
-                <a:latin typeface="Open Sans"/>
-              </a:rPr>
-              <a:t>17</a:t>
-            </a:fld>
-            <a:endParaRPr b="0" lang="en-US" sz="1400" spc="-1" strike="noStrike">
-              <a:latin typeface="Open Sans"/>
-            </a:endParaRPr>
-          </a:p>
-        </p:txBody>
-      </p:sp>
-      <p:sp>
-        <p:nvSpPr>
-          <p:cNvPr id="5" name="CustomShape 6"/>
-          <p:cNvSpPr/>
-          <p:nvPr/>
-        </p:nvSpPr>
-        <p:spPr>
-          <a:xfrm>
-            <a:off x="0" y="4320000"/>
-            <a:ext cx="504000" cy="1080000"/>
-          </a:xfrm>
-          <a:prstGeom prst="rect">
-            <a:avLst/>
-          </a:prstGeom>
-          <a:solidFill>
-            <a:srgbClr val="ef2929"/>
-          </a:solidFill>
-          <a:ln>
-            <a:noFill/>
-          </a:ln>
-        </p:spPr>
-        <p:style>
-          <a:lnRef idx="0"/>
-          <a:fillRef idx="0"/>
-          <a:effectRef idx="0"/>
-          <a:fontRef idx="minor"/>
-        </p:style>
+            <a:endParaRPr b="0" lang="en-US" sz="1800" spc="-1" strike="noStrike">
+              <a:latin typeface="Arial"/>
+            </a:endParaRPr>
+          </a:p>
+        </p:txBody>
       </p:sp>
     </p:spTree>
   </p:cSld>
@@ -4768,7 +4515,35 @@
       </p:grpSpPr>
       <p:sp>
         <p:nvSpPr>
-          <p:cNvPr id="42" name="PlaceHolder 1"/>
+          <p:cNvPr id="39" name="CustomShape 1"/>
+          <p:cNvSpPr/>
+          <p:nvPr/>
+        </p:nvSpPr>
+        <p:spPr>
+          <a:xfrm>
+            <a:off x="0" y="288000"/>
+            <a:ext cx="503280" cy="1079280"/>
+          </a:xfrm>
+          <a:prstGeom prst="rect">
+            <a:avLst/>
+          </a:prstGeom>
+          <a:solidFill>
+            <a:srgbClr val="ef2929"/>
+          </a:solidFill>
+          <a:ln>
+            <a:noFill/>
+          </a:ln>
+        </p:spPr>
+        <p:style>
+          <a:lnRef idx="0"/>
+          <a:fillRef idx="0"/>
+          <a:effectRef idx="0"/>
+          <a:fontRef idx="minor"/>
+        </p:style>
+      </p:sp>
+      <p:sp>
+        <p:nvSpPr>
+          <p:cNvPr id="40" name="PlaceHolder 2"/>
           <p:cNvSpPr>
             <a:spLocks noGrp="1"/>
           </p:cNvSpPr>
@@ -4778,8 +4553,8 @@
         </p:nvSpPr>
         <p:spPr>
           <a:xfrm>
-            <a:off x="720000" y="300960"/>
-            <a:ext cx="8855640" cy="1262520"/>
+            <a:off x="504000" y="301320"/>
+            <a:ext cx="9072000" cy="1261800"/>
           </a:xfrm>
           <a:prstGeom prst="rect">
             <a:avLst/>
@@ -4788,27 +4563,22 @@
         <p:txBody>
           <a:bodyPr lIns="0" rIns="0" tIns="0" bIns="0" anchor="ctr"/>
           <a:p>
-            <a:r>
-              <a:rPr b="1" lang="en-US" sz="4400" spc="-1" strike="noStrike">
-                <a:solidFill>
-                  <a:srgbClr val="333333"/>
-                </a:solidFill>
-                <a:latin typeface="Open Sans"/>
+            <a:pPr algn="ctr"/>
+            <a:r>
+              <a:rPr b="0" lang="en-US" sz="4400" spc="-1" strike="noStrike">
+                <a:latin typeface="Arial"/>
               </a:rPr>
               <a:t>Click to edit the title text format</a:t>
             </a:r>
-            <a:endParaRPr b="1" lang="en-US" sz="4400" spc="-1" strike="noStrike">
-              <a:solidFill>
-                <a:srgbClr val="333333"/>
-              </a:solidFill>
-              <a:latin typeface="Open Sans"/>
-            </a:endParaRPr>
-          </a:p>
-        </p:txBody>
-      </p:sp>
-      <p:sp>
-        <p:nvSpPr>
-          <p:cNvPr id="43" name="PlaceHolder 2"/>
+            <a:endParaRPr b="0" lang="en-US" sz="4400" spc="-1" strike="noStrike">
+              <a:latin typeface="Arial"/>
+            </a:endParaRPr>
+          </a:p>
+        </p:txBody>
+      </p:sp>
+      <p:sp>
+        <p:nvSpPr>
+          <p:cNvPr id="41" name="PlaceHolder 3"/>
           <p:cNvSpPr>
             <a:spLocks noGrp="1"/>
           </p:cNvSpPr>
@@ -4818,50 +4588,46 @@
         </p:nvSpPr>
         <p:spPr>
           <a:xfrm>
-            <a:off x="720000" y="2160000"/>
-            <a:ext cx="8640000" cy="4384800"/>
-          </a:xfrm>
-          <a:prstGeom prst="rect">
-            <a:avLst/>
-          </a:prstGeom>
-        </p:spPr>
-        <p:txBody>
-          <a:bodyPr lIns="0" rIns="0" tIns="0" bIns="0"/>
+            <a:off x="504000" y="1768680"/>
+            <a:ext cx="9072000" cy="4384080"/>
+          </a:xfrm>
+          <a:prstGeom prst="rect">
+            <a:avLst/>
+          </a:prstGeom>
+        </p:spPr>
+        <p:txBody>
+          <a:bodyPr lIns="0" rIns="0" tIns="0" bIns="0">
+            <a:normAutofit/>
+          </a:bodyPr>
           <a:p>
             <a:pPr marL="432000" indent="-324000">
-              <a:spcAft>
-                <a:spcPts val="1412"/>
-              </a:spcAft>
+              <a:spcBef>
+                <a:spcPts val="1417"/>
+              </a:spcBef>
               <a:buClr>
-                <a:srgbClr val="ef2929"/>
+                <a:srgbClr val="000000"/>
               </a:buClr>
               <a:buSzPct val="45000"/>
               <a:buFont typeface="Wingdings" charset="2"/>
               <a:buChar char=""/>
             </a:pPr>
             <a:r>
-              <a:rPr b="0" lang="en-US" sz="2800" spc="-1" strike="noStrike">
-                <a:solidFill>
-                  <a:srgbClr val="333333"/>
-                </a:solidFill>
-                <a:latin typeface="Open Sans"/>
+              <a:rPr b="0" lang="en-US" sz="3200" spc="-1" strike="noStrike">
+                <a:latin typeface="Arial"/>
               </a:rPr>
               <a:t>Click to edit the outline text format</a:t>
             </a:r>
-            <a:endParaRPr b="0" lang="en-US" sz="2800" spc="-1" strike="noStrike">
-              <a:solidFill>
-                <a:srgbClr val="333333"/>
-              </a:solidFill>
-              <a:latin typeface="Open Sans"/>
+            <a:endParaRPr b="0" lang="en-US" sz="3200" spc="-1" strike="noStrike">
+              <a:latin typeface="Arial"/>
             </a:endParaRPr>
           </a:p>
           <a:p>
             <a:pPr lvl="1" marL="864000" indent="-324000">
-              <a:spcAft>
+              <a:spcBef>
                 <a:spcPts val="1134"/>
-              </a:spcAft>
+              </a:spcBef>
               <a:buClr>
-                <a:srgbClr val="ef2929"/>
+                <a:srgbClr val="000000"/>
               </a:buClr>
               <a:buSzPct val="75000"/>
               <a:buFont typeface="Symbol" charset="2"/>
@@ -4869,305 +4635,125 @@
             </a:pPr>
             <a:r>
               <a:rPr b="0" lang="en-US" sz="2800" spc="-1" strike="noStrike">
-                <a:solidFill>
-                  <a:srgbClr val="333333"/>
-                </a:solidFill>
-                <a:latin typeface="Open Sans"/>
+                <a:latin typeface="Arial"/>
               </a:rPr>
               <a:t>Second Outline Level</a:t>
             </a:r>
             <a:endParaRPr b="0" lang="en-US" sz="2800" spc="-1" strike="noStrike">
-              <a:solidFill>
-                <a:srgbClr val="333333"/>
-              </a:solidFill>
-              <a:latin typeface="Open Sans"/>
+              <a:latin typeface="Arial"/>
             </a:endParaRPr>
           </a:p>
           <a:p>
             <a:pPr lvl="2" marL="1296000" indent="-288000">
-              <a:spcAft>
-                <a:spcPts val="845"/>
-              </a:spcAft>
+              <a:spcBef>
+                <a:spcPts val="850"/>
+              </a:spcBef>
               <a:buClr>
-                <a:srgbClr val="ef2929"/>
+                <a:srgbClr val="000000"/>
               </a:buClr>
               <a:buSzPct val="45000"/>
               <a:buFont typeface="Wingdings" charset="2"/>
               <a:buChar char=""/>
             </a:pPr>
             <a:r>
-              <a:rPr b="0" lang="en-US" sz="2800" spc="-1" strike="noStrike">
-                <a:solidFill>
-                  <a:srgbClr val="333333"/>
-                </a:solidFill>
-                <a:latin typeface="Open Sans"/>
+              <a:rPr b="0" lang="en-US" sz="2400" spc="-1" strike="noStrike">
+                <a:latin typeface="Arial"/>
               </a:rPr>
               <a:t>Third Outline Level</a:t>
             </a:r>
-            <a:endParaRPr b="0" lang="en-US" sz="2800" spc="-1" strike="noStrike">
-              <a:solidFill>
-                <a:srgbClr val="333333"/>
-              </a:solidFill>
-              <a:latin typeface="Open Sans"/>
+            <a:endParaRPr b="0" lang="en-US" sz="2400" spc="-1" strike="noStrike">
+              <a:latin typeface="Arial"/>
             </a:endParaRPr>
           </a:p>
           <a:p>
             <a:pPr lvl="3" marL="1728000" indent="-216000">
-              <a:spcAft>
+              <a:spcBef>
                 <a:spcPts val="567"/>
-              </a:spcAft>
+              </a:spcBef>
               <a:buClr>
-                <a:srgbClr val="ef2929"/>
+                <a:srgbClr val="000000"/>
               </a:buClr>
               <a:buSzPct val="75000"/>
               <a:buFont typeface="Symbol" charset="2"/>
               <a:buChar char=""/>
             </a:pPr>
             <a:r>
-              <a:rPr b="0" lang="en-US" sz="2800" spc="-1" strike="noStrike">
-                <a:solidFill>
-                  <a:srgbClr val="333333"/>
-                </a:solidFill>
-                <a:latin typeface="Open Sans"/>
+              <a:rPr b="0" lang="en-US" sz="2000" spc="-1" strike="noStrike">
+                <a:latin typeface="Arial"/>
               </a:rPr>
               <a:t>Fourth Outline Level</a:t>
             </a:r>
-            <a:endParaRPr b="0" lang="en-US" sz="2800" spc="-1" strike="noStrike">
-              <a:solidFill>
-                <a:srgbClr val="333333"/>
-              </a:solidFill>
-              <a:latin typeface="Open Sans"/>
+            <a:endParaRPr b="0" lang="en-US" sz="2000" spc="-1" strike="noStrike">
+              <a:latin typeface="Arial"/>
             </a:endParaRPr>
           </a:p>
           <a:p>
             <a:pPr lvl="4" marL="2160000" indent="-216000">
-              <a:spcAft>
+              <a:spcBef>
                 <a:spcPts val="283"/>
-              </a:spcAft>
+              </a:spcBef>
               <a:buClr>
-                <a:srgbClr val="ef2929"/>
+                <a:srgbClr val="000000"/>
               </a:buClr>
               <a:buSzPct val="45000"/>
               <a:buFont typeface="Wingdings" charset="2"/>
               <a:buChar char=""/>
             </a:pPr>
             <a:r>
-              <a:rPr b="0" lang="en-US" sz="2800" spc="-1" strike="noStrike">
-                <a:solidFill>
-                  <a:srgbClr val="333333"/>
-                </a:solidFill>
-                <a:latin typeface="Open Sans"/>
+              <a:rPr b="0" lang="en-US" sz="2000" spc="-1" strike="noStrike">
+                <a:latin typeface="Arial"/>
               </a:rPr>
               <a:t>Fifth Outline Level</a:t>
             </a:r>
-            <a:endParaRPr b="0" lang="en-US" sz="2800" spc="-1" strike="noStrike">
-              <a:solidFill>
-                <a:srgbClr val="333333"/>
-              </a:solidFill>
-              <a:latin typeface="Open Sans"/>
+            <a:endParaRPr b="0" lang="en-US" sz="2000" spc="-1" strike="noStrike">
+              <a:latin typeface="Arial"/>
             </a:endParaRPr>
           </a:p>
           <a:p>
             <a:pPr lvl="5" marL="2592000" indent="-216000">
-              <a:spcAft>
+              <a:spcBef>
                 <a:spcPts val="283"/>
-              </a:spcAft>
+              </a:spcBef>
               <a:buClr>
-                <a:srgbClr val="ef2929"/>
+                <a:srgbClr val="000000"/>
               </a:buClr>
               <a:buSzPct val="45000"/>
               <a:buFont typeface="Wingdings" charset="2"/>
               <a:buChar char=""/>
             </a:pPr>
             <a:r>
-              <a:rPr b="0" lang="en-US" sz="2800" spc="-1" strike="noStrike">
-                <a:solidFill>
-                  <a:srgbClr val="333333"/>
-                </a:solidFill>
-                <a:latin typeface="Open Sans"/>
+              <a:rPr b="0" lang="en-US" sz="2000" spc="-1" strike="noStrike">
+                <a:latin typeface="Arial"/>
               </a:rPr>
               <a:t>Sixth Outline Level</a:t>
             </a:r>
-            <a:endParaRPr b="0" lang="en-US" sz="2800" spc="-1" strike="noStrike">
-              <a:solidFill>
-                <a:srgbClr val="333333"/>
-              </a:solidFill>
-              <a:latin typeface="Open Sans"/>
+            <a:endParaRPr b="0" lang="en-US" sz="2000" spc="-1" strike="noStrike">
+              <a:latin typeface="Arial"/>
             </a:endParaRPr>
           </a:p>
           <a:p>
             <a:pPr lvl="6" marL="3024000" indent="-216000">
-              <a:spcAft>
+              <a:spcBef>
                 <a:spcPts val="283"/>
-              </a:spcAft>
+              </a:spcBef>
               <a:buClr>
-                <a:srgbClr val="ef2929"/>
+                <a:srgbClr val="000000"/>
               </a:buClr>
               <a:buSzPct val="45000"/>
               <a:buFont typeface="Wingdings" charset="2"/>
               <a:buChar char=""/>
             </a:pPr>
             <a:r>
-              <a:rPr b="0" lang="en-US" sz="2800" spc="-1" strike="noStrike">
-                <a:solidFill>
-                  <a:srgbClr val="333333"/>
-                </a:solidFill>
-                <a:latin typeface="Open Sans"/>
+              <a:rPr b="0" lang="en-US" sz="2000" spc="-1" strike="noStrike">
+                <a:latin typeface="Arial"/>
               </a:rPr>
               <a:t>Seventh Outline Level</a:t>
             </a:r>
-            <a:endParaRPr b="0" lang="en-US" sz="2800" spc="-1" strike="noStrike">
-              <a:solidFill>
-                <a:srgbClr val="333333"/>
-              </a:solidFill>
-              <a:latin typeface="Open Sans"/>
-            </a:endParaRPr>
-          </a:p>
-        </p:txBody>
-      </p:sp>
-      <p:sp>
-        <p:nvSpPr>
-          <p:cNvPr id="44" name="PlaceHolder 3"/>
-          <p:cNvSpPr>
-            <a:spLocks noGrp="1"/>
-          </p:cNvSpPr>
-          <p:nvPr>
-            <p:ph type="dt"/>
-          </p:nvPr>
-        </p:nvSpPr>
-        <p:spPr>
-          <a:xfrm>
-            <a:off x="504000" y="6886800"/>
-            <a:ext cx="2348280" cy="521280"/>
-          </a:xfrm>
-          <a:prstGeom prst="rect">
-            <a:avLst/>
-          </a:prstGeom>
-        </p:spPr>
-        <p:txBody>
-          <a:bodyPr lIns="0" rIns="0" tIns="0" bIns="0"/>
-          <a:p>
-            <a:r>
-              <a:rPr b="0" lang="en-US" sz="1400" spc="-1" strike="noStrike">
-                <a:latin typeface="Open Sans"/>
-              </a:rPr>
-              <a:t>&lt;date/time&gt;</a:t>
-            </a:r>
-            <a:endParaRPr b="0" lang="en-US" sz="1400" spc="-1" strike="noStrike">
-              <a:latin typeface="Open Sans"/>
-            </a:endParaRPr>
-          </a:p>
-        </p:txBody>
-      </p:sp>
-      <p:sp>
-        <p:nvSpPr>
-          <p:cNvPr id="45" name="PlaceHolder 4"/>
-          <p:cNvSpPr>
-            <a:spLocks noGrp="1"/>
-          </p:cNvSpPr>
-          <p:nvPr>
-            <p:ph type="ftr"/>
-          </p:nvPr>
-        </p:nvSpPr>
-        <p:spPr>
-          <a:xfrm>
-            <a:off x="3447360" y="6886800"/>
-            <a:ext cx="3195000" cy="521280"/>
-          </a:xfrm>
-          <a:prstGeom prst="rect">
-            <a:avLst/>
-          </a:prstGeom>
-        </p:spPr>
-        <p:txBody>
-          <a:bodyPr lIns="0" rIns="0" tIns="0" bIns="0"/>
-          <a:p>
-            <a:pPr algn="ctr"/>
-            <a:r>
-              <a:rPr b="0" lang="en-US" sz="1400" spc="-1" strike="noStrike">
-                <a:latin typeface="Open Sans"/>
-              </a:rPr>
-              <a:t>&lt;footer&gt;</a:t>
-            </a:r>
-            <a:endParaRPr b="0" lang="en-US" sz="1400" spc="-1" strike="noStrike">
-              <a:latin typeface="Open Sans"/>
-            </a:endParaRPr>
-          </a:p>
-        </p:txBody>
-      </p:sp>
-      <p:sp>
-        <p:nvSpPr>
-          <p:cNvPr id="46" name="PlaceHolder 5"/>
-          <p:cNvSpPr>
-            <a:spLocks noGrp="1"/>
-          </p:cNvSpPr>
-          <p:nvPr>
-            <p:ph type="sldNum"/>
-          </p:nvPr>
-        </p:nvSpPr>
-        <p:spPr>
-          <a:xfrm>
-            <a:off x="7227360" y="6886800"/>
-            <a:ext cx="2348280" cy="521280"/>
-          </a:xfrm>
-          <a:prstGeom prst="rect">
-            <a:avLst/>
-          </a:prstGeom>
-        </p:spPr>
-        <p:txBody>
-          <a:bodyPr lIns="0" rIns="0" tIns="0" bIns="0"/>
-          <a:p>
-            <a:pPr algn="r"/>
-            <a:fld id="{9E5945F0-0A76-4FC9-B9E9-0EF129FB8B8E}" type="slidenum">
-              <a:rPr b="0" lang="en-US" sz="1400" spc="-1" strike="noStrike">
-                <a:latin typeface="Open Sans"/>
-              </a:rPr>
-              <a:t>&lt;number&gt;</a:t>
-            </a:fld>
-            <a:r>
-              <a:rPr b="0" lang="en-US" sz="1400" spc="-1" strike="noStrike">
-                <a:latin typeface="Open Sans"/>
-              </a:rPr>
-              <a:t> / </a:t>
-            </a:r>
-            <a:fld id="{0103E48E-E005-4C8A-9304-6CCC7CF7AEC1}" type="slidecount">
-              <a:rPr b="0" lang="en-US" sz="1400" spc="-1" strike="noStrike">
-                <a:latin typeface="Open Sans"/>
-              </a:rPr>
-              <a:t>17</a:t>
-            </a:fld>
-            <a:endParaRPr b="0" lang="en-US" sz="1400" spc="-1" strike="noStrike">
-              <a:latin typeface="Open Sans"/>
-            </a:endParaRPr>
-          </a:p>
-        </p:txBody>
-      </p:sp>
-      <p:sp>
-        <p:nvSpPr>
-          <p:cNvPr id="47" name="CustomShape 6"/>
-          <p:cNvSpPr/>
-          <p:nvPr/>
-        </p:nvSpPr>
-        <p:spPr>
-          <a:xfrm>
-            <a:off x="0" y="288000"/>
-            <a:ext cx="504000" cy="1080000"/>
-          </a:xfrm>
-          <a:prstGeom prst="rect">
-            <a:avLst/>
-          </a:prstGeom>
-          <a:solidFill>
-            <a:srgbClr val="ef2929"/>
-          </a:solidFill>
-          <a:ln>
-            <a:noFill/>
-          </a:ln>
-        </p:spPr>
-        <p:style>
-          <a:lnRef idx="0"/>
-          <a:fillRef idx="0"/>
-          <a:effectRef idx="0"/>
-          <a:fontRef idx="minor"/>
-        </p:style>
+            <a:endParaRPr b="0" lang="en-US" sz="2000" spc="-1" strike="noStrike">
+              <a:latin typeface="Arial"/>
+            </a:endParaRPr>
+          </a:p>
+        </p:txBody>
       </p:sp>
     </p:spTree>
   </p:cSld>
@@ -5208,14 +4794,14 @@
       </p:grpSpPr>
       <p:sp>
         <p:nvSpPr>
-          <p:cNvPr id="89" name="TextShape 1"/>
-          <p:cNvSpPr txBox="1"/>
+          <p:cNvPr id="83" name="CustomShape 1"/>
+          <p:cNvSpPr/>
           <p:nvPr/>
         </p:nvSpPr>
         <p:spPr>
           <a:xfrm>
             <a:off x="792000" y="4104000"/>
-            <a:ext cx="8568000" cy="1440000"/>
+            <a:ext cx="8567280" cy="1439280"/>
           </a:xfrm>
           <a:prstGeom prst="rect">
             <a:avLst/>
@@ -5225,18 +4811,29 @@
             <a:noFill/>
           </a:ln>
         </p:spPr>
+        <p:style>
+          <a:lnRef idx="0"/>
+          <a:fillRef idx="0"/>
+          <a:effectRef idx="0"/>
+          <a:fontRef idx="minor"/>
+        </p:style>
         <p:txBody>
           <a:bodyPr lIns="0" rIns="0" tIns="0" bIns="0" anchor="ctr">
             <a:normAutofit/>
           </a:bodyPr>
           <a:p>
-            <a:pPr algn="ctr"/>
+            <a:pPr algn="ctr">
+              <a:lnSpc>
+                <a:spcPct val="100000"/>
+              </a:lnSpc>
+            </a:pPr>
             <a:r>
               <a:rPr b="1" lang="en-US" sz="4800" spc="-1" strike="noStrike">
                 <a:solidFill>
                   <a:srgbClr val="333333"/>
                 </a:solidFill>
                 <a:latin typeface="Open Sans"/>
+                <a:ea typeface="DejaVu Sans"/>
               </a:rPr>
               <a:t>Chicago Parking Tickets</a:t>
             </a:r>
@@ -5247,28 +4844,26 @@
                   <a:srgbClr val="333333"/>
                 </a:solidFill>
                 <a:latin typeface="Open Sans"/>
+                <a:ea typeface="DejaVu Sans"/>
               </a:rPr>
               <a:t>Data Exploration and Revenue Development Strategies</a:t>
             </a:r>
-            <a:endParaRPr b="1" lang="en-US" sz="2000" spc="-1" strike="noStrike">
-              <a:solidFill>
-                <a:srgbClr val="333333"/>
-              </a:solidFill>
-              <a:latin typeface="Open Sans"/>
-            </a:endParaRPr>
-          </a:p>
-        </p:txBody>
-      </p:sp>
-      <p:sp>
-        <p:nvSpPr>
-          <p:cNvPr id="90" name="TextShape 2"/>
-          <p:cNvSpPr txBox="1"/>
+            <a:endParaRPr b="0" lang="en-US" sz="2000" spc="-1" strike="noStrike">
+              <a:latin typeface="Arial"/>
+            </a:endParaRPr>
+          </a:p>
+        </p:txBody>
+      </p:sp>
+      <p:sp>
+        <p:nvSpPr>
+          <p:cNvPr id="84" name="CustomShape 2"/>
+          <p:cNvSpPr/>
           <p:nvPr/>
         </p:nvSpPr>
         <p:spPr>
           <a:xfrm>
             <a:off x="792000" y="5904000"/>
-            <a:ext cx="8568000" cy="982440"/>
+            <a:ext cx="8567280" cy="981720"/>
           </a:xfrm>
           <a:prstGeom prst="rect">
             <a:avLst/>
@@ -5278,25 +4873,39 @@
             <a:noFill/>
           </a:ln>
         </p:spPr>
+        <p:style>
+          <a:lnRef idx="0"/>
+          <a:fillRef idx="0"/>
+          <a:effectRef idx="0"/>
+          <a:fontRef idx="minor"/>
+        </p:style>
         <p:txBody>
           <a:bodyPr lIns="0" rIns="0" tIns="0" bIns="0" anchor="ctr"/>
           <a:p>
-            <a:pPr algn="ctr"/>
+            <a:pPr algn="ctr">
+              <a:lnSpc>
+                <a:spcPct val="100000"/>
+              </a:lnSpc>
+            </a:pPr>
             <a:r>
               <a:rPr b="0" lang="en-US" sz="3200" spc="-1" strike="noStrike">
+                <a:solidFill>
+                  <a:srgbClr val="000000"/>
+                </a:solidFill>
                 <a:latin typeface="Open Sans"/>
+                <a:ea typeface="DejaVu Sans"/>
               </a:rPr>
               <a:t>Kin-Yip Chien</a:t>
             </a:r>
             <a:endParaRPr b="0" lang="en-US" sz="3200" spc="-1" strike="noStrike">
-              <a:latin typeface="Open Sans"/>
+              <a:latin typeface="Arial"/>
             </a:endParaRPr>
           </a:p>
         </p:txBody>
       </p:sp>
       <p:pic>
         <p:nvPicPr>
-          <p:cNvPr id="91" name="" descr=""/>
+          <p:cNvPr id="85" name="" descr=""/>
           <p:cNvPicPr/>
           <p:nvPr/>
         </p:nvPicPr>
@@ -5307,7 +4916,7 @@
         <p:spPr>
           <a:xfrm>
             <a:off x="3106800" y="247680"/>
-            <a:ext cx="3866760" cy="4028760"/>
+            <a:ext cx="3866040" cy="4028040"/>
           </a:xfrm>
           <a:prstGeom prst="rect">
             <a:avLst/>
@@ -5371,14 +4980,14 @@
       </p:grpSpPr>
       <p:sp>
         <p:nvSpPr>
-          <p:cNvPr id="114" name="TextShape 1"/>
-          <p:cNvSpPr txBox="1"/>
+          <p:cNvPr id="108" name="CustomShape 1"/>
+          <p:cNvSpPr/>
           <p:nvPr/>
         </p:nvSpPr>
         <p:spPr>
           <a:xfrm>
             <a:off x="720000" y="300960"/>
-            <a:ext cx="8855640" cy="1262520"/>
+            <a:ext cx="8854920" cy="1261800"/>
           </a:xfrm>
           <a:prstGeom prst="rect">
             <a:avLst/>
@@ -5388,6 +4997,12 @@
             <a:noFill/>
           </a:ln>
         </p:spPr>
+        <p:style>
+          <a:lnRef idx="0"/>
+          <a:fillRef idx="0"/>
+          <a:effectRef idx="0"/>
+          <a:fontRef idx="minor"/>
+        </p:style>
         <p:txBody>
           <a:bodyPr lIns="0" rIns="0" tIns="0" bIns="0" anchor="ctr"/>
           <a:p>
@@ -5397,28 +5012,26 @@
                   <a:srgbClr val="333333"/>
                 </a:solidFill>
                 <a:latin typeface="Open Sans"/>
+                <a:ea typeface="DejaVu Sans"/>
               </a:rPr>
               <a:t>Hypothesis Testing</a:t>
             </a:r>
-            <a:endParaRPr b="1" lang="en-US" sz="4400" spc="-1" strike="noStrike">
-              <a:solidFill>
-                <a:srgbClr val="333333"/>
-              </a:solidFill>
-              <a:latin typeface="Open Sans"/>
-            </a:endParaRPr>
-          </a:p>
-        </p:txBody>
-      </p:sp>
-      <p:sp>
-        <p:nvSpPr>
-          <p:cNvPr id="115" name="TextShape 2"/>
-          <p:cNvSpPr txBox="1"/>
+            <a:endParaRPr b="0" lang="en-US" sz="4400" spc="-1" strike="noStrike">
+              <a:latin typeface="Arial"/>
+            </a:endParaRPr>
+          </a:p>
+        </p:txBody>
+      </p:sp>
+      <p:sp>
+        <p:nvSpPr>
+          <p:cNvPr id="109" name="CustomShape 2"/>
+          <p:cNvSpPr/>
           <p:nvPr/>
         </p:nvSpPr>
         <p:spPr>
           <a:xfrm>
             <a:off x="720000" y="2160000"/>
-            <a:ext cx="8640000" cy="4384800"/>
+            <a:ext cx="8639280" cy="4384080"/>
           </a:xfrm>
           <a:prstGeom prst="rect">
             <a:avLst/>
@@ -5428,10 +5041,19 @@
             <a:noFill/>
           </a:ln>
         </p:spPr>
+        <p:style>
+          <a:lnRef idx="0"/>
+          <a:fillRef idx="0"/>
+          <a:effectRef idx="0"/>
+          <a:fontRef idx="minor"/>
+        </p:style>
         <p:txBody>
           <a:bodyPr lIns="0" rIns="0" tIns="0" bIns="0"/>
           <a:p>
-            <a:pPr marL="432000" indent="-324000">
+            <a:pPr marL="432000" indent="-323280">
+              <a:lnSpc>
+                <a:spcPct val="100000"/>
+              </a:lnSpc>
               <a:spcAft>
                 <a:spcPts val="1412"/>
               </a:spcAft>
@@ -5448,21 +5070,19 @@
                   <a:srgbClr val="333333"/>
                 </a:solidFill>
                 <a:latin typeface="Open Sans"/>
+                <a:ea typeface="DejaVu Sans"/>
               </a:rPr>
               <a:t>Does raising ticket fine affect probability of payment?</a:t>
             </a:r>
             <a:endParaRPr b="0" lang="en-US" sz="2800" spc="-1" strike="noStrike">
-              <a:solidFill>
-                <a:srgbClr val="333333"/>
-              </a:solidFill>
-              <a:latin typeface="Open Sans"/>
+              <a:latin typeface="Arial"/>
             </a:endParaRPr>
           </a:p>
         </p:txBody>
       </p:sp>
       <p:pic>
         <p:nvPicPr>
-          <p:cNvPr id="116" name="" descr=""/>
+          <p:cNvPr id="110" name="" descr=""/>
           <p:cNvPicPr/>
           <p:nvPr/>
         </p:nvPicPr>
@@ -5473,7 +5093,7 @@
         <p:spPr>
           <a:xfrm>
             <a:off x="1701720" y="3108960"/>
-            <a:ext cx="6676920" cy="4451040"/>
+            <a:ext cx="6676200" cy="4450320"/>
           </a:xfrm>
           <a:prstGeom prst="rect">
             <a:avLst/>
@@ -5537,14 +5157,14 @@
       </p:grpSpPr>
       <p:sp>
         <p:nvSpPr>
-          <p:cNvPr id="117" name="TextShape 1"/>
-          <p:cNvSpPr txBox="1"/>
+          <p:cNvPr id="111" name="CustomShape 1"/>
+          <p:cNvSpPr/>
           <p:nvPr/>
         </p:nvSpPr>
         <p:spPr>
           <a:xfrm>
             <a:off x="720000" y="300960"/>
-            <a:ext cx="8855640" cy="1262520"/>
+            <a:ext cx="8854920" cy="1261800"/>
           </a:xfrm>
           <a:prstGeom prst="rect">
             <a:avLst/>
@@ -5554,6 +5174,12 @@
             <a:noFill/>
           </a:ln>
         </p:spPr>
+        <p:style>
+          <a:lnRef idx="0"/>
+          <a:fillRef idx="0"/>
+          <a:effectRef idx="0"/>
+          <a:fontRef idx="minor"/>
+        </p:style>
         <p:txBody>
           <a:bodyPr lIns="0" rIns="0" tIns="0" bIns="0" anchor="ctr"/>
           <a:p>
@@ -5563,28 +5189,26 @@
                   <a:srgbClr val="333333"/>
                 </a:solidFill>
                 <a:latin typeface="Open Sans"/>
+                <a:ea typeface="DejaVu Sans"/>
               </a:rPr>
               <a:t>Hypothesis Testing</a:t>
             </a:r>
-            <a:endParaRPr b="1" lang="en-US" sz="4400" spc="-1" strike="noStrike">
-              <a:solidFill>
-                <a:srgbClr val="333333"/>
-              </a:solidFill>
-              <a:latin typeface="Open Sans"/>
-            </a:endParaRPr>
-          </a:p>
-        </p:txBody>
-      </p:sp>
-      <p:sp>
-        <p:nvSpPr>
-          <p:cNvPr id="118" name="TextShape 2"/>
-          <p:cNvSpPr txBox="1"/>
+            <a:endParaRPr b="0" lang="en-US" sz="4400" spc="-1" strike="noStrike">
+              <a:latin typeface="Arial"/>
+            </a:endParaRPr>
+          </a:p>
+        </p:txBody>
+      </p:sp>
+      <p:sp>
+        <p:nvSpPr>
+          <p:cNvPr id="112" name="CustomShape 2"/>
+          <p:cNvSpPr/>
           <p:nvPr/>
         </p:nvSpPr>
         <p:spPr>
           <a:xfrm>
             <a:off x="720000" y="2160000"/>
-            <a:ext cx="8640000" cy="4384800"/>
+            <a:ext cx="8639280" cy="4384080"/>
           </a:xfrm>
           <a:prstGeom prst="rect">
             <a:avLst/>
@@ -5594,10 +5218,19 @@
             <a:noFill/>
           </a:ln>
         </p:spPr>
+        <p:style>
+          <a:lnRef idx="0"/>
+          <a:fillRef idx="0"/>
+          <a:effectRef idx="0"/>
+          <a:fontRef idx="minor"/>
+        </p:style>
         <p:txBody>
           <a:bodyPr lIns="0" rIns="0" tIns="0" bIns="0"/>
           <a:p>
-            <a:pPr marL="432000" indent="-324000">
+            <a:pPr marL="432000" indent="-323280">
+              <a:lnSpc>
+                <a:spcPct val="100000"/>
+              </a:lnSpc>
               <a:spcAft>
                 <a:spcPts val="1412"/>
               </a:spcAft>
@@ -5614,686 +5247,39 @@
                   <a:srgbClr val="333333"/>
                 </a:solidFill>
                 <a:latin typeface="Open Sans"/>
+                <a:ea typeface="DejaVu Sans"/>
               </a:rPr>
               <a:t>6 month window before and after fine increase</a:t>
             </a:r>
             <a:endParaRPr b="0" lang="en-US" sz="2200" spc="-1" strike="noStrike">
-              <a:solidFill>
-                <a:srgbClr val="333333"/>
-              </a:solidFill>
-              <a:latin typeface="Open Sans"/>
-            </a:endParaRPr>
-          </a:p>
-          <a:p>
-            <a:pPr marL="432000" indent="-324000">
-              <a:spcAft>
-                <a:spcPts val="1412"/>
-              </a:spcAft>
-              <a:buClr>
-                <a:srgbClr val="ef2929"/>
-              </a:buClr>
-              <a:buSzPct val="45000"/>
-              <a:buFont typeface="Wingdings" charset="2"/>
-              <a:buChar char=""/>
-            </a:pPr>
-            <a:r>
-              <a:rPr b="0" i="1" lang="en-US" sz="2200" spc="-1" strike="noStrike">
-                <a:solidFill>
-                  <a:srgbClr val="333333"/>
-                </a:solidFill>
-                <a:latin typeface="Open Sans"/>
-              </a:rPr>
-              <a:t>H</a:t>
-            </a:r>
-            <a:r>
-              <a:rPr b="0" i="1" lang="en-US" sz="2200" spc="-1" strike="noStrike" baseline="-33000">
-                <a:solidFill>
-                  <a:srgbClr val="333333"/>
-                </a:solidFill>
-                <a:latin typeface="Open Sans"/>
-              </a:rPr>
-              <a:t>0</a:t>
-            </a:r>
-            <a:r>
-              <a:rPr b="0" i="1" lang="en-US" sz="2200" spc="-1" strike="noStrike">
-                <a:solidFill>
-                  <a:srgbClr val="333333"/>
-                </a:solidFill>
-                <a:latin typeface="Open Sans"/>
-              </a:rPr>
-              <a:t>: p</a:t>
-            </a:r>
-            <a:r>
-              <a:rPr b="0" i="1" lang="en-US" sz="2200" spc="-1" strike="noStrike" baseline="33000">
-                <a:solidFill>
-                  <a:srgbClr val="333333"/>
-                </a:solidFill>
-                <a:latin typeface="Open Sans"/>
-              </a:rPr>
-              <a:t>^</a:t>
-            </a:r>
-            <a:r>
-              <a:rPr b="0" i="1" lang="en-US" sz="2200" spc="-1" strike="noStrike" baseline="-33000">
-                <a:solidFill>
-                  <a:srgbClr val="333333"/>
-                </a:solidFill>
-                <a:latin typeface="Open Sans"/>
-              </a:rPr>
-              <a:t>after </a:t>
-            </a:r>
-            <a:r>
-              <a:rPr b="0" i="1" lang="en-US" sz="2200" spc="-1" strike="noStrike">
-                <a:solidFill>
-                  <a:srgbClr val="333333"/>
-                </a:solidFill>
-                <a:latin typeface="Open Sans"/>
-              </a:rPr>
-              <a:t>= p</a:t>
-            </a:r>
-            <a:r>
-              <a:rPr b="0" i="1" lang="en-US" sz="2200" spc="-1" strike="noStrike" baseline="33000">
-                <a:solidFill>
-                  <a:srgbClr val="333333"/>
-                </a:solidFill>
-                <a:latin typeface="Open Sans"/>
-              </a:rPr>
-              <a:t>^</a:t>
-            </a:r>
-            <a:r>
-              <a:rPr b="0" i="1" lang="en-US" sz="2200" spc="-1" strike="noStrike" baseline="-33000">
-                <a:solidFill>
-                  <a:srgbClr val="333333"/>
-                </a:solidFill>
-                <a:latin typeface="Open Sans"/>
-              </a:rPr>
-              <a:t>before</a:t>
-            </a:r>
-            <a:r>
-              <a:rPr b="0" i="1" lang="en-US" sz="2200" spc="-1" strike="noStrike" baseline="-33000">
-                <a:solidFill>
-                  <a:srgbClr val="333333"/>
-                </a:solidFill>
-                <a:latin typeface="Open Sans"/>
-              </a:rPr>
-              <a:t>	</a:t>
-            </a:r>
-            <a:r>
-              <a:rPr b="0" i="1" lang="en-US" sz="2200" spc="-1" strike="noStrike">
-                <a:solidFill>
-                  <a:srgbClr val="333333"/>
-                </a:solidFill>
-                <a:latin typeface="Open Sans"/>
-              </a:rPr>
-              <a:t>H</a:t>
-            </a:r>
-            <a:r>
-              <a:rPr b="0" i="1" lang="en-US" sz="2200" spc="-1" strike="noStrike" baseline="-33000">
-                <a:solidFill>
-                  <a:srgbClr val="333333"/>
-                </a:solidFill>
-                <a:latin typeface="Open Sans"/>
-              </a:rPr>
-              <a:t>a</a:t>
-            </a:r>
-            <a:r>
-              <a:rPr b="0" i="1" lang="en-US" sz="2200" spc="-1" strike="noStrike">
-                <a:solidFill>
-                  <a:srgbClr val="333333"/>
-                </a:solidFill>
-                <a:latin typeface="Open Sans"/>
-              </a:rPr>
-              <a:t>: p</a:t>
-            </a:r>
-            <a:r>
-              <a:rPr b="0" i="1" lang="en-US" sz="2200" spc="-1" strike="noStrike" baseline="33000">
-                <a:solidFill>
-                  <a:srgbClr val="333333"/>
-                </a:solidFill>
-                <a:latin typeface="Open Sans"/>
-              </a:rPr>
-              <a:t>^</a:t>
-            </a:r>
-            <a:r>
-              <a:rPr b="0" i="1" lang="en-US" sz="2200" spc="-1" strike="noStrike" baseline="-33000">
-                <a:solidFill>
-                  <a:srgbClr val="333333"/>
-                </a:solidFill>
-                <a:latin typeface="Open Sans"/>
-              </a:rPr>
-              <a:t>after </a:t>
-            </a:r>
-            <a:r>
-              <a:rPr b="0" i="1" lang="en-US" sz="2200" spc="-1" strike="noStrike">
-                <a:solidFill>
-                  <a:srgbClr val="333333"/>
-                </a:solidFill>
-                <a:latin typeface="Open Sans"/>
-              </a:rPr>
-              <a:t>&gt; p</a:t>
-            </a:r>
-            <a:r>
-              <a:rPr b="0" i="1" lang="en-US" sz="2200" spc="-1" strike="noStrike" baseline="33000">
-                <a:solidFill>
-                  <a:srgbClr val="333333"/>
-                </a:solidFill>
-                <a:latin typeface="Open Sans"/>
-              </a:rPr>
-              <a:t>^</a:t>
-            </a:r>
-            <a:r>
-              <a:rPr b="0" i="1" lang="en-US" sz="2200" spc="-1" strike="noStrike" baseline="-33000">
-                <a:solidFill>
-                  <a:srgbClr val="333333"/>
-                </a:solidFill>
-                <a:latin typeface="Open Sans"/>
-              </a:rPr>
-              <a:t>before</a:t>
-            </a:r>
-            <a:r>
-              <a:rPr b="0" lang="en-US" sz="2200" spc="-1" strike="noStrike">
-                <a:solidFill>
-                  <a:srgbClr val="333333"/>
-                </a:solidFill>
-                <a:latin typeface="Open Sans"/>
-              </a:rPr>
-              <a:t> </a:t>
-            </a:r>
-            <a:endParaRPr b="0" lang="en-US" sz="2200" spc="-1" strike="noStrike">
-              <a:solidFill>
-                <a:srgbClr val="333333"/>
-              </a:solidFill>
-              <a:latin typeface="Open Sans"/>
-            </a:endParaRPr>
-          </a:p>
-          <a:p>
-            <a:pPr marL="432000" indent="-324000">
-              <a:spcAft>
-                <a:spcPts val="1412"/>
-              </a:spcAft>
-              <a:buClr>
-                <a:srgbClr val="ef2929"/>
-              </a:buClr>
-              <a:buSzPct val="45000"/>
-              <a:buFont typeface="Wingdings" charset="2"/>
-              <a:buChar char=""/>
-            </a:pPr>
-            <a:r>
-              <a:rPr b="0" i="1" lang="en-US" sz="2200" spc="-1" strike="noStrike">
-                <a:solidFill>
-                  <a:srgbClr val="333333"/>
-                </a:solidFill>
-                <a:latin typeface="Open Sans"/>
-              </a:rPr>
-              <a:t>p</a:t>
-            </a:r>
-            <a:r>
-              <a:rPr b="0" i="1" lang="en-US" sz="2200" spc="-1" strike="noStrike" baseline="33000">
-                <a:solidFill>
-                  <a:srgbClr val="333333"/>
-                </a:solidFill>
-                <a:latin typeface="Open Sans"/>
-              </a:rPr>
-              <a:t>~</a:t>
-            </a:r>
-            <a:r>
-              <a:rPr b="0" i="1" lang="en-US" sz="2200" spc="-1" strike="noStrike" baseline="-33000">
-                <a:solidFill>
-                  <a:srgbClr val="333333"/>
-                </a:solidFill>
-                <a:latin typeface="Open Sans"/>
-              </a:rPr>
-              <a:t>pooled</a:t>
-            </a:r>
-            <a:r>
-              <a:rPr b="0" i="1" lang="en-US" sz="2200" spc="-1" strike="noStrike">
-                <a:solidFill>
-                  <a:srgbClr val="333333"/>
-                </a:solidFill>
-                <a:latin typeface="Open Sans"/>
-              </a:rPr>
-              <a:t> = (n</a:t>
-            </a:r>
-            <a:r>
-              <a:rPr b="0" i="1" lang="en-US" sz="2200" spc="-1" strike="noStrike" baseline="-33000">
-                <a:solidFill>
-                  <a:srgbClr val="333333"/>
-                </a:solidFill>
-                <a:latin typeface="Open Sans"/>
-              </a:rPr>
-              <a:t>after </a:t>
-            </a:r>
-            <a:r>
-              <a:rPr b="0" i="1" lang="en-US" sz="2200" spc="-1" strike="noStrike">
-                <a:solidFill>
-                  <a:srgbClr val="333333"/>
-                </a:solidFill>
-                <a:latin typeface="Open Sans"/>
-              </a:rPr>
-              <a:t>p</a:t>
-            </a:r>
-            <a:r>
-              <a:rPr b="0" i="1" lang="en-US" sz="2200" spc="-1" strike="noStrike" baseline="33000">
-                <a:solidFill>
-                  <a:srgbClr val="333333"/>
-                </a:solidFill>
-                <a:latin typeface="Open Sans"/>
-              </a:rPr>
-              <a:t>^</a:t>
-            </a:r>
-            <a:r>
-              <a:rPr b="0" i="1" lang="en-US" sz="2200" spc="-1" strike="noStrike" baseline="-33000">
-                <a:solidFill>
-                  <a:srgbClr val="333333"/>
-                </a:solidFill>
-                <a:latin typeface="Open Sans"/>
-              </a:rPr>
-              <a:t>after </a:t>
-            </a:r>
-            <a:r>
-              <a:rPr b="0" i="1" lang="en-US" sz="2200" spc="-1" strike="noStrike">
-                <a:solidFill>
-                  <a:srgbClr val="333333"/>
-                </a:solidFill>
-                <a:latin typeface="Open Sans"/>
-              </a:rPr>
-              <a:t>+ n</a:t>
-            </a:r>
-            <a:r>
-              <a:rPr b="0" i="1" lang="en-US" sz="2200" spc="-1" strike="noStrike" baseline="-33000">
-                <a:solidFill>
-                  <a:srgbClr val="333333"/>
-                </a:solidFill>
-                <a:latin typeface="Open Sans"/>
-              </a:rPr>
-              <a:t>before </a:t>
-            </a:r>
-            <a:r>
-              <a:rPr b="0" i="1" lang="en-US" sz="2200" spc="-1" strike="noStrike">
-                <a:solidFill>
-                  <a:srgbClr val="333333"/>
-                </a:solidFill>
-                <a:latin typeface="Open Sans"/>
-              </a:rPr>
-              <a:t>p</a:t>
-            </a:r>
-            <a:r>
-              <a:rPr b="0" i="1" lang="en-US" sz="2200" spc="-1" strike="noStrike" baseline="33000">
-                <a:solidFill>
-                  <a:srgbClr val="333333"/>
-                </a:solidFill>
-                <a:latin typeface="Open Sans"/>
-              </a:rPr>
-              <a:t>^</a:t>
-            </a:r>
-            <a:r>
-              <a:rPr b="0" i="1" lang="en-US" sz="2200" spc="-1" strike="noStrike" baseline="-33000">
-                <a:solidFill>
-                  <a:srgbClr val="333333"/>
-                </a:solidFill>
-                <a:latin typeface="Open Sans"/>
-              </a:rPr>
-              <a:t>before</a:t>
-            </a:r>
-            <a:r>
-              <a:rPr b="0" i="1" lang="en-US" sz="2200" spc="-1" strike="noStrike">
-                <a:solidFill>
-                  <a:srgbClr val="333333"/>
-                </a:solidFill>
-                <a:latin typeface="Open Sans"/>
-              </a:rPr>
-              <a:t>) / (n</a:t>
-            </a:r>
-            <a:r>
-              <a:rPr b="0" i="1" lang="en-US" sz="2200" spc="-1" strike="noStrike" baseline="-33000">
-                <a:solidFill>
-                  <a:srgbClr val="333333"/>
-                </a:solidFill>
-                <a:latin typeface="Open Sans"/>
-              </a:rPr>
-              <a:t>after </a:t>
-            </a:r>
-            <a:r>
-              <a:rPr b="0" i="1" lang="en-US" sz="2200" spc="-1" strike="noStrike">
-                <a:solidFill>
-                  <a:srgbClr val="333333"/>
-                </a:solidFill>
-                <a:latin typeface="Open Sans"/>
-              </a:rPr>
-              <a:t>+ n</a:t>
-            </a:r>
-            <a:r>
-              <a:rPr b="0" i="1" lang="en-US" sz="2200" spc="-1" strike="noStrike" baseline="-33000">
-                <a:solidFill>
-                  <a:srgbClr val="333333"/>
-                </a:solidFill>
-                <a:latin typeface="Open Sans"/>
-              </a:rPr>
-              <a:t>before</a:t>
-            </a:r>
-            <a:r>
-              <a:rPr b="0" i="1" lang="en-US" sz="2200" spc="-1" strike="noStrike">
-                <a:solidFill>
-                  <a:srgbClr val="333333"/>
-                </a:solidFill>
-                <a:latin typeface="Open Sans"/>
-              </a:rPr>
-              <a:t>)</a:t>
-            </a:r>
-            <a:endParaRPr b="0" lang="en-US" sz="2200" spc="-1" strike="noStrike">
-              <a:solidFill>
-                <a:srgbClr val="333333"/>
-              </a:solidFill>
-              <a:latin typeface="Open Sans"/>
-            </a:endParaRPr>
-          </a:p>
-          <a:p>
-            <a:pPr marL="432000" indent="-324000">
-              <a:spcAft>
-                <a:spcPts val="1412"/>
-              </a:spcAft>
-              <a:buClr>
-                <a:srgbClr val="ef2929"/>
-              </a:buClr>
-              <a:buSzPct val="45000"/>
-              <a:buFont typeface="Wingdings" charset="2"/>
-              <a:buChar char=""/>
-            </a:pPr>
-            <a:r>
-              <a:rPr b="0" i="1" lang="en-US" sz="2200" spc="-1" strike="noStrike">
-                <a:solidFill>
-                  <a:srgbClr val="333333"/>
-                </a:solidFill>
-                <a:latin typeface="Open Sans"/>
-              </a:rPr>
-              <a:t>test statistic: </a:t>
-            </a:r>
-            <a:endParaRPr b="0" lang="en-US" sz="2200" spc="-1" strike="noStrike">
-              <a:solidFill>
-                <a:srgbClr val="333333"/>
-              </a:solidFill>
-              <a:latin typeface="Open Sans"/>
-            </a:endParaRPr>
-          </a:p>
-          <a:p>
-            <a:pPr lvl="1" marL="864000" indent="-324000">
-              <a:spcAft>
-                <a:spcPts val="1134"/>
-              </a:spcAft>
-              <a:buClr>
-                <a:srgbClr val="ef2929"/>
-              </a:buClr>
-              <a:buSzPct val="75000"/>
-              <a:buFont typeface="Symbol" charset="2"/>
-              <a:buChar char=""/>
-            </a:pPr>
-            <a:r>
-              <a:rPr b="0" i="1" lang="en-US" sz="2200" spc="-1" strike="noStrike">
-                <a:solidFill>
-                  <a:srgbClr val="333333"/>
-                </a:solidFill>
-                <a:latin typeface="Open Sans"/>
-              </a:rPr>
-              <a:t>p</a:t>
-            </a:r>
-            <a:r>
-              <a:rPr b="0" i="1" lang="en-US" sz="2200" spc="-1" strike="noStrike" baseline="33000">
-                <a:solidFill>
-                  <a:srgbClr val="333333"/>
-                </a:solidFill>
-                <a:latin typeface="Open Sans"/>
-              </a:rPr>
-              <a:t>^</a:t>
-            </a:r>
-            <a:r>
-              <a:rPr b="0" i="1" lang="en-US" sz="2200" spc="-1" strike="noStrike" baseline="-33000">
-                <a:solidFill>
-                  <a:srgbClr val="333333"/>
-                </a:solidFill>
-                <a:latin typeface="Open Sans"/>
-              </a:rPr>
-              <a:t>after</a:t>
-            </a:r>
-            <a:r>
-              <a:rPr b="0" i="1" lang="en-US" sz="2200" spc="-1" strike="noStrike">
-                <a:solidFill>
-                  <a:srgbClr val="333333"/>
-                </a:solidFill>
-                <a:latin typeface="Open Sans"/>
-              </a:rPr>
-              <a:t> – p</a:t>
-            </a:r>
-            <a:r>
-              <a:rPr b="0" i="1" lang="en-US" sz="2200" spc="-1" strike="noStrike" baseline="33000">
-                <a:solidFill>
-                  <a:srgbClr val="333333"/>
-                </a:solidFill>
-                <a:latin typeface="Open Sans"/>
-              </a:rPr>
-              <a:t>^</a:t>
-            </a:r>
-            <a:r>
-              <a:rPr b="0" i="1" lang="en-US" sz="2200" spc="-1" strike="noStrike" baseline="-33000">
-                <a:solidFill>
-                  <a:srgbClr val="333333"/>
-                </a:solidFill>
-                <a:latin typeface="Open Sans"/>
-              </a:rPr>
-              <a:t>before</a:t>
-            </a:r>
-            <a:r>
-              <a:rPr b="0" i="1" lang="en-US" sz="2200" spc="-1" strike="noStrike">
-                <a:solidFill>
-                  <a:srgbClr val="333333"/>
-                </a:solidFill>
-                <a:latin typeface="Open Sans"/>
-              </a:rPr>
-              <a:t> / sqrt[p</a:t>
-            </a:r>
-            <a:r>
-              <a:rPr b="0" i="1" lang="en-US" sz="2200" spc="-1" strike="noStrike" baseline="33000">
-                <a:solidFill>
-                  <a:srgbClr val="333333"/>
-                </a:solidFill>
-                <a:latin typeface="Open Sans"/>
-              </a:rPr>
-              <a:t>~</a:t>
-            </a:r>
-            <a:r>
-              <a:rPr b="0" i="1" lang="en-US" sz="2200" spc="-1" strike="noStrike" baseline="-33000">
-                <a:solidFill>
-                  <a:srgbClr val="333333"/>
-                </a:solidFill>
-                <a:latin typeface="Open Sans"/>
-              </a:rPr>
-              <a:t>pooled</a:t>
-            </a:r>
-            <a:r>
-              <a:rPr b="0" i="1" lang="en-US" sz="2200" spc="-1" strike="noStrike">
-                <a:solidFill>
-                  <a:srgbClr val="333333"/>
-                </a:solidFill>
-                <a:latin typeface="Open Sans"/>
-              </a:rPr>
-              <a:t> (1 – p</a:t>
-            </a:r>
-            <a:r>
-              <a:rPr b="0" i="1" lang="en-US" sz="2200" spc="-1" strike="noStrike" baseline="33000">
-                <a:solidFill>
-                  <a:srgbClr val="333333"/>
-                </a:solidFill>
-                <a:latin typeface="Open Sans"/>
-              </a:rPr>
-              <a:t>~</a:t>
-            </a:r>
-            <a:r>
-              <a:rPr b="0" i="1" lang="en-US" sz="2200" spc="-1" strike="noStrike" baseline="-33000">
-                <a:solidFill>
-                  <a:srgbClr val="333333"/>
-                </a:solidFill>
-                <a:latin typeface="Open Sans"/>
-              </a:rPr>
-              <a:t>pooled</a:t>
-            </a:r>
-            <a:r>
-              <a:rPr b="0" i="1" lang="en-US" sz="2200" spc="-1" strike="noStrike">
-                <a:solidFill>
-                  <a:srgbClr val="333333"/>
-                </a:solidFill>
-                <a:latin typeface="Open Sans"/>
-              </a:rPr>
-              <a:t>) (1 / n</a:t>
-            </a:r>
-            <a:r>
-              <a:rPr b="0" i="1" lang="en-US" sz="2200" spc="-1" strike="noStrike" baseline="-33000">
-                <a:solidFill>
-                  <a:srgbClr val="333333"/>
-                </a:solidFill>
-                <a:latin typeface="Open Sans"/>
-              </a:rPr>
-              <a:t>before</a:t>
-            </a:r>
-            <a:r>
-              <a:rPr b="0" i="1" lang="en-US" sz="2200" spc="-1" strike="noStrike">
-                <a:solidFill>
-                  <a:srgbClr val="333333"/>
-                </a:solidFill>
-                <a:latin typeface="Open Sans"/>
-              </a:rPr>
-              <a:t> + 1/n</a:t>
-            </a:r>
-            <a:r>
-              <a:rPr b="0" i="1" lang="en-US" sz="2200" spc="-1" strike="noStrike" baseline="-33000">
-                <a:solidFill>
-                  <a:srgbClr val="333333"/>
-                </a:solidFill>
-                <a:latin typeface="Open Sans"/>
-              </a:rPr>
-              <a:t>after</a:t>
-            </a:r>
-            <a:r>
-              <a:rPr b="0" i="1" lang="en-US" sz="2200" spc="-1" strike="noStrike">
-                <a:solidFill>
-                  <a:srgbClr val="333333"/>
-                </a:solidFill>
-                <a:latin typeface="Open Sans"/>
-              </a:rPr>
-              <a:t>)]</a:t>
-            </a:r>
-            <a:endParaRPr b="0" lang="en-US" sz="2200" spc="-1" strike="noStrike">
-              <a:solidFill>
-                <a:srgbClr val="333333"/>
-              </a:solidFill>
-              <a:latin typeface="Open Sans"/>
-            </a:endParaRPr>
-          </a:p>
-          <a:p>
-            <a:pPr marL="432000" indent="-324000">
-              <a:spcAft>
-                <a:spcPts val="1412"/>
-              </a:spcAft>
-              <a:buClr>
-                <a:srgbClr val="ef2929"/>
-              </a:buClr>
-              <a:buSzPct val="45000"/>
-              <a:buFont typeface="Wingdings" charset="2"/>
-              <a:buChar char=""/>
-            </a:pPr>
-            <a:r>
-              <a:rPr b="0" i="1" lang="en-US" sz="2200" spc="-1" strike="noStrike">
-                <a:solidFill>
-                  <a:srgbClr val="333333"/>
-                </a:solidFill>
-                <a:latin typeface="Open Sans"/>
-              </a:rPr>
-              <a:t>p-value: 1 - </a:t>
-            </a:r>
-            <a:r>
-              <a:rPr b="0" i="1" lang="en-US" sz="2200" spc="-1" strike="noStrike">
-                <a:solidFill>
-                  <a:srgbClr val="333333"/>
-                </a:solidFill>
-                <a:latin typeface="Open Sans"/>
-                <a:ea typeface="Open Sans"/>
-              </a:rPr>
-              <a:t>Φ(test statistic)*</a:t>
-            </a:r>
-            <a:r>
-              <a:rPr b="0" i="1" lang="en-US" sz="2200" spc="-1" strike="noStrike">
-                <a:solidFill>
-                  <a:srgbClr val="333333"/>
-                </a:solidFill>
-                <a:latin typeface="Open Sans"/>
-                <a:ea typeface="Open Sans"/>
-              </a:rPr>
-              <a:t>	</a:t>
-            </a:r>
-            <a:endParaRPr b="0" lang="en-US" sz="2200" spc="-1" strike="noStrike">
-              <a:solidFill>
-                <a:srgbClr val="333333"/>
-              </a:solidFill>
-              <a:latin typeface="Open Sans"/>
-            </a:endParaRPr>
-          </a:p>
-          <a:p>
-            <a:pPr marL="432000" indent="-324000">
-              <a:spcAft>
-                <a:spcPts val="1412"/>
-              </a:spcAft>
-              <a:buClr>
-                <a:srgbClr val="ef2929"/>
-              </a:buClr>
-              <a:buSzPct val="45000"/>
-              <a:buFont typeface="Wingdings" charset="2"/>
-              <a:buChar char=""/>
-            </a:pPr>
-            <a:endParaRPr b="0" lang="en-US" sz="2200" spc="-1" strike="noStrike">
-              <a:solidFill>
-                <a:srgbClr val="333333"/>
-              </a:solidFill>
-              <a:latin typeface="Open Sans"/>
-            </a:endParaRPr>
-          </a:p>
-          <a:p>
-            <a:pPr marL="432000" indent="-324000">
-              <a:spcAft>
-                <a:spcPts val="1412"/>
-              </a:spcAft>
-              <a:buClr>
-                <a:srgbClr val="ef2929"/>
-              </a:buClr>
-              <a:buSzPct val="45000"/>
-              <a:buFont typeface="Wingdings" charset="2"/>
-              <a:buChar char=""/>
-            </a:pPr>
-            <a:r>
-              <a:rPr b="0" i="1" lang="en-US" sz="1600" spc="-1" strike="noStrike">
-                <a:solidFill>
-                  <a:srgbClr val="333333"/>
-                </a:solidFill>
-                <a:latin typeface="Open Sans"/>
-                <a:ea typeface="Open Sans"/>
-              </a:rPr>
-              <a:t>*Φ = </a:t>
-            </a:r>
-            <a:r>
-              <a:rPr b="0" lang="en-US" sz="1600" spc="-1" strike="noStrike">
-                <a:solidFill>
-                  <a:srgbClr val="333333"/>
-                </a:solidFill>
-                <a:latin typeface="Courier New"/>
-                <a:ea typeface="Open Sans"/>
-              </a:rPr>
-              <a:t>norm.cdf()</a:t>
-            </a:r>
-            <a:endParaRPr b="0" lang="en-US" sz="1600" spc="-1" strike="noStrike">
-              <a:solidFill>
-                <a:srgbClr val="333333"/>
-              </a:solidFill>
-              <a:latin typeface="Open Sans"/>
-            </a:endParaRPr>
-          </a:p>
-        </p:txBody>
-      </p:sp>
+              <a:latin typeface="Arial"/>
+            </a:endParaRPr>
+          </a:p>
+        </p:txBody>
+      </p:sp>
+      <p:pic>
+        <p:nvPicPr>
+          <p:cNvPr id="113" name="" descr=""/>
+          <p:cNvPicPr/>
+          <p:nvPr/>
+        </p:nvPicPr>
+        <p:blipFill>
+          <a:blip r:embed="rId1"/>
+          <a:stretch/>
+        </p:blipFill>
+        <p:spPr>
+          <a:xfrm>
+            <a:off x="3022560" y="2591640"/>
+            <a:ext cx="4034160" cy="3908520"/>
+          </a:xfrm>
+          <a:prstGeom prst="rect">
+            <a:avLst/>
+          </a:prstGeom>
+          <a:ln>
+            <a:noFill/>
+          </a:ln>
+        </p:spPr>
+      </p:pic>
     </p:spTree>
   </p:cSld>
   <p:transition spd="med">
@@ -6348,14 +5334,14 @@
       </p:grpSpPr>
       <p:sp>
         <p:nvSpPr>
-          <p:cNvPr id="119" name="TextShape 1"/>
-          <p:cNvSpPr txBox="1"/>
+          <p:cNvPr id="114" name="CustomShape 1"/>
+          <p:cNvSpPr/>
           <p:nvPr/>
         </p:nvSpPr>
         <p:spPr>
           <a:xfrm>
             <a:off x="720000" y="300960"/>
-            <a:ext cx="8855640" cy="1262520"/>
+            <a:ext cx="8854920" cy="1261800"/>
           </a:xfrm>
           <a:prstGeom prst="rect">
             <a:avLst/>
@@ -6365,6 +5351,12 @@
             <a:noFill/>
           </a:ln>
         </p:spPr>
+        <p:style>
+          <a:lnRef idx="0"/>
+          <a:fillRef idx="0"/>
+          <a:effectRef idx="0"/>
+          <a:fontRef idx="minor"/>
+        </p:style>
         <p:txBody>
           <a:bodyPr lIns="0" rIns="0" tIns="0" bIns="0" anchor="ctr"/>
           <a:p>
@@ -6374,28 +5366,26 @@
                   <a:srgbClr val="333333"/>
                 </a:solidFill>
                 <a:latin typeface="Open Sans"/>
+                <a:ea typeface="DejaVu Sans"/>
               </a:rPr>
               <a:t>Hypothesis Testing</a:t>
             </a:r>
-            <a:endParaRPr b="1" lang="en-US" sz="4400" spc="-1" strike="noStrike">
-              <a:solidFill>
-                <a:srgbClr val="333333"/>
-              </a:solidFill>
-              <a:latin typeface="Open Sans"/>
-            </a:endParaRPr>
-          </a:p>
-        </p:txBody>
-      </p:sp>
-      <p:sp>
-        <p:nvSpPr>
-          <p:cNvPr id="120" name="TextShape 2"/>
-          <p:cNvSpPr txBox="1"/>
+            <a:endParaRPr b="0" lang="en-US" sz="4400" spc="-1" strike="noStrike">
+              <a:latin typeface="Arial"/>
+            </a:endParaRPr>
+          </a:p>
+        </p:txBody>
+      </p:sp>
+      <p:sp>
+        <p:nvSpPr>
+          <p:cNvPr id="115" name="CustomShape 2"/>
+          <p:cNvSpPr/>
           <p:nvPr/>
         </p:nvSpPr>
         <p:spPr>
           <a:xfrm>
             <a:off x="720000" y="2160000"/>
-            <a:ext cx="8640000" cy="4384800"/>
+            <a:ext cx="8639280" cy="4384080"/>
           </a:xfrm>
           <a:prstGeom prst="rect">
             <a:avLst/>
@@ -6405,10 +5395,19 @@
             <a:noFill/>
           </a:ln>
         </p:spPr>
+        <p:style>
+          <a:lnRef idx="0"/>
+          <a:fillRef idx="0"/>
+          <a:effectRef idx="0"/>
+          <a:fontRef idx="minor"/>
+        </p:style>
         <p:txBody>
           <a:bodyPr lIns="0" rIns="0" tIns="0" bIns="0"/>
           <a:p>
-            <a:pPr marL="432000" indent="-324000">
+            <a:pPr marL="432000" indent="-323280">
+              <a:lnSpc>
+                <a:spcPct val="100000"/>
+              </a:lnSpc>
               <a:spcAft>
                 <a:spcPts val="1412"/>
               </a:spcAft>
@@ -6425,18 +5424,19 @@
                   <a:srgbClr val="333333"/>
                 </a:solidFill>
                 <a:latin typeface="Open Sans"/>
+                <a:ea typeface="DejaVu Sans"/>
               </a:rPr>
               <a:t>Rush hour parking level 1 fine increased</a:t>
             </a:r>
             <a:endParaRPr b="0" lang="en-US" sz="2200" spc="-1" strike="noStrike">
-              <a:solidFill>
-                <a:srgbClr val="333333"/>
-              </a:solidFill>
-              <a:latin typeface="Open Sans"/>
-            </a:endParaRPr>
-          </a:p>
-          <a:p>
-            <a:pPr lvl="1" marL="864000" indent="-324000">
+              <a:latin typeface="Arial"/>
+            </a:endParaRPr>
+          </a:p>
+          <a:p>
+            <a:pPr lvl="1" marL="864000" indent="-323280">
+              <a:lnSpc>
+                <a:spcPct val="100000"/>
+              </a:lnSpc>
               <a:spcAft>
                 <a:spcPts val="1134"/>
               </a:spcAft>
@@ -6444,7 +5444,7 @@
                 <a:srgbClr val="ef2929"/>
               </a:buClr>
               <a:buSzPct val="75000"/>
-              <a:buFont typeface="Symbol" charset="2"/>
+              <a:buFont typeface="Symbol"/>
               <a:buChar char=""/>
             </a:pPr>
             <a:r>
@@ -6453,6 +5453,7 @@
                   <a:srgbClr val="333333"/>
                 </a:solidFill>
                 <a:latin typeface="Open Sans"/>
+                <a:ea typeface="DejaVu Sans"/>
               </a:rPr>
               <a:t>$30 &gt; $50 (</a:t>
             </a:r>
@@ -6462,6 +5463,7 @@
                   <a:srgbClr val="00cc00"/>
                 </a:solidFill>
                 <a:latin typeface="Open Sans"/>
+                <a:ea typeface="DejaVu Sans"/>
               </a:rPr>
               <a:t>+67%</a:t>
             </a:r>
@@ -6471,18 +5473,19 @@
                   <a:srgbClr val="333333"/>
                 </a:solidFill>
                 <a:latin typeface="Open Sans"/>
+                <a:ea typeface="DejaVu Sans"/>
               </a:rPr>
               <a:t>) on 02/02/00 (p-val: 0.336)</a:t>
             </a:r>
             <a:endParaRPr b="0" lang="en-US" sz="2200" spc="-1" strike="noStrike">
-              <a:solidFill>
-                <a:srgbClr val="333333"/>
-              </a:solidFill>
-              <a:latin typeface="Open Sans"/>
-            </a:endParaRPr>
-          </a:p>
-          <a:p>
-            <a:pPr lvl="1" marL="864000" indent="-324000">
+              <a:latin typeface="Arial"/>
+            </a:endParaRPr>
+          </a:p>
+          <a:p>
+            <a:pPr lvl="1" marL="864000" indent="-323280">
+              <a:lnSpc>
+                <a:spcPct val="100000"/>
+              </a:lnSpc>
               <a:spcAft>
                 <a:spcPts val="1134"/>
               </a:spcAft>
@@ -6490,7 +5493,7 @@
                 <a:srgbClr val="ef2929"/>
               </a:buClr>
               <a:buSzPct val="75000"/>
-              <a:buFont typeface="Symbol" charset="2"/>
+              <a:buFont typeface="Symbol"/>
               <a:buChar char=""/>
             </a:pPr>
             <a:r>
@@ -6499,6 +5502,7 @@
                   <a:srgbClr val="333333"/>
                 </a:solidFill>
                 <a:latin typeface="Open Sans"/>
+                <a:ea typeface="DejaVu Sans"/>
               </a:rPr>
               <a:t>$50 &gt; $60 (</a:t>
             </a:r>
@@ -6508,6 +5512,7 @@
                   <a:srgbClr val="00cc00"/>
                 </a:solidFill>
                 <a:latin typeface="Open Sans"/>
+                <a:ea typeface="DejaVu Sans"/>
               </a:rPr>
               <a:t>+20%</a:t>
             </a:r>
@@ -6517,18 +5522,19 @@
                   <a:srgbClr val="333333"/>
                 </a:solidFill>
                 <a:latin typeface="Open Sans"/>
+                <a:ea typeface="DejaVu Sans"/>
               </a:rPr>
               <a:t>) on 02/19/08 (p-val: 0.345)</a:t>
             </a:r>
             <a:endParaRPr b="0" lang="en-US" sz="2200" spc="-1" strike="noStrike">
-              <a:solidFill>
-                <a:srgbClr val="333333"/>
-              </a:solidFill>
-              <a:latin typeface="Open Sans"/>
-            </a:endParaRPr>
-          </a:p>
-          <a:p>
-            <a:pPr lvl="1" marL="864000" indent="-324000">
+              <a:latin typeface="Arial"/>
+            </a:endParaRPr>
+          </a:p>
+          <a:p>
+            <a:pPr lvl="1" marL="864000" indent="-323280">
+              <a:lnSpc>
+                <a:spcPct val="100000"/>
+              </a:lnSpc>
               <a:spcAft>
                 <a:spcPts val="1134"/>
               </a:spcAft>
@@ -6536,7 +5542,7 @@
                 <a:srgbClr val="ef2929"/>
               </a:buClr>
               <a:buSzPct val="75000"/>
-              <a:buFont typeface="Symbol" charset="2"/>
+              <a:buFont typeface="Symbol"/>
               <a:buChar char=""/>
             </a:pPr>
             <a:r>
@@ -6545,6 +5551,7 @@
                   <a:srgbClr val="333333"/>
                 </a:solidFill>
                 <a:latin typeface="Open Sans"/>
+                <a:ea typeface="DejaVu Sans"/>
               </a:rPr>
               <a:t>$60 &gt; $100 (</a:t>
             </a:r>
@@ -6554,6 +5561,7 @@
                   <a:srgbClr val="00cc00"/>
                 </a:solidFill>
                 <a:latin typeface="Open Sans"/>
+                <a:ea typeface="DejaVu Sans"/>
               </a:rPr>
               <a:t>+67%</a:t>
             </a:r>
@@ -6563,18 +5571,19 @@
                   <a:srgbClr val="333333"/>
                 </a:solidFill>
                 <a:latin typeface="Open Sans"/>
+                <a:ea typeface="DejaVu Sans"/>
               </a:rPr>
               <a:t>) on 02/23/14 (p-val: 0.964)</a:t>
             </a:r>
             <a:endParaRPr b="0" lang="en-US" sz="2200" spc="-1" strike="noStrike">
-              <a:solidFill>
-                <a:srgbClr val="333333"/>
-              </a:solidFill>
-              <a:latin typeface="Open Sans"/>
-            </a:endParaRPr>
-          </a:p>
-          <a:p>
-            <a:pPr marL="432000" indent="-324000">
+              <a:latin typeface="Arial"/>
+            </a:endParaRPr>
+          </a:p>
+          <a:p>
+            <a:pPr marL="432000" indent="-323280">
+              <a:lnSpc>
+                <a:spcPct val="100000"/>
+              </a:lnSpc>
               <a:spcAft>
                 <a:spcPts val="1412"/>
               </a:spcAft>
@@ -6591,14 +5600,12 @@
                   <a:srgbClr val="333333"/>
                 </a:solidFill>
                 <a:latin typeface="Open Sans"/>
+                <a:ea typeface="DejaVu Sans"/>
               </a:rPr>
               <a:t>Conclusion: There is not enough evidence to reject the null hypothesis that raising ticket fines decreases payment probability.  </a:t>
             </a:r>
             <a:endParaRPr b="0" lang="en-US" sz="2200" spc="-1" strike="noStrike">
-              <a:solidFill>
-                <a:srgbClr val="333333"/>
-              </a:solidFill>
-              <a:latin typeface="Open Sans"/>
+              <a:latin typeface="Arial"/>
             </a:endParaRPr>
           </a:p>
         </p:txBody>
@@ -6657,14 +5664,14 @@
       </p:grpSpPr>
       <p:sp>
         <p:nvSpPr>
-          <p:cNvPr id="121" name="TextShape 1"/>
-          <p:cNvSpPr txBox="1"/>
+          <p:cNvPr id="116" name="CustomShape 1"/>
+          <p:cNvSpPr/>
           <p:nvPr/>
         </p:nvSpPr>
         <p:spPr>
           <a:xfrm>
             <a:off x="720000" y="300960"/>
-            <a:ext cx="8855640" cy="1262520"/>
+            <a:ext cx="8854920" cy="1261800"/>
           </a:xfrm>
           <a:prstGeom prst="rect">
             <a:avLst/>
@@ -6674,6 +5681,12 @@
             <a:noFill/>
           </a:ln>
         </p:spPr>
+        <p:style>
+          <a:lnRef idx="0"/>
+          <a:fillRef idx="0"/>
+          <a:effectRef idx="0"/>
+          <a:fontRef idx="minor"/>
+        </p:style>
         <p:txBody>
           <a:bodyPr lIns="0" rIns="0" tIns="0" bIns="0" anchor="ctr"/>
           <a:p>
@@ -6683,28 +5696,26 @@
                   <a:srgbClr val="333333"/>
                 </a:solidFill>
                 <a:latin typeface="Open Sans"/>
+                <a:ea typeface="DejaVu Sans"/>
               </a:rPr>
               <a:t>Hypothesis Testing</a:t>
             </a:r>
-            <a:endParaRPr b="1" lang="en-US" sz="4400" spc="-1" strike="noStrike">
-              <a:solidFill>
-                <a:srgbClr val="333333"/>
-              </a:solidFill>
-              <a:latin typeface="Open Sans"/>
-            </a:endParaRPr>
-          </a:p>
-        </p:txBody>
-      </p:sp>
-      <p:sp>
-        <p:nvSpPr>
-          <p:cNvPr id="122" name="TextShape 2"/>
-          <p:cNvSpPr txBox="1"/>
+            <a:endParaRPr b="0" lang="en-US" sz="4400" spc="-1" strike="noStrike">
+              <a:latin typeface="Arial"/>
+            </a:endParaRPr>
+          </a:p>
+        </p:txBody>
+      </p:sp>
+      <p:sp>
+        <p:nvSpPr>
+          <p:cNvPr id="117" name="CustomShape 2"/>
+          <p:cNvSpPr/>
           <p:nvPr/>
         </p:nvSpPr>
         <p:spPr>
           <a:xfrm>
             <a:off x="720000" y="2160000"/>
-            <a:ext cx="8640000" cy="4384800"/>
+            <a:ext cx="8639280" cy="4384080"/>
           </a:xfrm>
           <a:prstGeom prst="rect">
             <a:avLst/>
@@ -6714,10 +5725,19 @@
             <a:noFill/>
           </a:ln>
         </p:spPr>
+        <p:style>
+          <a:lnRef idx="0"/>
+          <a:fillRef idx="0"/>
+          <a:effectRef idx="0"/>
+          <a:fontRef idx="minor"/>
+        </p:style>
         <p:txBody>
           <a:bodyPr lIns="0" rIns="0" tIns="0" bIns="0"/>
           <a:p>
-            <a:pPr marL="432000" indent="-324000">
+            <a:pPr marL="432000" indent="-323280">
+              <a:lnSpc>
+                <a:spcPct val="100000"/>
+              </a:lnSpc>
               <a:spcAft>
                 <a:spcPts val="1412"/>
               </a:spcAft>
@@ -6734,18 +5754,19 @@
                   <a:srgbClr val="333333"/>
                 </a:solidFill>
                 <a:latin typeface="Open Sans"/>
+                <a:ea typeface="DejaVu Sans"/>
               </a:rPr>
               <a:t>Rush hour parking level 2 fine increased</a:t>
             </a:r>
             <a:endParaRPr b="0" lang="en-US" sz="2200" spc="-1" strike="noStrike">
-              <a:solidFill>
-                <a:srgbClr val="333333"/>
-              </a:solidFill>
-              <a:latin typeface="Open Sans"/>
-            </a:endParaRPr>
-          </a:p>
-          <a:p>
-            <a:pPr lvl="1" marL="864000" indent="-324000">
+              <a:latin typeface="Arial"/>
+            </a:endParaRPr>
+          </a:p>
+          <a:p>
+            <a:pPr lvl="1" marL="864000" indent="-323280">
+              <a:lnSpc>
+                <a:spcPct val="100000"/>
+              </a:lnSpc>
               <a:spcAft>
                 <a:spcPts val="1134"/>
               </a:spcAft>
@@ -6753,7 +5774,7 @@
                 <a:srgbClr val="ef2929"/>
               </a:buClr>
               <a:buSzPct val="75000"/>
-              <a:buFont typeface="Symbol" charset="2"/>
+              <a:buFont typeface="Symbol"/>
               <a:buChar char=""/>
             </a:pPr>
             <a:r>
@@ -6762,6 +5783,7 @@
                   <a:srgbClr val="333333"/>
                 </a:solidFill>
                 <a:latin typeface="Open Sans"/>
+                <a:ea typeface="DejaVu Sans"/>
               </a:rPr>
               <a:t>$60 &gt; $100 (</a:t>
             </a:r>
@@ -6771,6 +5793,7 @@
                   <a:srgbClr val="00cc00"/>
                 </a:solidFill>
                 <a:latin typeface="Open Sans"/>
+                <a:ea typeface="DejaVu Sans"/>
               </a:rPr>
               <a:t>+67%</a:t>
             </a:r>
@@ -6780,18 +5803,19 @@
                   <a:srgbClr val="333333"/>
                 </a:solidFill>
                 <a:latin typeface="Open Sans"/>
+                <a:ea typeface="DejaVu Sans"/>
               </a:rPr>
               <a:t>) on 02/02/00 (p-val: 0.997)</a:t>
             </a:r>
             <a:endParaRPr b="0" lang="en-US" sz="2200" spc="-1" strike="noStrike">
-              <a:solidFill>
-                <a:srgbClr val="333333"/>
-              </a:solidFill>
-              <a:latin typeface="Open Sans"/>
-            </a:endParaRPr>
-          </a:p>
-          <a:p>
-            <a:pPr lvl="1" marL="864000" indent="-324000">
+              <a:latin typeface="Arial"/>
+            </a:endParaRPr>
+          </a:p>
+          <a:p>
+            <a:pPr lvl="1" marL="864000" indent="-323280">
+              <a:lnSpc>
+                <a:spcPct val="100000"/>
+              </a:lnSpc>
               <a:spcAft>
                 <a:spcPts val="1134"/>
               </a:spcAft>
@@ -6799,7 +5823,7 @@
                 <a:srgbClr val="ef2929"/>
               </a:buClr>
               <a:buSzPct val="75000"/>
-              <a:buFont typeface="Symbol" charset="2"/>
+              <a:buFont typeface="Symbol"/>
               <a:buChar char=""/>
             </a:pPr>
             <a:r>
@@ -6808,6 +5832,7 @@
                   <a:srgbClr val="333333"/>
                 </a:solidFill>
                 <a:latin typeface="Open Sans"/>
+                <a:ea typeface="DejaVu Sans"/>
               </a:rPr>
               <a:t>$100 &gt; $120 (</a:t>
             </a:r>
@@ -6817,6 +5842,7 @@
                   <a:srgbClr val="00cc00"/>
                 </a:solidFill>
                 <a:latin typeface="Open Sans"/>
+                <a:ea typeface="DejaVu Sans"/>
               </a:rPr>
               <a:t>+20%</a:t>
             </a:r>
@@ -6826,18 +5852,19 @@
                   <a:srgbClr val="333333"/>
                 </a:solidFill>
                 <a:latin typeface="Open Sans"/>
+                <a:ea typeface="DejaVu Sans"/>
               </a:rPr>
               <a:t>) on 02/19/08 (p-val: 0.588)</a:t>
             </a:r>
             <a:endParaRPr b="0" lang="en-US" sz="2200" spc="-1" strike="noStrike">
-              <a:solidFill>
-                <a:srgbClr val="333333"/>
-              </a:solidFill>
-              <a:latin typeface="Open Sans"/>
-            </a:endParaRPr>
-          </a:p>
-          <a:p>
-            <a:pPr lvl="1" marL="864000" indent="-324000">
+              <a:latin typeface="Arial"/>
+            </a:endParaRPr>
+          </a:p>
+          <a:p>
+            <a:pPr lvl="1" marL="864000" indent="-323280">
+              <a:lnSpc>
+                <a:spcPct val="100000"/>
+              </a:lnSpc>
               <a:spcAft>
                 <a:spcPts val="1134"/>
               </a:spcAft>
@@ -6845,7 +5872,7 @@
                 <a:srgbClr val="ef2929"/>
               </a:buClr>
               <a:buSzPct val="75000"/>
-              <a:buFont typeface="Symbol" charset="2"/>
+              <a:buFont typeface="Symbol"/>
               <a:buChar char=""/>
             </a:pPr>
             <a:r>
@@ -6854,6 +5881,7 @@
                   <a:srgbClr val="333333"/>
                 </a:solidFill>
                 <a:latin typeface="Open Sans"/>
+                <a:ea typeface="DejaVu Sans"/>
               </a:rPr>
               <a:t>$120 &gt; $200 (</a:t>
             </a:r>
@@ -6863,6 +5891,7 @@
                   <a:srgbClr val="00cc00"/>
                 </a:solidFill>
                 <a:latin typeface="Open Sans"/>
+                <a:ea typeface="DejaVu Sans"/>
               </a:rPr>
               <a:t>+67%</a:t>
             </a:r>
@@ -6872,6 +5901,7 @@
                   <a:srgbClr val="333333"/>
                 </a:solidFill>
                 <a:latin typeface="Open Sans"/>
+                <a:ea typeface="DejaVu Sans"/>
               </a:rPr>
               <a:t>) on 02/23/14 (</a:t>
             </a:r>
@@ -6881,6 +5911,7 @@
                   <a:srgbClr val="00cc00"/>
                 </a:solidFill>
                 <a:latin typeface="Open Sans"/>
+                <a:ea typeface="DejaVu Sans"/>
               </a:rPr>
               <a:t>p-val: 0.007</a:t>
             </a:r>
@@ -6890,18 +5921,19 @@
                   <a:srgbClr val="333333"/>
                 </a:solidFill>
                 <a:latin typeface="Open Sans"/>
+                <a:ea typeface="DejaVu Sans"/>
               </a:rPr>
               <a:t>)</a:t>
             </a:r>
             <a:endParaRPr b="0" lang="en-US" sz="2200" spc="-1" strike="noStrike">
-              <a:solidFill>
-                <a:srgbClr val="333333"/>
-              </a:solidFill>
-              <a:latin typeface="Open Sans"/>
-            </a:endParaRPr>
-          </a:p>
-          <a:p>
-            <a:pPr marL="432000" indent="-324000">
+              <a:latin typeface="Arial"/>
+            </a:endParaRPr>
+          </a:p>
+          <a:p>
+            <a:pPr marL="432000" indent="-323280">
+              <a:lnSpc>
+                <a:spcPct val="100000"/>
+              </a:lnSpc>
               <a:spcAft>
                 <a:spcPts val="1412"/>
               </a:spcAft>
@@ -6918,18 +5950,19 @@
                   <a:srgbClr val="333333"/>
                 </a:solidFill>
                 <a:latin typeface="Open Sans"/>
+                <a:ea typeface="DejaVu Sans"/>
               </a:rPr>
               <a:t>No fine increase</a:t>
             </a:r>
             <a:endParaRPr b="0" lang="en-US" sz="2200" spc="-1" strike="noStrike">
-              <a:solidFill>
-                <a:srgbClr val="333333"/>
-              </a:solidFill>
-              <a:latin typeface="Open Sans"/>
-            </a:endParaRPr>
-          </a:p>
-          <a:p>
-            <a:pPr lvl="1" marL="864000" indent="-324000">
+              <a:latin typeface="Arial"/>
+            </a:endParaRPr>
+          </a:p>
+          <a:p>
+            <a:pPr lvl="1" marL="864000" indent="-323280">
+              <a:lnSpc>
+                <a:spcPct val="100000"/>
+              </a:lnSpc>
               <a:spcAft>
                 <a:spcPts val="1134"/>
               </a:spcAft>
@@ -6937,7 +5970,7 @@
                 <a:srgbClr val="ef2929"/>
               </a:buClr>
               <a:buSzPct val="75000"/>
-              <a:buFont typeface="Symbol" charset="2"/>
+              <a:buFont typeface="Symbol"/>
               <a:buChar char=""/>
             </a:pPr>
             <a:r>
@@ -6946,18 +5979,19 @@
                   <a:srgbClr val="333333"/>
                 </a:solidFill>
                 <a:latin typeface="Open Sans"/>
+                <a:ea typeface="DejaVu Sans"/>
               </a:rPr>
               <a:t>02/02/00 (0.782), 02/02/01 (0.630)</a:t>
             </a:r>
             <a:endParaRPr b="0" lang="en-US" sz="2200" spc="-1" strike="noStrike">
-              <a:solidFill>
-                <a:srgbClr val="333333"/>
-              </a:solidFill>
-              <a:latin typeface="Open Sans"/>
-            </a:endParaRPr>
-          </a:p>
-          <a:p>
-            <a:pPr lvl="1" marL="864000" indent="-324000">
+              <a:latin typeface="Arial"/>
+            </a:endParaRPr>
+          </a:p>
+          <a:p>
+            <a:pPr lvl="1" marL="864000" indent="-323280">
+              <a:lnSpc>
+                <a:spcPct val="100000"/>
+              </a:lnSpc>
               <a:spcAft>
                 <a:spcPts val="1134"/>
               </a:spcAft>
@@ -6965,7 +5999,7 @@
                 <a:srgbClr val="ef2929"/>
               </a:buClr>
               <a:buSzPct val="75000"/>
-              <a:buFont typeface="Symbol" charset="2"/>
+              <a:buFont typeface="Symbol"/>
               <a:buChar char=""/>
             </a:pPr>
             <a:r>
@@ -6974,18 +6008,19 @@
                   <a:srgbClr val="333333"/>
                 </a:solidFill>
                 <a:latin typeface="Open Sans"/>
+                <a:ea typeface="DejaVu Sans"/>
               </a:rPr>
               <a:t>02/19/07 (0.819), 02/19/09 (0.799)</a:t>
             </a:r>
             <a:endParaRPr b="0" lang="en-US" sz="2200" spc="-1" strike="noStrike">
-              <a:solidFill>
-                <a:srgbClr val="333333"/>
-              </a:solidFill>
-              <a:latin typeface="Open Sans"/>
-            </a:endParaRPr>
-          </a:p>
-          <a:p>
-            <a:pPr lvl="1" marL="864000" indent="-324000">
+              <a:latin typeface="Arial"/>
+            </a:endParaRPr>
+          </a:p>
+          <a:p>
+            <a:pPr lvl="1" marL="864000" indent="-323280">
+              <a:lnSpc>
+                <a:spcPct val="100000"/>
+              </a:lnSpc>
               <a:spcAft>
                 <a:spcPts val="1134"/>
               </a:spcAft>
@@ -6993,7 +6028,7 @@
                 <a:srgbClr val="ef2929"/>
               </a:buClr>
               <a:buSzPct val="75000"/>
-              <a:buFont typeface="Symbol" charset="2"/>
+              <a:buFont typeface="Symbol"/>
               <a:buChar char=""/>
             </a:pPr>
             <a:r>
@@ -7002,14 +6037,12 @@
                   <a:srgbClr val="333333"/>
                 </a:solidFill>
                 <a:latin typeface="Open Sans"/>
+                <a:ea typeface="DejaVu Sans"/>
               </a:rPr>
               <a:t>02/23/13 (0.050), 02/23/15 (0.364)</a:t>
             </a:r>
             <a:endParaRPr b="0" lang="en-US" sz="2200" spc="-1" strike="noStrike">
-              <a:solidFill>
-                <a:srgbClr val="333333"/>
-              </a:solidFill>
-              <a:latin typeface="Open Sans"/>
+              <a:latin typeface="Arial"/>
             </a:endParaRPr>
           </a:p>
         </p:txBody>
@@ -7068,14 +6101,14 @@
       </p:grpSpPr>
       <p:sp>
         <p:nvSpPr>
-          <p:cNvPr id="123" name="TextShape 1"/>
-          <p:cNvSpPr txBox="1"/>
+          <p:cNvPr id="118" name="CustomShape 1"/>
+          <p:cNvSpPr/>
           <p:nvPr/>
         </p:nvSpPr>
         <p:spPr>
           <a:xfrm>
             <a:off x="720000" y="300960"/>
-            <a:ext cx="8855640" cy="1262520"/>
+            <a:ext cx="8854920" cy="1261800"/>
           </a:xfrm>
           <a:prstGeom prst="rect">
             <a:avLst/>
@@ -7085,6 +6118,12 @@
             <a:noFill/>
           </a:ln>
         </p:spPr>
+        <p:style>
+          <a:lnRef idx="0"/>
+          <a:fillRef idx="0"/>
+          <a:effectRef idx="0"/>
+          <a:fontRef idx="minor"/>
+        </p:style>
         <p:txBody>
           <a:bodyPr lIns="0" rIns="0" tIns="0" bIns="0" anchor="ctr"/>
           <a:p>
@@ -7094,28 +6133,26 @@
                   <a:srgbClr val="333333"/>
                 </a:solidFill>
                 <a:latin typeface="Open Sans"/>
+                <a:ea typeface="DejaVu Sans"/>
               </a:rPr>
               <a:t>Hypothesis Testing</a:t>
             </a:r>
-            <a:endParaRPr b="1" lang="en-US" sz="4400" spc="-1" strike="noStrike">
-              <a:solidFill>
-                <a:srgbClr val="333333"/>
-              </a:solidFill>
-              <a:latin typeface="Open Sans"/>
-            </a:endParaRPr>
-          </a:p>
-        </p:txBody>
-      </p:sp>
-      <p:sp>
-        <p:nvSpPr>
-          <p:cNvPr id="124" name="TextShape 2"/>
-          <p:cNvSpPr txBox="1"/>
+            <a:endParaRPr b="0" lang="en-US" sz="4400" spc="-1" strike="noStrike">
+              <a:latin typeface="Arial"/>
+            </a:endParaRPr>
+          </a:p>
+        </p:txBody>
+      </p:sp>
+      <p:sp>
+        <p:nvSpPr>
+          <p:cNvPr id="119" name="CustomShape 2"/>
+          <p:cNvSpPr/>
           <p:nvPr/>
         </p:nvSpPr>
         <p:spPr>
           <a:xfrm>
             <a:off x="720000" y="2160000"/>
-            <a:ext cx="8640000" cy="4384800"/>
+            <a:ext cx="8639280" cy="4384080"/>
           </a:xfrm>
           <a:prstGeom prst="rect">
             <a:avLst/>
@@ -7125,10 +6162,19 @@
             <a:noFill/>
           </a:ln>
         </p:spPr>
+        <p:style>
+          <a:lnRef idx="0"/>
+          <a:fillRef idx="0"/>
+          <a:effectRef idx="0"/>
+          <a:fontRef idx="minor"/>
+        </p:style>
         <p:txBody>
           <a:bodyPr lIns="0" rIns="0" tIns="0" bIns="0"/>
           <a:p>
-            <a:pPr marL="432000" indent="-324000">
+            <a:pPr marL="432000" indent="-323280">
+              <a:lnSpc>
+                <a:spcPct val="100000"/>
+              </a:lnSpc>
               <a:spcAft>
                 <a:spcPts val="1412"/>
               </a:spcAft>
@@ -7145,18 +6191,19 @@
                   <a:srgbClr val="333333"/>
                 </a:solidFill>
                 <a:latin typeface="Open Sans"/>
+                <a:ea typeface="DejaVu Sans"/>
               </a:rPr>
               <a:t>Conclusion: After Bonferroni correction for multiple testing, there is not enough evidence to reject the null hypothesis that raising ticket fines reduces the probability of payment. </a:t>
             </a:r>
             <a:endParaRPr b="0" lang="en-US" sz="2400" spc="-1" strike="noStrike">
-              <a:solidFill>
-                <a:srgbClr val="333333"/>
-              </a:solidFill>
-              <a:latin typeface="Open Sans"/>
-            </a:endParaRPr>
-          </a:p>
-          <a:p>
-            <a:pPr marL="432000" indent="-324000">
+              <a:latin typeface="Arial"/>
+            </a:endParaRPr>
+          </a:p>
+          <a:p>
+            <a:pPr marL="432000" indent="-323280">
+              <a:lnSpc>
+                <a:spcPct val="100000"/>
+              </a:lnSpc>
               <a:spcAft>
                 <a:spcPts val="1412"/>
               </a:spcAft>
@@ -7173,14 +6220,12 @@
                   <a:srgbClr val="333333"/>
                 </a:solidFill>
                 <a:latin typeface="Open Sans"/>
+                <a:ea typeface="DejaVu Sans"/>
               </a:rPr>
               <a:t>Even disregarding the Bonferroni correction, which is a very strong correction when performing a large number of tests, the weight of the evidence from multiple hypothesis tests is that increasing ticket fines doesn’t seem to decrease the probability of payment.</a:t>
             </a:r>
             <a:endParaRPr b="0" lang="en-US" sz="2400" spc="-1" strike="noStrike">
-              <a:solidFill>
-                <a:srgbClr val="333333"/>
-              </a:solidFill>
-              <a:latin typeface="Open Sans"/>
+              <a:latin typeface="Arial"/>
             </a:endParaRPr>
           </a:p>
         </p:txBody>
@@ -7239,14 +6284,14 @@
       </p:grpSpPr>
       <p:sp>
         <p:nvSpPr>
-          <p:cNvPr id="125" name="TextShape 1"/>
-          <p:cNvSpPr txBox="1"/>
+          <p:cNvPr id="120" name="CustomShape 1"/>
+          <p:cNvSpPr/>
           <p:nvPr/>
         </p:nvSpPr>
         <p:spPr>
           <a:xfrm>
             <a:off x="720000" y="300960"/>
-            <a:ext cx="8855640" cy="1262520"/>
+            <a:ext cx="8854920" cy="1261800"/>
           </a:xfrm>
           <a:prstGeom prst="rect">
             <a:avLst/>
@@ -7256,6 +6301,12 @@
             <a:noFill/>
           </a:ln>
         </p:spPr>
+        <p:style>
+          <a:lnRef idx="0"/>
+          <a:fillRef idx="0"/>
+          <a:effectRef idx="0"/>
+          <a:fontRef idx="minor"/>
+        </p:style>
         <p:txBody>
           <a:bodyPr lIns="0" rIns="0" tIns="0" bIns="0" anchor="ctr"/>
           <a:p>
@@ -7265,21 +6316,19 @@
                   <a:srgbClr val="333333"/>
                 </a:solidFill>
                 <a:latin typeface="Open Sans"/>
+                <a:ea typeface="DejaVu Sans"/>
               </a:rPr>
               <a:t>Conclusion</a:t>
             </a:r>
-            <a:endParaRPr b="1" lang="en-US" sz="4400" spc="-1" strike="noStrike">
-              <a:solidFill>
-                <a:srgbClr val="333333"/>
-              </a:solidFill>
-              <a:latin typeface="Open Sans"/>
+            <a:endParaRPr b="0" lang="en-US" sz="4400" spc="-1" strike="noStrike">
+              <a:latin typeface="Arial"/>
             </a:endParaRPr>
           </a:p>
         </p:txBody>
       </p:sp>
       <p:pic>
         <p:nvPicPr>
-          <p:cNvPr id="126" name="" descr=""/>
+          <p:cNvPr id="121" name="" descr=""/>
           <p:cNvPicPr/>
           <p:nvPr/>
         </p:nvPicPr>
@@ -7290,7 +6339,7 @@
         <p:spPr>
           <a:xfrm>
             <a:off x="495720" y="1463040"/>
-            <a:ext cx="9088920" cy="5112360"/>
+            <a:ext cx="9087480" cy="5111640"/>
           </a:xfrm>
           <a:prstGeom prst="rect">
             <a:avLst/>
@@ -7354,14 +6403,14 @@
       </p:grpSpPr>
       <p:sp>
         <p:nvSpPr>
-          <p:cNvPr id="127" name="TextShape 1"/>
-          <p:cNvSpPr txBox="1"/>
+          <p:cNvPr id="122" name="CustomShape 1"/>
+          <p:cNvSpPr/>
           <p:nvPr/>
         </p:nvSpPr>
         <p:spPr>
           <a:xfrm>
             <a:off x="720000" y="300960"/>
-            <a:ext cx="8855640" cy="1262520"/>
+            <a:ext cx="8854920" cy="1261800"/>
           </a:xfrm>
           <a:prstGeom prst="rect">
             <a:avLst/>
@@ -7371,6 +6420,12 @@
             <a:noFill/>
           </a:ln>
         </p:spPr>
+        <p:style>
+          <a:lnRef idx="0"/>
+          <a:fillRef idx="0"/>
+          <a:effectRef idx="0"/>
+          <a:fontRef idx="minor"/>
+        </p:style>
         <p:txBody>
           <a:bodyPr lIns="0" rIns="0" tIns="0" bIns="0" anchor="ctr"/>
           <a:p>
@@ -7380,28 +6435,26 @@
                   <a:srgbClr val="333333"/>
                 </a:solidFill>
                 <a:latin typeface="Open Sans"/>
+                <a:ea typeface="DejaVu Sans"/>
               </a:rPr>
               <a:t>Future Directions</a:t>
             </a:r>
-            <a:endParaRPr b="1" lang="en-US" sz="4400" spc="-1" strike="noStrike">
-              <a:solidFill>
-                <a:srgbClr val="333333"/>
-              </a:solidFill>
-              <a:latin typeface="Open Sans"/>
-            </a:endParaRPr>
-          </a:p>
-        </p:txBody>
-      </p:sp>
-      <p:sp>
-        <p:nvSpPr>
-          <p:cNvPr id="128" name="TextShape 2"/>
-          <p:cNvSpPr txBox="1"/>
+            <a:endParaRPr b="0" lang="en-US" sz="4400" spc="-1" strike="noStrike">
+              <a:latin typeface="Arial"/>
+            </a:endParaRPr>
+          </a:p>
+        </p:txBody>
+      </p:sp>
+      <p:sp>
+        <p:nvSpPr>
+          <p:cNvPr id="123" name="CustomShape 2"/>
+          <p:cNvSpPr/>
           <p:nvPr/>
         </p:nvSpPr>
         <p:spPr>
           <a:xfrm>
             <a:off x="720000" y="2160000"/>
-            <a:ext cx="8640000" cy="4384800"/>
+            <a:ext cx="8639280" cy="4384080"/>
           </a:xfrm>
           <a:prstGeom prst="rect">
             <a:avLst/>
@@ -7411,10 +6464,19 @@
             <a:noFill/>
           </a:ln>
         </p:spPr>
+        <p:style>
+          <a:lnRef idx="0"/>
+          <a:fillRef idx="0"/>
+          <a:effectRef idx="0"/>
+          <a:fontRef idx="minor"/>
+        </p:style>
         <p:txBody>
           <a:bodyPr lIns="0" rIns="0" tIns="0" bIns="0"/>
           <a:p>
-            <a:pPr marL="432000" indent="-324000">
+            <a:pPr marL="432000" indent="-323280">
+              <a:lnSpc>
+                <a:spcPct val="100000"/>
+              </a:lnSpc>
               <a:spcAft>
                 <a:spcPts val="1412"/>
               </a:spcAft>
@@ -7431,18 +6493,19 @@
                   <a:srgbClr val="333333"/>
                 </a:solidFill>
                 <a:latin typeface="Open Sans"/>
+                <a:ea typeface="DejaVu Sans"/>
               </a:rPr>
               <a:t>Generate a data set of change in payment probabilities and change in fine amount (e.g. (0.65 – 0.70, $200 - $100) =&gt; (-0.05, 200)</a:t>
             </a:r>
             <a:endParaRPr b="0" lang="en-US" sz="2200" spc="-1" strike="noStrike">
-              <a:solidFill>
-                <a:srgbClr val="333333"/>
-              </a:solidFill>
-              <a:latin typeface="Open Sans"/>
-            </a:endParaRPr>
-          </a:p>
-          <a:p>
-            <a:pPr marL="432000" indent="-324000">
+              <a:latin typeface="Arial"/>
+            </a:endParaRPr>
+          </a:p>
+          <a:p>
+            <a:pPr marL="432000" indent="-323280">
+              <a:lnSpc>
+                <a:spcPct val="100000"/>
+              </a:lnSpc>
               <a:spcAft>
                 <a:spcPts val="1412"/>
               </a:spcAft>
@@ -7459,18 +6522,19 @@
                   <a:srgbClr val="333333"/>
                 </a:solidFill>
                 <a:latin typeface="Open Sans"/>
+                <a:ea typeface="DejaVu Sans"/>
               </a:rPr>
               <a:t>(1 - 0.65/0.70, $200/$100) =&gt; (0.07, 2)</a:t>
             </a:r>
             <a:endParaRPr b="0" lang="en-US" sz="2200" spc="-1" strike="noStrike">
-              <a:solidFill>
-                <a:srgbClr val="333333"/>
-              </a:solidFill>
-              <a:latin typeface="Open Sans"/>
-            </a:endParaRPr>
-          </a:p>
-          <a:p>
-            <a:pPr marL="432000" indent="-324000">
+              <a:latin typeface="Arial"/>
+            </a:endParaRPr>
+          </a:p>
+          <a:p>
+            <a:pPr marL="432000" indent="-323280">
+              <a:lnSpc>
+                <a:spcPct val="100000"/>
+              </a:lnSpc>
               <a:spcAft>
                 <a:spcPts val="1412"/>
               </a:spcAft>
@@ -7487,18 +6551,19 @@
                   <a:srgbClr val="333333"/>
                 </a:solidFill>
                 <a:latin typeface="Open Sans"/>
+                <a:ea typeface="DejaVu Sans"/>
               </a:rPr>
               <a:t>Investigate the correlation between change in payment probability and change in price.</a:t>
             </a:r>
             <a:endParaRPr b="0" lang="en-US" sz="2200" spc="-1" strike="noStrike">
-              <a:solidFill>
-                <a:srgbClr val="333333"/>
-              </a:solidFill>
-              <a:latin typeface="Open Sans"/>
-            </a:endParaRPr>
-          </a:p>
-          <a:p>
-            <a:pPr marL="432000" indent="-324000">
+              <a:latin typeface="Arial"/>
+            </a:endParaRPr>
+          </a:p>
+          <a:p>
+            <a:pPr marL="432000" indent="-323280">
+              <a:lnSpc>
+                <a:spcPct val="100000"/>
+              </a:lnSpc>
               <a:spcAft>
                 <a:spcPts val="1412"/>
               </a:spcAft>
@@ -7515,18 +6580,19 @@
                   <a:srgbClr val="333333"/>
                 </a:solidFill>
                 <a:latin typeface="Open Sans"/>
+                <a:ea typeface="DejaVu Sans"/>
               </a:rPr>
               <a:t>Investigate other violations.</a:t>
             </a:r>
             <a:endParaRPr b="0" lang="en-US" sz="2200" spc="-1" strike="noStrike">
-              <a:solidFill>
-                <a:srgbClr val="333333"/>
-              </a:solidFill>
-              <a:latin typeface="Open Sans"/>
-            </a:endParaRPr>
-          </a:p>
-          <a:p>
-            <a:pPr marL="432000" indent="-324000">
+              <a:latin typeface="Arial"/>
+            </a:endParaRPr>
+          </a:p>
+          <a:p>
+            <a:pPr marL="432000" indent="-323280">
+              <a:lnSpc>
+                <a:spcPct val="100000"/>
+              </a:lnSpc>
               <a:spcAft>
                 <a:spcPts val="1412"/>
               </a:spcAft>
@@ -7543,14 +6609,12 @@
                   <a:srgbClr val="333333"/>
                 </a:solidFill>
                 <a:latin typeface="Open Sans"/>
+                <a:ea typeface="DejaVu Sans"/>
               </a:rPr>
               <a:t>Investigate revenue amounts rather than probability of payment.</a:t>
             </a:r>
             <a:endParaRPr b="0" lang="en-US" sz="2200" spc="-1" strike="noStrike">
-              <a:solidFill>
-                <a:srgbClr val="333333"/>
-              </a:solidFill>
-              <a:latin typeface="Open Sans"/>
+              <a:latin typeface="Arial"/>
             </a:endParaRPr>
           </a:p>
         </p:txBody>
@@ -7609,14 +6673,14 @@
       </p:grpSpPr>
       <p:sp>
         <p:nvSpPr>
-          <p:cNvPr id="129" name="TextShape 1"/>
-          <p:cNvSpPr txBox="1"/>
+          <p:cNvPr id="124" name="CustomShape 1"/>
+          <p:cNvSpPr/>
           <p:nvPr/>
         </p:nvSpPr>
         <p:spPr>
           <a:xfrm>
             <a:off x="720000" y="300960"/>
-            <a:ext cx="8855640" cy="1262520"/>
+            <a:ext cx="8854920" cy="1261800"/>
           </a:xfrm>
           <a:prstGeom prst="rect">
             <a:avLst/>
@@ -7626,6 +6690,12 @@
             <a:noFill/>
           </a:ln>
         </p:spPr>
+        <p:style>
+          <a:lnRef idx="0"/>
+          <a:fillRef idx="0"/>
+          <a:effectRef idx="0"/>
+          <a:fontRef idx="minor"/>
+        </p:style>
         <p:txBody>
           <a:bodyPr lIns="0" rIns="0" tIns="0" bIns="0" anchor="ctr"/>
           <a:p>
@@ -7635,28 +6705,26 @@
                   <a:srgbClr val="333333"/>
                 </a:solidFill>
                 <a:latin typeface="Open Sans"/>
+                <a:ea typeface="DejaVu Sans"/>
               </a:rPr>
               <a:t>References</a:t>
             </a:r>
-            <a:endParaRPr b="1" lang="en-US" sz="4400" spc="-1" strike="noStrike">
-              <a:solidFill>
-                <a:srgbClr val="333333"/>
-              </a:solidFill>
-              <a:latin typeface="Open Sans"/>
-            </a:endParaRPr>
-          </a:p>
-        </p:txBody>
-      </p:sp>
-      <p:sp>
-        <p:nvSpPr>
-          <p:cNvPr id="130" name="TextShape 2"/>
-          <p:cNvSpPr txBox="1"/>
+            <a:endParaRPr b="0" lang="en-US" sz="4400" spc="-1" strike="noStrike">
+              <a:latin typeface="Arial"/>
+            </a:endParaRPr>
+          </a:p>
+        </p:txBody>
+      </p:sp>
+      <p:sp>
+        <p:nvSpPr>
+          <p:cNvPr id="125" name="CustomShape 2"/>
+          <p:cNvSpPr/>
           <p:nvPr/>
         </p:nvSpPr>
         <p:spPr>
           <a:xfrm>
             <a:off x="720000" y="2160000"/>
-            <a:ext cx="8640000" cy="4384800"/>
+            <a:ext cx="8639280" cy="4384080"/>
           </a:xfrm>
           <a:prstGeom prst="rect">
             <a:avLst/>
@@ -7666,10 +6734,19 @@
             <a:noFill/>
           </a:ln>
         </p:spPr>
+        <p:style>
+          <a:lnRef idx="0"/>
+          <a:fillRef idx="0"/>
+          <a:effectRef idx="0"/>
+          <a:fontRef idx="minor"/>
+        </p:style>
         <p:txBody>
           <a:bodyPr lIns="0" rIns="0" tIns="0" bIns="0"/>
           <a:p>
-            <a:pPr marL="432000" indent="-324000">
+            <a:pPr marL="432000" indent="-323280">
+              <a:lnSpc>
+                <a:spcPct val="100000"/>
+              </a:lnSpc>
               <a:spcAft>
                 <a:spcPts val="1412"/>
               </a:spcAft>
@@ -7686,28 +6763,31 @@
                   <a:srgbClr val="333333"/>
                 </a:solidFill>
                 <a:latin typeface="Open Sans"/>
+                <a:ea typeface="DejaVu Sans"/>
               </a:rPr>
               <a:t>1. Simpson, D., Gradel, T.J., Rossi, M.R, &amp; Taylor, K. Continuing Corruption in Illinois: Anti-Corruption Report #10. (2018) </a:t>
             </a:r>
             <a:r>
-              <a:rPr b="0" lang="en-US" sz="1600" spc="-1" strike="noStrike">
+              <a:rPr b="0" lang="en-US" sz="1600" spc="-1" strike="noStrike" u="sng">
                 <a:solidFill>
-                  <a:srgbClr val="333333"/>
+                  <a:srgbClr val="0000ff"/>
                 </a:solidFill>
+                <a:uFillTx/>
                 <a:latin typeface="Open Sans"/>
+                <a:ea typeface="DejaVu Sans"/>
                 <a:hlinkClick r:id="rId1"/>
               </a:rPr>
               <a:t>https://pols.uic.edu/wp-content/uploads/sites/273/2018/10/cpl_continuingcorruptioinillinois.pdf</a:t>
             </a:r>
             <a:endParaRPr b="0" lang="en-US" sz="1600" spc="-1" strike="noStrike">
-              <a:solidFill>
-                <a:srgbClr val="333333"/>
-              </a:solidFill>
-              <a:latin typeface="Open Sans"/>
-            </a:endParaRPr>
-          </a:p>
-          <a:p>
-            <a:pPr marL="432000" indent="-324000">
+              <a:latin typeface="Arial"/>
+            </a:endParaRPr>
+          </a:p>
+          <a:p>
+            <a:pPr marL="432000" indent="-323280">
+              <a:lnSpc>
+                <a:spcPct val="100000"/>
+              </a:lnSpc>
               <a:spcAft>
                 <a:spcPts val="1412"/>
               </a:spcAft>
@@ -7724,14 +6804,12 @@
                   <a:srgbClr val="333333"/>
                 </a:solidFill>
                 <a:latin typeface="Open Sans"/>
+                <a:ea typeface="DejaVu Sans"/>
               </a:rPr>
               <a:t>2. Johnson, N.D., LaFountain, C.L. &amp; Yamarik, S. Corruption is bad for growth (even in the United States). Public Choice 147, 377–393 (2011) doi:10.1007/s11127-010-9634-5</a:t>
             </a:r>
             <a:endParaRPr b="0" lang="en-US" sz="1600" spc="-1" strike="noStrike">
-              <a:solidFill>
-                <a:srgbClr val="333333"/>
-              </a:solidFill>
-              <a:latin typeface="Open Sans"/>
+              <a:latin typeface="Arial"/>
             </a:endParaRPr>
           </a:p>
         </p:txBody>
@@ -7790,14 +6868,14 @@
       </p:grpSpPr>
       <p:sp>
         <p:nvSpPr>
-          <p:cNvPr id="92" name="TextShape 1"/>
-          <p:cNvSpPr txBox="1"/>
+          <p:cNvPr id="86" name="CustomShape 1"/>
+          <p:cNvSpPr/>
           <p:nvPr/>
         </p:nvSpPr>
         <p:spPr>
           <a:xfrm>
             <a:off x="720000" y="300960"/>
-            <a:ext cx="8855640" cy="1262520"/>
+            <a:ext cx="8854920" cy="1261800"/>
           </a:xfrm>
           <a:prstGeom prst="rect">
             <a:avLst/>
@@ -7807,6 +6885,12 @@
             <a:noFill/>
           </a:ln>
         </p:spPr>
+        <p:style>
+          <a:lnRef idx="0"/>
+          <a:fillRef idx="0"/>
+          <a:effectRef idx="0"/>
+          <a:fontRef idx="minor"/>
+        </p:style>
         <p:txBody>
           <a:bodyPr lIns="0" rIns="0" tIns="0" bIns="0" anchor="ctr"/>
           <a:p>
@@ -7816,28 +6900,26 @@
                   <a:srgbClr val="333333"/>
                 </a:solidFill>
                 <a:latin typeface="Open Sans"/>
+                <a:ea typeface="DejaVu Sans"/>
               </a:rPr>
               <a:t>Project Overview</a:t>
             </a:r>
-            <a:endParaRPr b="1" lang="en-US" sz="4400" spc="-1" strike="noStrike">
-              <a:solidFill>
-                <a:srgbClr val="333333"/>
-              </a:solidFill>
-              <a:latin typeface="Open Sans"/>
-            </a:endParaRPr>
-          </a:p>
-        </p:txBody>
-      </p:sp>
-      <p:sp>
-        <p:nvSpPr>
-          <p:cNvPr id="93" name="TextShape 2"/>
-          <p:cNvSpPr txBox="1"/>
+            <a:endParaRPr b="0" lang="en-US" sz="4400" spc="-1" strike="noStrike">
+              <a:latin typeface="Arial"/>
+            </a:endParaRPr>
+          </a:p>
+        </p:txBody>
+      </p:sp>
+      <p:sp>
+        <p:nvSpPr>
+          <p:cNvPr id="87" name="CustomShape 2"/>
+          <p:cNvSpPr/>
           <p:nvPr/>
         </p:nvSpPr>
         <p:spPr>
           <a:xfrm>
             <a:off x="720000" y="2160000"/>
-            <a:ext cx="8640000" cy="4384800"/>
+            <a:ext cx="8639280" cy="4384080"/>
           </a:xfrm>
           <a:prstGeom prst="rect">
             <a:avLst/>
@@ -7847,10 +6929,19 @@
             <a:noFill/>
           </a:ln>
         </p:spPr>
+        <p:style>
+          <a:lnRef idx="0"/>
+          <a:fillRef idx="0"/>
+          <a:effectRef idx="0"/>
+          <a:fontRef idx="minor"/>
+        </p:style>
         <p:txBody>
           <a:bodyPr lIns="0" rIns="0" tIns="0" bIns="0"/>
           <a:p>
-            <a:pPr marL="432000" indent="-324000">
+            <a:pPr marL="432000" indent="-323280">
+              <a:lnSpc>
+                <a:spcPct val="100000"/>
+              </a:lnSpc>
               <a:spcAft>
                 <a:spcPts val="1412"/>
               </a:spcAft>
@@ -7867,6 +6958,7 @@
                   <a:srgbClr val="333333"/>
                 </a:solidFill>
                 <a:latin typeface="Open Sans"/>
+                <a:ea typeface="DejaVu Sans"/>
               </a:rPr>
               <a:t>The City of Chicago has a long history of public corruption dating back over 150 years.</a:t>
             </a:r>
@@ -7876,18 +6968,19 @@
                   <a:srgbClr val="333333"/>
                 </a:solidFill>
                 <a:latin typeface="Open Sans"/>
+                <a:ea typeface="DejaVu Sans"/>
               </a:rPr>
               <a:t>1</a:t>
             </a:r>
             <a:endParaRPr b="0" lang="en-US" sz="2800" spc="-1" strike="noStrike">
-              <a:solidFill>
-                <a:srgbClr val="333333"/>
-              </a:solidFill>
-              <a:latin typeface="Open Sans"/>
-            </a:endParaRPr>
-          </a:p>
-          <a:p>
-            <a:pPr marL="432000" indent="-324000">
+              <a:latin typeface="Arial"/>
+            </a:endParaRPr>
+          </a:p>
+          <a:p>
+            <a:pPr marL="432000" indent="-323280">
+              <a:lnSpc>
+                <a:spcPct val="100000"/>
+              </a:lnSpc>
               <a:spcAft>
                 <a:spcPts val="1412"/>
               </a:spcAft>
@@ -7904,6 +6997,7 @@
                   <a:srgbClr val="333333"/>
                 </a:solidFill>
                 <a:latin typeface="Open Sans"/>
+                <a:ea typeface="DejaVu Sans"/>
               </a:rPr>
               <a:t>Public corruption convictions are estimated to cost the Illinois state economy $550 million every year.</a:t>
             </a:r>
@@ -7913,18 +7007,19 @@
                   <a:srgbClr val="333333"/>
                 </a:solidFill>
                 <a:latin typeface="Open Sans"/>
+                <a:ea typeface="DejaVu Sans"/>
               </a:rPr>
               <a:t>2</a:t>
             </a:r>
             <a:endParaRPr b="0" lang="en-US" sz="2800" spc="-1" strike="noStrike">
-              <a:solidFill>
-                <a:srgbClr val="333333"/>
-              </a:solidFill>
-              <a:latin typeface="Open Sans"/>
-            </a:endParaRPr>
-          </a:p>
-          <a:p>
-            <a:pPr marL="432000" indent="-324000">
+              <a:latin typeface="Arial"/>
+            </a:endParaRPr>
+          </a:p>
+          <a:p>
+            <a:pPr marL="432000" indent="-323280">
+              <a:lnSpc>
+                <a:spcPct val="100000"/>
+              </a:lnSpc>
               <a:spcAft>
                 <a:spcPts val="1412"/>
               </a:spcAft>
@@ -7941,14 +7036,12 @@
                   <a:srgbClr val="333333"/>
                 </a:solidFill>
                 <a:latin typeface="Open Sans"/>
+                <a:ea typeface="DejaVu Sans"/>
               </a:rPr>
               <a:t>The full potential of municipal revenue streams must be unlocked to keep up with corruption costs.</a:t>
             </a:r>
             <a:endParaRPr b="0" lang="en-US" sz="2800" spc="-1" strike="noStrike">
-              <a:solidFill>
-                <a:srgbClr val="333333"/>
-              </a:solidFill>
-              <a:latin typeface="Open Sans"/>
+              <a:latin typeface="Arial"/>
             </a:endParaRPr>
           </a:p>
         </p:txBody>
@@ -8007,14 +7100,14 @@
       </p:grpSpPr>
       <p:sp>
         <p:nvSpPr>
-          <p:cNvPr id="94" name="TextShape 1"/>
-          <p:cNvSpPr txBox="1"/>
+          <p:cNvPr id="88" name="CustomShape 1"/>
+          <p:cNvSpPr/>
           <p:nvPr/>
         </p:nvSpPr>
         <p:spPr>
           <a:xfrm>
             <a:off x="720000" y="300960"/>
-            <a:ext cx="8855640" cy="1262520"/>
+            <a:ext cx="8854920" cy="1261800"/>
           </a:xfrm>
           <a:prstGeom prst="rect">
             <a:avLst/>
@@ -8024,6 +7117,12 @@
             <a:noFill/>
           </a:ln>
         </p:spPr>
+        <p:style>
+          <a:lnRef idx="0"/>
+          <a:fillRef idx="0"/>
+          <a:effectRef idx="0"/>
+          <a:fontRef idx="minor"/>
+        </p:style>
         <p:txBody>
           <a:bodyPr lIns="0" rIns="0" tIns="0" bIns="0" anchor="ctr"/>
           <a:p>
@@ -8033,28 +7132,26 @@
                   <a:srgbClr val="333333"/>
                 </a:solidFill>
                 <a:latin typeface="Open Sans"/>
+                <a:ea typeface="DejaVu Sans"/>
               </a:rPr>
               <a:t>Motivation</a:t>
             </a:r>
-            <a:endParaRPr b="1" lang="en-US" sz="4400" spc="-1" strike="noStrike">
-              <a:solidFill>
-                <a:srgbClr val="333333"/>
-              </a:solidFill>
-              <a:latin typeface="Open Sans"/>
-            </a:endParaRPr>
-          </a:p>
-        </p:txBody>
-      </p:sp>
-      <p:sp>
-        <p:nvSpPr>
-          <p:cNvPr id="95" name="TextShape 2"/>
-          <p:cNvSpPr txBox="1"/>
+            <a:endParaRPr b="0" lang="en-US" sz="4400" spc="-1" strike="noStrike">
+              <a:latin typeface="Arial"/>
+            </a:endParaRPr>
+          </a:p>
+        </p:txBody>
+      </p:sp>
+      <p:sp>
+        <p:nvSpPr>
+          <p:cNvPr id="89" name="CustomShape 2"/>
+          <p:cNvSpPr/>
           <p:nvPr/>
         </p:nvSpPr>
         <p:spPr>
           <a:xfrm>
             <a:off x="720000" y="2160000"/>
-            <a:ext cx="8640000" cy="4384800"/>
+            <a:ext cx="8639280" cy="4384080"/>
           </a:xfrm>
           <a:prstGeom prst="rect">
             <a:avLst/>
@@ -8064,51 +7161,45 @@
             <a:noFill/>
           </a:ln>
         </p:spPr>
+        <p:style>
+          <a:lnRef idx="0"/>
+          <a:fillRef idx="0"/>
+          <a:effectRef idx="0"/>
+          <a:fontRef idx="minor"/>
+        </p:style>
         <p:txBody>
           <a:bodyPr lIns="0" rIns="0" tIns="0" bIns="0"/>
           <a:p>
-            <a:pPr marL="432000" indent="-324000">
+            <a:pPr>
+              <a:lnSpc>
+                <a:spcPct val="100000"/>
+              </a:lnSpc>
               <a:spcAft>
                 <a:spcPts val="1412"/>
               </a:spcAft>
-              <a:buClr>
-                <a:srgbClr val="ef2929"/>
-              </a:buClr>
-              <a:buSzPct val="45000"/>
-              <a:buFont typeface="Wingdings" charset="2"/>
-              <a:buChar char=""/>
             </a:pPr>
-            <a:endParaRPr b="0" lang="en-US" sz="2800" spc="-1" strike="noStrike">
-              <a:solidFill>
-                <a:srgbClr val="333333"/>
-              </a:solidFill>
-              <a:latin typeface="Open Sans"/>
-            </a:endParaRPr>
-          </a:p>
-          <a:p>
-            <a:pPr marL="432000" indent="-324000">
+            <a:endParaRPr b="0" lang="en-US" sz="1800" spc="-1" strike="noStrike">
+              <a:latin typeface="Arial"/>
+            </a:endParaRPr>
+          </a:p>
+          <a:p>
+            <a:pPr>
+              <a:lnSpc>
+                <a:spcPct val="100000"/>
+              </a:lnSpc>
               <a:spcAft>
                 <a:spcPts val="1412"/>
               </a:spcAft>
-              <a:buClr>
-                <a:srgbClr val="ef2929"/>
-              </a:buClr>
-              <a:buSzPct val="45000"/>
-              <a:buFont typeface="Wingdings" charset="2"/>
-              <a:buChar char=""/>
             </a:pPr>
-            <a:endParaRPr b="0" lang="en-US" sz="2800" spc="-1" strike="noStrike">
-              <a:solidFill>
-                <a:srgbClr val="333333"/>
-              </a:solidFill>
-              <a:latin typeface="Open Sans"/>
+            <a:endParaRPr b="0" lang="en-US" sz="1800" spc="-1" strike="noStrike">
+              <a:latin typeface="Arial"/>
             </a:endParaRPr>
           </a:p>
         </p:txBody>
       </p:sp>
       <p:pic>
         <p:nvPicPr>
-          <p:cNvPr id="96" name="" descr=""/>
+          <p:cNvPr id="90" name="" descr=""/>
           <p:cNvPicPr/>
           <p:nvPr/>
         </p:nvPicPr>
@@ -8119,7 +7210,7 @@
         <p:spPr>
           <a:xfrm>
             <a:off x="1719720" y="1563480"/>
-            <a:ext cx="6640560" cy="4981320"/>
+            <a:ext cx="6658920" cy="4980600"/>
           </a:xfrm>
           <a:prstGeom prst="rect">
             <a:avLst/>
@@ -8183,14 +7274,14 @@
       </p:grpSpPr>
       <p:sp>
         <p:nvSpPr>
-          <p:cNvPr id="97" name="TextShape 1"/>
-          <p:cNvSpPr txBox="1"/>
+          <p:cNvPr id="91" name="CustomShape 1"/>
+          <p:cNvSpPr/>
           <p:nvPr/>
         </p:nvSpPr>
         <p:spPr>
           <a:xfrm>
             <a:off x="720000" y="300960"/>
-            <a:ext cx="8855640" cy="1262520"/>
+            <a:ext cx="8854920" cy="1261800"/>
           </a:xfrm>
           <a:prstGeom prst="rect">
             <a:avLst/>
@@ -8200,6 +7291,12 @@
             <a:noFill/>
           </a:ln>
         </p:spPr>
+        <p:style>
+          <a:lnRef idx="0"/>
+          <a:fillRef idx="0"/>
+          <a:effectRef idx="0"/>
+          <a:fontRef idx="minor"/>
+        </p:style>
         <p:txBody>
           <a:bodyPr lIns="0" rIns="0" tIns="0" bIns="0" anchor="ctr"/>
           <a:p>
@@ -8209,28 +7306,26 @@
                   <a:srgbClr val="333333"/>
                 </a:solidFill>
                 <a:latin typeface="Open Sans"/>
+                <a:ea typeface="DejaVu Sans"/>
               </a:rPr>
               <a:t>Data Overview/Pipeline</a:t>
             </a:r>
-            <a:endParaRPr b="1" lang="en-US" sz="4400" spc="-1" strike="noStrike">
-              <a:solidFill>
-                <a:srgbClr val="333333"/>
-              </a:solidFill>
-              <a:latin typeface="Open Sans"/>
-            </a:endParaRPr>
-          </a:p>
-        </p:txBody>
-      </p:sp>
-      <p:sp>
-        <p:nvSpPr>
-          <p:cNvPr id="98" name="TextShape 2"/>
-          <p:cNvSpPr txBox="1"/>
+            <a:endParaRPr b="0" lang="en-US" sz="4400" spc="-1" strike="noStrike">
+              <a:latin typeface="Arial"/>
+            </a:endParaRPr>
+          </a:p>
+        </p:txBody>
+      </p:sp>
+      <p:sp>
+        <p:nvSpPr>
+          <p:cNvPr id="92" name="CustomShape 2"/>
+          <p:cNvSpPr/>
           <p:nvPr/>
         </p:nvSpPr>
         <p:spPr>
           <a:xfrm>
             <a:off x="720000" y="2160000"/>
-            <a:ext cx="8640000" cy="4384800"/>
+            <a:ext cx="8639280" cy="4384080"/>
           </a:xfrm>
           <a:prstGeom prst="rect">
             <a:avLst/>
@@ -8240,10 +7335,19 @@
             <a:noFill/>
           </a:ln>
         </p:spPr>
+        <p:style>
+          <a:lnRef idx="0"/>
+          <a:fillRef idx="0"/>
+          <a:effectRef idx="0"/>
+          <a:fontRef idx="minor"/>
+        </p:style>
         <p:txBody>
           <a:bodyPr lIns="0" rIns="0" tIns="0" bIns="0"/>
           <a:p>
-            <a:pPr marL="432000" indent="-324000">
+            <a:pPr marL="432000" indent="-323280">
+              <a:lnSpc>
+                <a:spcPct val="100000"/>
+              </a:lnSpc>
               <a:spcAft>
                 <a:spcPts val="1412"/>
               </a:spcAft>
@@ -8260,18 +7364,19 @@
                   <a:srgbClr val="333333"/>
                 </a:solidFill>
                 <a:latin typeface="Open Sans"/>
+                <a:ea typeface="DejaVu Sans"/>
               </a:rPr>
               <a:t>Compiled by ProPublica, an investigative journalism organization, using City of Chicago records</a:t>
             </a:r>
             <a:endParaRPr b="0" lang="en-US" sz="1500" spc="-1" strike="noStrike">
-              <a:solidFill>
-                <a:srgbClr val="333333"/>
-              </a:solidFill>
-              <a:latin typeface="Open Sans"/>
-            </a:endParaRPr>
-          </a:p>
-          <a:p>
-            <a:pPr marL="432000" indent="-324000">
+              <a:latin typeface="Arial"/>
+            </a:endParaRPr>
+          </a:p>
+          <a:p>
+            <a:pPr marL="432000" indent="-323280">
+              <a:lnSpc>
+                <a:spcPct val="100000"/>
+              </a:lnSpc>
               <a:spcAft>
                 <a:spcPts val="1412"/>
               </a:spcAft>
@@ -8288,18 +7393,19 @@
                   <a:srgbClr val="333333"/>
                 </a:solidFill>
                 <a:latin typeface="Open Sans"/>
+                <a:ea typeface="DejaVu Sans"/>
               </a:rPr>
               <a:t>Data spans 1/1/96 - 5/14/18</a:t>
             </a:r>
             <a:endParaRPr b="0" lang="en-US" sz="1500" spc="-1" strike="noStrike">
-              <a:solidFill>
-                <a:srgbClr val="333333"/>
-              </a:solidFill>
-              <a:latin typeface="Open Sans"/>
-            </a:endParaRPr>
-          </a:p>
-          <a:p>
-            <a:pPr marL="432000" indent="-324000">
+              <a:latin typeface="Arial"/>
+            </a:endParaRPr>
+          </a:p>
+          <a:p>
+            <a:pPr marL="432000" indent="-323280">
+              <a:lnSpc>
+                <a:spcPct val="100000"/>
+              </a:lnSpc>
               <a:spcAft>
                 <a:spcPts val="1412"/>
               </a:spcAft>
@@ -8316,18 +7422,19 @@
                   <a:srgbClr val="333333"/>
                 </a:solidFill>
                 <a:latin typeface="Open Sans"/>
+                <a:ea typeface="DejaVu Sans"/>
               </a:rPr>
               <a:t>Every record was generated when a ticket was issued.</a:t>
             </a:r>
             <a:endParaRPr b="0" lang="en-US" sz="1500" spc="-1" strike="noStrike">
-              <a:solidFill>
-                <a:srgbClr val="333333"/>
-              </a:solidFill>
-              <a:latin typeface="Open Sans"/>
-            </a:endParaRPr>
-          </a:p>
-          <a:p>
-            <a:pPr marL="432000" indent="-324000">
+              <a:latin typeface="Arial"/>
+            </a:endParaRPr>
+          </a:p>
+          <a:p>
+            <a:pPr marL="432000" indent="-323280">
+              <a:lnSpc>
+                <a:spcPct val="100000"/>
+              </a:lnSpc>
               <a:spcAft>
                 <a:spcPts val="1412"/>
               </a:spcAft>
@@ -8344,18 +7451,19 @@
                   <a:srgbClr val="333333"/>
                 </a:solidFill>
                 <a:latin typeface="Open Sans"/>
+                <a:ea typeface="DejaVu Sans"/>
               </a:rPr>
               <a:t>54,430,547 records. 22 features + 14 features engineered by ProPublica </a:t>
             </a:r>
             <a:endParaRPr b="0" lang="en-US" sz="1500" spc="-1" strike="noStrike">
-              <a:solidFill>
-                <a:srgbClr val="333333"/>
-              </a:solidFill>
-              <a:latin typeface="Open Sans"/>
-            </a:endParaRPr>
-          </a:p>
-          <a:p>
-            <a:pPr marL="432000" indent="-324000">
+              <a:latin typeface="Arial"/>
+            </a:endParaRPr>
+          </a:p>
+          <a:p>
+            <a:pPr marL="432000" indent="-323280">
+              <a:lnSpc>
+                <a:spcPct val="100000"/>
+              </a:lnSpc>
               <a:spcAft>
                 <a:spcPts val="1412"/>
               </a:spcAft>
@@ -8372,6 +7480,7 @@
                   <a:srgbClr val="333333"/>
                 </a:solidFill>
                 <a:latin typeface="Open Sans"/>
+                <a:ea typeface="DejaVu Sans"/>
               </a:rPr>
               <a:t>- </a:t>
             </a:r>
@@ -8381,18 +7490,19 @@
                   <a:srgbClr val="333333"/>
                 </a:solidFill>
                 <a:latin typeface="Courier New"/>
+                <a:ea typeface="DejaVu Sans"/>
               </a:rPr>
               <a:t>wc -l chicago_parking_tickets.csv</a:t>
             </a:r>
             <a:endParaRPr b="0" lang="en-US" sz="1400" spc="-1" strike="noStrike">
-              <a:solidFill>
-                <a:srgbClr val="333333"/>
-              </a:solidFill>
-              <a:latin typeface="Open Sans"/>
-            </a:endParaRPr>
-          </a:p>
-          <a:p>
-            <a:pPr marL="432000" indent="-324000">
+              <a:latin typeface="Arial"/>
+            </a:endParaRPr>
+          </a:p>
+          <a:p>
+            <a:pPr marL="432000" indent="-323280">
+              <a:lnSpc>
+                <a:spcPct val="100000"/>
+              </a:lnSpc>
               <a:spcAft>
                 <a:spcPts val="1412"/>
               </a:spcAft>
@@ -8409,18 +7519,19 @@
                   <a:srgbClr val="333333"/>
                 </a:solidFill>
                 <a:latin typeface="Open Sans"/>
+                <a:ea typeface="DejaVu Sans"/>
               </a:rPr>
               <a:t>Features contain information about:</a:t>
             </a:r>
             <a:endParaRPr b="0" lang="en-US" sz="1500" spc="-1" strike="noStrike">
-              <a:solidFill>
-                <a:srgbClr val="333333"/>
-              </a:solidFill>
-              <a:latin typeface="Open Sans"/>
-            </a:endParaRPr>
-          </a:p>
-          <a:p>
-            <a:pPr marL="432000" indent="-324000">
+              <a:latin typeface="Arial"/>
+            </a:endParaRPr>
+          </a:p>
+          <a:p>
+            <a:pPr marL="432000" indent="-323280">
+              <a:lnSpc>
+                <a:spcPct val="100000"/>
+              </a:lnSpc>
               <a:spcAft>
                 <a:spcPts val="1412"/>
               </a:spcAft>
@@ -8437,6 +7548,7 @@
                   <a:srgbClr val="333333"/>
                 </a:solidFill>
                 <a:latin typeface="Open Sans"/>
+                <a:ea typeface="DejaVu Sans"/>
               </a:rPr>
               <a:t>- date ticket issued</a:t>
             </a:r>
@@ -8446,6 +7558,7 @@
                   <a:srgbClr val="333333"/>
                 </a:solidFill>
                 <a:latin typeface="Open Sans"/>
+                <a:ea typeface="DejaVu Sans"/>
               </a:rPr>
               <a:t>	</a:t>
             </a:r>
@@ -8455,6 +7568,7 @@
                   <a:srgbClr val="333333"/>
                 </a:solidFill>
                 <a:latin typeface="Open Sans"/>
+                <a:ea typeface="DejaVu Sans"/>
               </a:rPr>
               <a:t>	</a:t>
             </a:r>
@@ -8464,6 +7578,7 @@
                   <a:srgbClr val="333333"/>
                 </a:solidFill>
                 <a:latin typeface="Open Sans"/>
+                <a:ea typeface="DejaVu Sans"/>
               </a:rPr>
               <a:t>- location ticket issued </a:t>
             </a:r>
@@ -8473,6 +7588,7 @@
                   <a:srgbClr val="333333"/>
                 </a:solidFill>
                 <a:latin typeface="Open Sans"/>
+                <a:ea typeface="DejaVu Sans"/>
               </a:rPr>
               <a:t>	</a:t>
             </a:r>
@@ -8482,6 +7598,7 @@
                   <a:srgbClr val="333333"/>
                 </a:solidFill>
                 <a:latin typeface="Open Sans"/>
+                <a:ea typeface="DejaVu Sans"/>
               </a:rPr>
               <a:t>- violation</a:t>
             </a:r>
@@ -8491,18 +7608,19 @@
                   <a:srgbClr val="333333"/>
                 </a:solidFill>
                 <a:latin typeface="Open Sans"/>
+                <a:ea typeface="DejaVu Sans"/>
               </a:rPr>
               <a:t>	</a:t>
             </a:r>
             <a:endParaRPr b="0" lang="en-US" sz="1500" spc="-1" strike="noStrike">
-              <a:solidFill>
-                <a:srgbClr val="333333"/>
-              </a:solidFill>
-              <a:latin typeface="Open Sans"/>
-            </a:endParaRPr>
-          </a:p>
-          <a:p>
-            <a:pPr marL="432000" indent="-324000">
+              <a:latin typeface="Arial"/>
+            </a:endParaRPr>
+          </a:p>
+          <a:p>
+            <a:pPr marL="432000" indent="-323280">
+              <a:lnSpc>
+                <a:spcPct val="100000"/>
+              </a:lnSpc>
               <a:spcAft>
                 <a:spcPts val="1412"/>
               </a:spcAft>
@@ -8519,6 +7637,7 @@
                   <a:srgbClr val="333333"/>
                 </a:solidFill>
                 <a:latin typeface="Open Sans"/>
+                <a:ea typeface="DejaVu Sans"/>
               </a:rPr>
               <a:t>- vehicle information/owner zipcode</a:t>
             </a:r>
@@ -8528,6 +7647,7 @@
                   <a:srgbClr val="333333"/>
                 </a:solidFill>
                 <a:latin typeface="Open Sans"/>
+                <a:ea typeface="DejaVu Sans"/>
               </a:rPr>
               <a:t>	</a:t>
             </a:r>
@@ -8537,6 +7657,7 @@
                   <a:srgbClr val="333333"/>
                 </a:solidFill>
                 <a:latin typeface="Open Sans"/>
+                <a:ea typeface="DejaVu Sans"/>
               </a:rPr>
               <a:t>	</a:t>
             </a:r>
@@ -8546,6 +7667,7 @@
                   <a:srgbClr val="333333"/>
                 </a:solidFill>
                 <a:latin typeface="Open Sans"/>
+                <a:ea typeface="DejaVu Sans"/>
               </a:rPr>
               <a:t>- officer and dept</a:t>
             </a:r>
@@ -8555,6 +7677,7 @@
                   <a:srgbClr val="333333"/>
                 </a:solidFill>
                 <a:latin typeface="Open Sans"/>
+                <a:ea typeface="DejaVu Sans"/>
               </a:rPr>
               <a:t>	</a:t>
             </a:r>
@@ -8564,6 +7687,7 @@
                   <a:srgbClr val="333333"/>
                 </a:solidFill>
                 <a:latin typeface="Open Sans"/>
+                <a:ea typeface="DejaVu Sans"/>
               </a:rPr>
               <a:t>	</a:t>
             </a:r>
@@ -8573,18 +7697,19 @@
                   <a:srgbClr val="333333"/>
                 </a:solidFill>
                 <a:latin typeface="Open Sans"/>
+                <a:ea typeface="DejaVu Sans"/>
               </a:rPr>
               <a:t>- fine amount</a:t>
             </a:r>
             <a:endParaRPr b="0" lang="en-US" sz="1500" spc="-1" strike="noStrike">
-              <a:solidFill>
-                <a:srgbClr val="333333"/>
-              </a:solidFill>
-              <a:latin typeface="Open Sans"/>
-            </a:endParaRPr>
-          </a:p>
-          <a:p>
-            <a:pPr marL="432000" indent="-324000">
+              <a:latin typeface="Arial"/>
+            </a:endParaRPr>
+          </a:p>
+          <a:p>
+            <a:pPr marL="432000" indent="-323280">
+              <a:lnSpc>
+                <a:spcPct val="100000"/>
+              </a:lnSpc>
               <a:spcAft>
                 <a:spcPts val="1412"/>
               </a:spcAft>
@@ -8601,14 +7726,12 @@
                   <a:srgbClr val="333333"/>
                 </a:solidFill>
                 <a:latin typeface="Open Sans"/>
+                <a:ea typeface="DejaVu Sans"/>
               </a:rPr>
               <a:t>- ticket status as of 5/14/18 (paid, unpaid, dismissed etc.)</a:t>
             </a:r>
             <a:endParaRPr b="0" lang="en-US" sz="1500" spc="-1" strike="noStrike">
-              <a:solidFill>
-                <a:srgbClr val="333333"/>
-              </a:solidFill>
-              <a:latin typeface="Open Sans"/>
+              <a:latin typeface="Arial"/>
             </a:endParaRPr>
           </a:p>
         </p:txBody>
@@ -8667,14 +7790,14 @@
       </p:grpSpPr>
       <p:sp>
         <p:nvSpPr>
-          <p:cNvPr id="99" name="TextShape 1"/>
-          <p:cNvSpPr txBox="1"/>
+          <p:cNvPr id="93" name="CustomShape 1"/>
+          <p:cNvSpPr/>
           <p:nvPr/>
         </p:nvSpPr>
         <p:spPr>
           <a:xfrm>
             <a:off x="720000" y="300960"/>
-            <a:ext cx="8855640" cy="1262520"/>
+            <a:ext cx="8854920" cy="1261800"/>
           </a:xfrm>
           <a:prstGeom prst="rect">
             <a:avLst/>
@@ -8684,6 +7807,12 @@
             <a:noFill/>
           </a:ln>
         </p:spPr>
+        <p:style>
+          <a:lnRef idx="0"/>
+          <a:fillRef idx="0"/>
+          <a:effectRef idx="0"/>
+          <a:fontRef idx="minor"/>
+        </p:style>
         <p:txBody>
           <a:bodyPr lIns="0" rIns="0" tIns="0" bIns="0" anchor="ctr"/>
           <a:p>
@@ -8693,28 +7822,26 @@
                   <a:srgbClr val="333333"/>
                 </a:solidFill>
                 <a:latin typeface="Open Sans"/>
+                <a:ea typeface="DejaVu Sans"/>
               </a:rPr>
               <a:t>Data Overview/Pipeline</a:t>
             </a:r>
-            <a:endParaRPr b="1" lang="en-US" sz="4400" spc="-1" strike="noStrike">
-              <a:solidFill>
-                <a:srgbClr val="333333"/>
-              </a:solidFill>
-              <a:latin typeface="Open Sans"/>
-            </a:endParaRPr>
-          </a:p>
-        </p:txBody>
-      </p:sp>
-      <p:sp>
-        <p:nvSpPr>
-          <p:cNvPr id="100" name="TextShape 2"/>
-          <p:cNvSpPr txBox="1"/>
+            <a:endParaRPr b="0" lang="en-US" sz="4400" spc="-1" strike="noStrike">
+              <a:latin typeface="Arial"/>
+            </a:endParaRPr>
+          </a:p>
+        </p:txBody>
+      </p:sp>
+      <p:sp>
+        <p:nvSpPr>
+          <p:cNvPr id="94" name="CustomShape 2"/>
+          <p:cNvSpPr/>
           <p:nvPr/>
         </p:nvSpPr>
         <p:spPr>
           <a:xfrm>
             <a:off x="720000" y="2160000"/>
-            <a:ext cx="8640000" cy="4384800"/>
+            <a:ext cx="8639280" cy="4384080"/>
           </a:xfrm>
           <a:prstGeom prst="rect">
             <a:avLst/>
@@ -8724,10 +7851,19 @@
             <a:noFill/>
           </a:ln>
         </p:spPr>
+        <p:style>
+          <a:lnRef idx="0"/>
+          <a:fillRef idx="0"/>
+          <a:effectRef idx="0"/>
+          <a:fontRef idx="minor"/>
+        </p:style>
         <p:txBody>
           <a:bodyPr lIns="0" rIns="0" tIns="0" bIns="0"/>
           <a:p>
-            <a:pPr marL="432000" indent="-324000">
+            <a:pPr marL="432000" indent="-323280">
+              <a:lnSpc>
+                <a:spcPct val="100000"/>
+              </a:lnSpc>
               <a:spcAft>
                 <a:spcPts val="1412"/>
               </a:spcAft>
@@ -8739,23 +7875,24 @@
               <a:buChar char=""/>
             </a:pPr>
             <a:r>
-              <a:rPr b="0" lang="en-US" sz="2800" spc="-1" strike="noStrike">
+              <a:rPr b="0" lang="en-US" sz="2600" spc="-1" strike="noStrike">
                 <a:solidFill>
                   <a:srgbClr val="333333"/>
                 </a:solidFill>
                 <a:latin typeface="Open Sans"/>
+                <a:ea typeface="DejaVu Sans"/>
               </a:rPr>
               <a:t>Uncompressed csv is 19.6 GB</a:t>
             </a:r>
-            <a:endParaRPr b="0" lang="en-US" sz="2800" spc="-1" strike="noStrike">
-              <a:solidFill>
-                <a:srgbClr val="333333"/>
-              </a:solidFill>
-              <a:latin typeface="Open Sans"/>
-            </a:endParaRPr>
-          </a:p>
-          <a:p>
-            <a:pPr marL="432000" indent="-324000">
+            <a:endParaRPr b="0" lang="en-US" sz="2600" spc="-1" strike="noStrike">
+              <a:latin typeface="Arial"/>
+            </a:endParaRPr>
+          </a:p>
+          <a:p>
+            <a:pPr marL="432000" indent="-323280">
+              <a:lnSpc>
+                <a:spcPct val="100000"/>
+              </a:lnSpc>
               <a:spcAft>
                 <a:spcPts val="1412"/>
               </a:spcAft>
@@ -8767,23 +7904,24 @@
               <a:buChar char=""/>
             </a:pPr>
             <a:r>
-              <a:rPr b="0" lang="en-US" sz="2800" spc="-1" strike="noStrike">
+              <a:rPr b="0" lang="en-US" sz="2600" spc="-1" strike="noStrike">
                 <a:solidFill>
                   <a:srgbClr val="333333"/>
                 </a:solidFill>
                 <a:latin typeface="Open Sans"/>
+                <a:ea typeface="DejaVu Sans"/>
               </a:rPr>
               <a:t>- too large to load into memory</a:t>
             </a:r>
-            <a:endParaRPr b="0" lang="en-US" sz="2800" spc="-1" strike="noStrike">
-              <a:solidFill>
-                <a:srgbClr val="333333"/>
-              </a:solidFill>
-              <a:latin typeface="Open Sans"/>
-            </a:endParaRPr>
-          </a:p>
-          <a:p>
-            <a:pPr marL="432000" indent="-324000">
+            <a:endParaRPr b="0" lang="en-US" sz="2600" spc="-1" strike="noStrike">
+              <a:latin typeface="Arial"/>
+            </a:endParaRPr>
+          </a:p>
+          <a:p>
+            <a:pPr marL="432000" indent="-323280">
+              <a:lnSpc>
+                <a:spcPct val="100000"/>
+              </a:lnSpc>
               <a:spcAft>
                 <a:spcPts val="1412"/>
               </a:spcAft>
@@ -8795,41 +7933,44 @@
               <a:buChar char=""/>
             </a:pPr>
             <a:r>
-              <a:rPr b="0" lang="en-US" sz="2800" spc="-1" strike="noStrike">
+              <a:rPr b="0" lang="en-US" sz="2600" spc="-1" strike="noStrike">
                 <a:solidFill>
                   <a:srgbClr val="333333"/>
                 </a:solidFill>
                 <a:latin typeface="Open Sans"/>
+                <a:ea typeface="DejaVu Sans"/>
               </a:rPr>
               <a:t>Unix command line used to systematically sample every 25</a:t>
             </a:r>
             <a:r>
-              <a:rPr b="0" lang="en-US" sz="2800" spc="-1" strike="noStrike" baseline="101000">
+              <a:rPr b="0" lang="en-US" sz="2600" spc="-1" strike="noStrike" baseline="101000">
                 <a:solidFill>
                   <a:srgbClr val="333333"/>
                 </a:solidFill>
                 <a:latin typeface="Open Sans"/>
+                <a:ea typeface="DejaVu Sans"/>
               </a:rPr>
               <a:t>th</a:t>
             </a:r>
             <a:r>
-              <a:rPr b="0" lang="en-US" sz="2800" spc="-1" strike="noStrike">
+              <a:rPr b="0" lang="en-US" sz="2600" spc="-1" strike="noStrike">
                 <a:solidFill>
                   <a:srgbClr val="333333"/>
                 </a:solidFill>
                 <a:latin typeface="Open Sans"/>
+                <a:ea typeface="DejaVu Sans"/>
               </a:rPr>
               <a:t> record to yield 2,177,221 records (806 MB, 650 MB in memory) </a:t>
             </a:r>
-            <a:endParaRPr b="0" lang="en-US" sz="2800" spc="-1" strike="noStrike">
-              <a:solidFill>
-                <a:srgbClr val="333333"/>
-              </a:solidFill>
-              <a:latin typeface="Open Sans"/>
-            </a:endParaRPr>
-          </a:p>
-          <a:p>
-            <a:pPr marL="432000" indent="-324000">
+            <a:endParaRPr b="0" lang="en-US" sz="2600" spc="-1" strike="noStrike">
+              <a:latin typeface="Arial"/>
+            </a:endParaRPr>
+          </a:p>
+          <a:p>
+            <a:pPr marL="432000" indent="-323280">
+              <a:lnSpc>
+                <a:spcPct val="100000"/>
+              </a:lnSpc>
               <a:spcAft>
                 <a:spcPts val="1412"/>
               </a:spcAft>
@@ -8841,32 +7982,34 @@
               <a:buChar char=""/>
             </a:pPr>
             <a:r>
-              <a:rPr b="0" lang="en-US" sz="2800" spc="-1" strike="noStrike">
+              <a:rPr b="0" lang="en-US" sz="2600" spc="-1" strike="noStrike">
                 <a:solidFill>
                   <a:srgbClr val="333333"/>
                 </a:solidFill>
                 <a:latin typeface="Open Sans"/>
+                <a:ea typeface="DejaVu Sans"/>
               </a:rPr>
               <a:t>- </a:t>
             </a:r>
             <a:r>
-              <a:rPr b="0" lang="en-US" sz="2400" spc="-1" strike="noStrike">
+              <a:rPr b="0" lang="en-US" sz="2200" spc="-1" strike="noStrike">
                 <a:solidFill>
                   <a:srgbClr val="333333"/>
                 </a:solidFill>
                 <a:latin typeface="Courier New"/>
+                <a:ea typeface="DejaVu Sans"/>
               </a:rPr>
               <a:t>awk 'NR == 1 || NR % 25 == 0' chicago_parking_tickets.csv &gt; parking_sample.csv</a:t>
             </a:r>
-            <a:endParaRPr b="0" lang="en-US" sz="2400" spc="-1" strike="noStrike">
-              <a:solidFill>
-                <a:srgbClr val="333333"/>
-              </a:solidFill>
-              <a:latin typeface="Open Sans"/>
-            </a:endParaRPr>
-          </a:p>
-          <a:p>
-            <a:pPr marL="432000" indent="-324000">
+            <a:endParaRPr b="0" lang="en-US" sz="2200" spc="-1" strike="noStrike">
+              <a:latin typeface="Arial"/>
+            </a:endParaRPr>
+          </a:p>
+          <a:p>
+            <a:pPr marL="432000" indent="-323280">
+              <a:lnSpc>
+                <a:spcPct val="100000"/>
+              </a:lnSpc>
               <a:spcAft>
                 <a:spcPts val="1412"/>
               </a:spcAft>
@@ -8878,19 +8021,17 @@
               <a:buChar char=""/>
             </a:pPr>
             <a:r>
-              <a:rPr b="0" lang="en-US" sz="2800" spc="-1" strike="noStrike">
+              <a:rPr b="0" lang="en-US" sz="2600" spc="-1" strike="noStrike">
                 <a:solidFill>
                   <a:srgbClr val="333333"/>
                 </a:solidFill>
                 <a:latin typeface="Open Sans"/>
+                <a:ea typeface="DejaVu Sans"/>
               </a:rPr>
               <a:t>Pandas used to explore data</a:t>
             </a:r>
-            <a:endParaRPr b="0" lang="en-US" sz="2800" spc="-1" strike="noStrike">
-              <a:solidFill>
-                <a:srgbClr val="333333"/>
-              </a:solidFill>
-              <a:latin typeface="Open Sans"/>
+            <a:endParaRPr b="0" lang="en-US" sz="2600" spc="-1" strike="noStrike">
+              <a:latin typeface="Arial"/>
             </a:endParaRPr>
           </a:p>
         </p:txBody>
@@ -8949,14 +8090,14 @@
       </p:grpSpPr>
       <p:sp>
         <p:nvSpPr>
-          <p:cNvPr id="101" name="TextShape 1"/>
-          <p:cNvSpPr txBox="1"/>
+          <p:cNvPr id="95" name="CustomShape 1"/>
+          <p:cNvSpPr/>
           <p:nvPr/>
         </p:nvSpPr>
         <p:spPr>
           <a:xfrm>
             <a:off x="720000" y="300960"/>
-            <a:ext cx="8855640" cy="1262520"/>
+            <a:ext cx="8854920" cy="1261800"/>
           </a:xfrm>
           <a:prstGeom prst="rect">
             <a:avLst/>
@@ -8966,6 +8107,12 @@
             <a:noFill/>
           </a:ln>
         </p:spPr>
+        <p:style>
+          <a:lnRef idx="0"/>
+          <a:fillRef idx="0"/>
+          <a:effectRef idx="0"/>
+          <a:fontRef idx="minor"/>
+        </p:style>
         <p:txBody>
           <a:bodyPr lIns="0" rIns="0" tIns="0" bIns="0" anchor="ctr"/>
           <a:p>
@@ -8975,28 +8122,26 @@
                   <a:srgbClr val="333333"/>
                 </a:solidFill>
                 <a:latin typeface="Open Sans"/>
+                <a:ea typeface="DejaVu Sans"/>
               </a:rPr>
               <a:t>Data Exploration</a:t>
             </a:r>
-            <a:endParaRPr b="1" lang="en-US" sz="4400" spc="-1" strike="noStrike">
-              <a:solidFill>
-                <a:srgbClr val="333333"/>
-              </a:solidFill>
-              <a:latin typeface="Open Sans"/>
-            </a:endParaRPr>
-          </a:p>
-        </p:txBody>
-      </p:sp>
-      <p:sp>
-        <p:nvSpPr>
-          <p:cNvPr id="102" name="TextShape 2"/>
-          <p:cNvSpPr txBox="1"/>
+            <a:endParaRPr b="0" lang="en-US" sz="4400" spc="-1" strike="noStrike">
+              <a:latin typeface="Arial"/>
+            </a:endParaRPr>
+          </a:p>
+        </p:txBody>
+      </p:sp>
+      <p:sp>
+        <p:nvSpPr>
+          <p:cNvPr id="96" name="CustomShape 2"/>
+          <p:cNvSpPr/>
           <p:nvPr/>
         </p:nvSpPr>
         <p:spPr>
           <a:xfrm>
             <a:off x="720000" y="2160000"/>
-            <a:ext cx="8640000" cy="4384800"/>
+            <a:ext cx="8639280" cy="4384080"/>
           </a:xfrm>
           <a:prstGeom prst="rect">
             <a:avLst/>
@@ -9006,21 +8151,16 @@
             <a:noFill/>
           </a:ln>
         </p:spPr>
-        <p:txBody>
-          <a:bodyPr lIns="0" rIns="0" tIns="0" bIns="0"/>
-          <a:p>
-            <a:endParaRPr b="0" lang="en-US" sz="2800" spc="-1" strike="noStrike">
-              <a:solidFill>
-                <a:srgbClr val="333333"/>
-              </a:solidFill>
-              <a:latin typeface="Open Sans"/>
-            </a:endParaRPr>
-          </a:p>
-        </p:txBody>
+        <p:style>
+          <a:lnRef idx="0"/>
+          <a:fillRef idx="0"/>
+          <a:effectRef idx="0"/>
+          <a:fontRef idx="minor"/>
+        </p:style>
       </p:sp>
       <p:pic>
         <p:nvPicPr>
-          <p:cNvPr id="103" name="" descr=""/>
+          <p:cNvPr id="97" name="" descr=""/>
           <p:cNvPicPr/>
           <p:nvPr/>
         </p:nvPicPr>
@@ -9031,7 +8171,7 @@
         <p:spPr>
           <a:xfrm>
             <a:off x="1114560" y="1311120"/>
-            <a:ext cx="7851240" cy="5233680"/>
+            <a:ext cx="7850520" cy="5232960"/>
           </a:xfrm>
           <a:prstGeom prst="rect">
             <a:avLst/>
@@ -9095,14 +8235,14 @@
       </p:grpSpPr>
       <p:sp>
         <p:nvSpPr>
-          <p:cNvPr id="104" name="TextShape 1"/>
-          <p:cNvSpPr txBox="1"/>
+          <p:cNvPr id="98" name="CustomShape 1"/>
+          <p:cNvSpPr/>
           <p:nvPr/>
         </p:nvSpPr>
         <p:spPr>
           <a:xfrm>
             <a:off x="720000" y="300960"/>
-            <a:ext cx="8855640" cy="1262520"/>
+            <a:ext cx="8854920" cy="1261800"/>
           </a:xfrm>
           <a:prstGeom prst="rect">
             <a:avLst/>
@@ -9112,6 +8252,12 @@
             <a:noFill/>
           </a:ln>
         </p:spPr>
+        <p:style>
+          <a:lnRef idx="0"/>
+          <a:fillRef idx="0"/>
+          <a:effectRef idx="0"/>
+          <a:fontRef idx="minor"/>
+        </p:style>
         <p:txBody>
           <a:bodyPr lIns="0" rIns="0" tIns="0" bIns="0" anchor="ctr"/>
           <a:p>
@@ -9121,28 +8267,26 @@
                   <a:srgbClr val="333333"/>
                 </a:solidFill>
                 <a:latin typeface="Open Sans"/>
+                <a:ea typeface="DejaVu Sans"/>
               </a:rPr>
               <a:t>Data Exploration</a:t>
             </a:r>
-            <a:endParaRPr b="1" lang="en-US" sz="4400" spc="-1" strike="noStrike">
-              <a:solidFill>
-                <a:srgbClr val="333333"/>
-              </a:solidFill>
-              <a:latin typeface="Open Sans"/>
-            </a:endParaRPr>
-          </a:p>
-        </p:txBody>
-      </p:sp>
-      <p:sp>
-        <p:nvSpPr>
-          <p:cNvPr id="105" name="TextShape 2"/>
-          <p:cNvSpPr txBox="1"/>
+            <a:endParaRPr b="0" lang="en-US" sz="4400" spc="-1" strike="noStrike">
+              <a:latin typeface="Arial"/>
+            </a:endParaRPr>
+          </a:p>
+        </p:txBody>
+      </p:sp>
+      <p:sp>
+        <p:nvSpPr>
+          <p:cNvPr id="99" name="CustomShape 2"/>
+          <p:cNvSpPr/>
           <p:nvPr/>
         </p:nvSpPr>
         <p:spPr>
           <a:xfrm>
             <a:off x="720000" y="2160000"/>
-            <a:ext cx="8640000" cy="4384800"/>
+            <a:ext cx="8639280" cy="4384080"/>
           </a:xfrm>
           <a:prstGeom prst="rect">
             <a:avLst/>
@@ -9152,21 +8296,16 @@
             <a:noFill/>
           </a:ln>
         </p:spPr>
-        <p:txBody>
-          <a:bodyPr lIns="0" rIns="0" tIns="0" bIns="0"/>
-          <a:p>
-            <a:endParaRPr b="0" lang="en-US" sz="2800" spc="-1" strike="noStrike">
-              <a:solidFill>
-                <a:srgbClr val="333333"/>
-              </a:solidFill>
-              <a:latin typeface="Open Sans"/>
-            </a:endParaRPr>
-          </a:p>
-        </p:txBody>
+        <p:style>
+          <a:lnRef idx="0"/>
+          <a:fillRef idx="0"/>
+          <a:effectRef idx="0"/>
+          <a:fontRef idx="minor"/>
+        </p:style>
       </p:sp>
       <p:pic>
         <p:nvPicPr>
-          <p:cNvPr id="106" name="" descr=""/>
+          <p:cNvPr id="100" name="" descr=""/>
           <p:cNvPicPr/>
           <p:nvPr/>
         </p:nvPicPr>
@@ -9177,7 +8316,7 @@
         <p:spPr>
           <a:xfrm>
             <a:off x="1091520" y="1280160"/>
-            <a:ext cx="7897320" cy="5264640"/>
+            <a:ext cx="7896600" cy="5263920"/>
           </a:xfrm>
           <a:prstGeom prst="rect">
             <a:avLst/>
@@ -9241,14 +8380,14 @@
       </p:grpSpPr>
       <p:sp>
         <p:nvSpPr>
-          <p:cNvPr id="107" name="TextShape 1"/>
-          <p:cNvSpPr txBox="1"/>
+          <p:cNvPr id="101" name="CustomShape 1"/>
+          <p:cNvSpPr/>
           <p:nvPr/>
         </p:nvSpPr>
         <p:spPr>
           <a:xfrm>
             <a:off x="720000" y="300960"/>
-            <a:ext cx="8855640" cy="1262520"/>
+            <a:ext cx="8854920" cy="1261800"/>
           </a:xfrm>
           <a:prstGeom prst="rect">
             <a:avLst/>
@@ -9258,6 +8397,12 @@
             <a:noFill/>
           </a:ln>
         </p:spPr>
+        <p:style>
+          <a:lnRef idx="0"/>
+          <a:fillRef idx="0"/>
+          <a:effectRef idx="0"/>
+          <a:fontRef idx="minor"/>
+        </p:style>
         <p:txBody>
           <a:bodyPr lIns="0" rIns="0" tIns="0" bIns="0" anchor="ctr"/>
           <a:p>
@@ -9267,28 +8412,26 @@
                   <a:srgbClr val="333333"/>
                 </a:solidFill>
                 <a:latin typeface="Open Sans"/>
+                <a:ea typeface="DejaVu Sans"/>
               </a:rPr>
               <a:t>Data Exploration</a:t>
             </a:r>
-            <a:endParaRPr b="1" lang="en-US" sz="4400" spc="-1" strike="noStrike">
-              <a:solidFill>
-                <a:srgbClr val="333333"/>
-              </a:solidFill>
-              <a:latin typeface="Open Sans"/>
-            </a:endParaRPr>
-          </a:p>
-        </p:txBody>
-      </p:sp>
-      <p:sp>
-        <p:nvSpPr>
-          <p:cNvPr id="108" name="TextShape 2"/>
-          <p:cNvSpPr txBox="1"/>
+            <a:endParaRPr b="0" lang="en-US" sz="4400" spc="-1" strike="noStrike">
+              <a:latin typeface="Arial"/>
+            </a:endParaRPr>
+          </a:p>
+        </p:txBody>
+      </p:sp>
+      <p:sp>
+        <p:nvSpPr>
+          <p:cNvPr id="102" name="CustomShape 2"/>
+          <p:cNvSpPr/>
           <p:nvPr/>
         </p:nvSpPr>
         <p:spPr>
           <a:xfrm>
             <a:off x="720000" y="2160000"/>
-            <a:ext cx="8640000" cy="4384800"/>
+            <a:ext cx="8639280" cy="4384080"/>
           </a:xfrm>
           <a:prstGeom prst="rect">
             <a:avLst/>
@@ -9298,21 +8441,16 @@
             <a:noFill/>
           </a:ln>
         </p:spPr>
-        <p:txBody>
-          <a:bodyPr lIns="0" rIns="0" tIns="0" bIns="0"/>
-          <a:p>
-            <a:endParaRPr b="0" lang="en-US" sz="2800" spc="-1" strike="noStrike">
-              <a:solidFill>
-                <a:srgbClr val="333333"/>
-              </a:solidFill>
-              <a:latin typeface="Open Sans"/>
-            </a:endParaRPr>
-          </a:p>
-        </p:txBody>
+        <p:style>
+          <a:lnRef idx="0"/>
+          <a:fillRef idx="0"/>
+          <a:effectRef idx="0"/>
+          <a:fontRef idx="minor"/>
+        </p:style>
       </p:sp>
       <p:pic>
         <p:nvPicPr>
-          <p:cNvPr id="109" name="" descr=""/>
+          <p:cNvPr id="103" name="" descr=""/>
           <p:cNvPicPr/>
           <p:nvPr/>
         </p:nvPicPr>
@@ -9323,7 +8461,7 @@
         <p:spPr>
           <a:xfrm>
             <a:off x="720000" y="3013920"/>
-            <a:ext cx="7024320" cy="3530880"/>
+            <a:ext cx="7023600" cy="3530160"/>
           </a:xfrm>
           <a:prstGeom prst="rect">
             <a:avLst/>
@@ -9335,7 +8473,7 @@
       </p:pic>
       <p:pic>
         <p:nvPicPr>
-          <p:cNvPr id="110" name="" descr=""/>
+          <p:cNvPr id="104" name="" descr=""/>
           <p:cNvPicPr/>
           <p:nvPr/>
         </p:nvPicPr>
@@ -9346,7 +8484,7 @@
         <p:spPr>
           <a:xfrm>
             <a:off x="678600" y="2160000"/>
-            <a:ext cx="8723160" cy="4384800"/>
+            <a:ext cx="8722440" cy="4384080"/>
           </a:xfrm>
           <a:prstGeom prst="rect">
             <a:avLst/>
@@ -9410,14 +8548,14 @@
       </p:grpSpPr>
       <p:sp>
         <p:nvSpPr>
-          <p:cNvPr id="111" name="TextShape 1"/>
-          <p:cNvSpPr txBox="1"/>
+          <p:cNvPr id="105" name="CustomShape 1"/>
+          <p:cNvSpPr/>
           <p:nvPr/>
         </p:nvSpPr>
         <p:spPr>
           <a:xfrm>
             <a:off x="720000" y="300960"/>
-            <a:ext cx="8855640" cy="1262520"/>
+            <a:ext cx="8854920" cy="1261800"/>
           </a:xfrm>
           <a:prstGeom prst="rect">
             <a:avLst/>
@@ -9427,6 +8565,12 @@
             <a:noFill/>
           </a:ln>
         </p:spPr>
+        <p:style>
+          <a:lnRef idx="0"/>
+          <a:fillRef idx="0"/>
+          <a:effectRef idx="0"/>
+          <a:fontRef idx="minor"/>
+        </p:style>
         <p:txBody>
           <a:bodyPr lIns="0" rIns="0" tIns="0" bIns="0" anchor="ctr"/>
           <a:p>
@@ -9436,28 +8580,26 @@
                   <a:srgbClr val="333333"/>
                 </a:solidFill>
                 <a:latin typeface="Open Sans"/>
+                <a:ea typeface="DejaVu Sans"/>
               </a:rPr>
               <a:t>Data Exploration</a:t>
             </a:r>
-            <a:endParaRPr b="1" lang="en-US" sz="4400" spc="-1" strike="noStrike">
-              <a:solidFill>
-                <a:srgbClr val="333333"/>
-              </a:solidFill>
-              <a:latin typeface="Open Sans"/>
-            </a:endParaRPr>
-          </a:p>
-        </p:txBody>
-      </p:sp>
-      <p:sp>
-        <p:nvSpPr>
-          <p:cNvPr id="112" name="TextShape 2"/>
-          <p:cNvSpPr txBox="1"/>
+            <a:endParaRPr b="0" lang="en-US" sz="4400" spc="-1" strike="noStrike">
+              <a:latin typeface="Arial"/>
+            </a:endParaRPr>
+          </a:p>
+        </p:txBody>
+      </p:sp>
+      <p:sp>
+        <p:nvSpPr>
+          <p:cNvPr id="106" name="CustomShape 2"/>
+          <p:cNvSpPr/>
           <p:nvPr/>
         </p:nvSpPr>
         <p:spPr>
           <a:xfrm>
             <a:off x="720000" y="2160000"/>
-            <a:ext cx="8640000" cy="4384800"/>
+            <a:ext cx="8639280" cy="4384080"/>
           </a:xfrm>
           <a:prstGeom prst="rect">
             <a:avLst/>
@@ -9467,21 +8609,16 @@
             <a:noFill/>
           </a:ln>
         </p:spPr>
-        <p:txBody>
-          <a:bodyPr lIns="0" rIns="0" tIns="0" bIns="0"/>
-          <a:p>
-            <a:endParaRPr b="0" lang="en-US" sz="2800" spc="-1" strike="noStrike">
-              <a:solidFill>
-                <a:srgbClr val="333333"/>
-              </a:solidFill>
-              <a:latin typeface="Open Sans"/>
-            </a:endParaRPr>
-          </a:p>
-        </p:txBody>
+        <p:style>
+          <a:lnRef idx="0"/>
+          <a:fillRef idx="0"/>
+          <a:effectRef idx="0"/>
+          <a:fontRef idx="minor"/>
+        </p:style>
       </p:sp>
       <p:graphicFrame>
         <p:nvGraphicFramePr>
-          <p:cNvPr id="113" name="Table 3"/>
+          <p:cNvPr id="107" name="Table 3"/>
           <p:cNvGraphicFramePr/>
           <p:nvPr/>
         </p:nvGraphicFramePr>
@@ -9504,7 +8641,7 @@
               <a:tr h="861840">
                 <a:tc>
                   <a:txBody>
-                    <a:bodyPr lIns="90000" rIns="90000" tIns="46800" bIns="46800"/>
+                    <a:bodyPr lIns="90000" rIns="90000"/>
                     <a:p>
                       <a:r>
                         <a:rPr b="0" lang="en-US" sz="1800" spc="-1" strike="noStrike">
@@ -9545,7 +8682,7 @@
                 </a:tc>
                 <a:tc>
                   <a:txBody>
-                    <a:bodyPr lIns="90000" rIns="90000" tIns="46800" bIns="46800"/>
+                    <a:bodyPr lIns="90000" rIns="90000"/>
                     <a:p>
                       <a:r>
                         <a:rPr b="0" lang="en-US" sz="1800" spc="-1" strike="noStrike">
@@ -9586,7 +8723,7 @@
                 </a:tc>
                 <a:tc>
                   <a:txBody>
-                    <a:bodyPr lIns="90000" rIns="90000" tIns="46800" bIns="46800"/>
+                    <a:bodyPr lIns="90000" rIns="90000"/>
                     <a:p>
                       <a:r>
                         <a:rPr b="0" lang="en-US" sz="1800" spc="-1" strike="noStrike">
@@ -9627,7 +8764,7 @@
                 </a:tc>
                 <a:tc>
                   <a:txBody>
-                    <a:bodyPr lIns="90000" rIns="90000" tIns="46800" bIns="46800"/>
+                    <a:bodyPr lIns="90000" rIns="90000"/>
                     <a:p>
                       <a:r>
                         <a:rPr b="0" lang="en-US" sz="1800" spc="-1" strike="noStrike">
@@ -9668,7 +8805,7 @@
                 </a:tc>
                 <a:tc>
                   <a:txBody>
-                    <a:bodyPr lIns="90000" rIns="90000" tIns="46800" bIns="46800"/>
+                    <a:bodyPr lIns="90000" rIns="90000"/>
                     <a:p>
                       <a:r>
                         <a:rPr b="0" lang="en-US" sz="1800" spc="-1" strike="noStrike">
@@ -9709,7 +8846,7 @@
                 </a:tc>
                 <a:tc>
                   <a:txBody>
-                    <a:bodyPr lIns="90000" rIns="90000" tIns="46800" bIns="46800"/>
+                    <a:bodyPr lIns="90000" rIns="90000"/>
                     <a:p>
                       <a:r>
                         <a:rPr b="0" lang="en-US" sz="1800" spc="-1" strike="noStrike">
@@ -9752,7 +8889,7 @@
               <a:tr h="861840">
                 <a:tc>
                   <a:txBody>
-                    <a:bodyPr lIns="90000" rIns="90000" tIns="46800" bIns="46800"/>
+                    <a:bodyPr lIns="90000" rIns="90000"/>
                     <a:p>
                       <a:r>
                         <a:rPr b="0" lang="en-US" sz="1800" spc="-1" strike="noStrike">
@@ -9793,7 +8930,7 @@
                 </a:tc>
                 <a:tc>
                   <a:txBody>
-                    <a:bodyPr lIns="90000" rIns="90000" tIns="46800" bIns="46800"/>
+                    <a:bodyPr lIns="90000" rIns="90000"/>
                     <a:p>
                       <a:r>
                         <a:rPr b="0" lang="en-US" sz="1800" spc="-1" strike="noStrike">
@@ -9834,7 +8971,7 @@
                 </a:tc>
                 <a:tc>
                   <a:txBody>
-                    <a:bodyPr lIns="90000" rIns="90000" tIns="46800" bIns="46800"/>
+                    <a:bodyPr lIns="90000" rIns="90000"/>
                     <a:p>
                       <a:r>
                         <a:rPr b="0" lang="en-US" sz="1800" spc="-1" strike="noStrike">
@@ -9875,7 +9012,7 @@
                 </a:tc>
                 <a:tc>
                   <a:txBody>
-                    <a:bodyPr lIns="90000" rIns="90000" tIns="46800" bIns="46800"/>
+                    <a:bodyPr lIns="90000" rIns="90000"/>
                     <a:p>
                       <a:r>
                         <a:rPr b="0" lang="en-US" sz="1800" spc="-1" strike="noStrike">
@@ -9916,9 +9053,13 @@
                 </a:tc>
                 <a:tc>
                   <a:txBody>
-                    <a:bodyPr lIns="90000" rIns="90000" tIns="46800" bIns="46800"/>
+                    <a:bodyPr lIns="90000" rIns="90000"/>
                     <a:p>
-                      <a:pPr algn="r"/>
+                      <a:pPr algn="r">
+                        <a:lnSpc>
+                          <a:spcPct val="100000"/>
+                        </a:lnSpc>
+                      </a:pPr>
                       <a:r>
                         <a:rPr b="0" lang="en-US" sz="1800" spc="-1" strike="noStrike">
                           <a:latin typeface="Arial"/>
@@ -9958,9 +9099,13 @@
                 </a:tc>
                 <a:tc>
                   <a:txBody>
-                    <a:bodyPr lIns="90000" rIns="90000" tIns="46800" bIns="46800"/>
+                    <a:bodyPr lIns="90000" rIns="90000"/>
                     <a:p>
-                      <a:pPr algn="r"/>
+                      <a:pPr algn="r">
+                        <a:lnSpc>
+                          <a:spcPct val="100000"/>
+                        </a:lnSpc>
+                      </a:pPr>
                       <a:r>
                         <a:rPr b="0" lang="en-US" sz="1800" spc="-1" strike="noStrike">
                           <a:latin typeface="Arial"/>
@@ -10002,7 +9147,7 @@
               <a:tr h="861840">
                 <a:tc>
                   <a:txBody>
-                    <a:bodyPr lIns="90000" rIns="90000" tIns="46800" bIns="46800"/>
+                    <a:bodyPr lIns="90000" rIns="90000"/>
                     <a:p>
                       <a:r>
                         <a:rPr b="0" lang="en-US" sz="1800" spc="-1" strike="noStrike">
@@ -10043,7 +9188,7 @@
                 </a:tc>
                 <a:tc>
                   <a:txBody>
-                    <a:bodyPr lIns="90000" rIns="90000" tIns="46800" bIns="46800"/>
+                    <a:bodyPr lIns="90000" rIns="90000"/>
                     <a:p>
                       <a:r>
                         <a:rPr b="0" lang="en-US" sz="1800" spc="-1" strike="noStrike">
@@ -10084,7 +9229,7 @@
                 </a:tc>
                 <a:tc>
                   <a:txBody>
-                    <a:bodyPr lIns="90000" rIns="90000" tIns="46800" bIns="46800"/>
+                    <a:bodyPr lIns="90000" rIns="90000"/>
                     <a:p>
                       <a:r>
                         <a:rPr b="0" lang="en-US" sz="1800" spc="-1" strike="noStrike">
@@ -10125,7 +9270,7 @@
                 </a:tc>
                 <a:tc>
                   <a:txBody>
-                    <a:bodyPr lIns="90000" rIns="90000" tIns="46800" bIns="46800"/>
+                    <a:bodyPr lIns="90000" rIns="90000"/>
                     <a:p>
                       <a:r>
                         <a:rPr b="0" lang="en-US" sz="1800" spc="-1" strike="noStrike">
@@ -10166,9 +9311,13 @@
                 </a:tc>
                 <a:tc>
                   <a:txBody>
-                    <a:bodyPr lIns="90000" rIns="90000" tIns="46800" bIns="46800"/>
+                    <a:bodyPr lIns="90000" rIns="90000"/>
                     <a:p>
-                      <a:pPr algn="r"/>
+                      <a:pPr algn="r">
+                        <a:lnSpc>
+                          <a:spcPct val="100000"/>
+                        </a:lnSpc>
+                      </a:pPr>
                       <a:r>
                         <a:rPr b="0" lang="en-US" sz="1800" spc="-1" strike="noStrike">
                           <a:latin typeface="Arial"/>
@@ -10208,9 +9357,13 @@
                 </a:tc>
                 <a:tc>
                   <a:txBody>
-                    <a:bodyPr lIns="90000" rIns="90000" tIns="46800" bIns="46800"/>
+                    <a:bodyPr lIns="90000" rIns="90000"/>
                     <a:p>
-                      <a:pPr algn="r"/>
+                      <a:pPr algn="r">
+                        <a:lnSpc>
+                          <a:spcPct val="100000"/>
+                        </a:lnSpc>
+                      </a:pPr>
                       <a:r>
                         <a:rPr b="0" lang="en-US" sz="1800" spc="-1" strike="noStrike">
                           <a:latin typeface="Arial"/>
@@ -10252,7 +9405,7 @@
               <a:tr h="861840">
                 <a:tc>
                   <a:txBody>
-                    <a:bodyPr lIns="90000" rIns="90000" tIns="46800" bIns="46800"/>
+                    <a:bodyPr lIns="90000" rIns="90000"/>
                     <a:p>
                       <a:r>
                         <a:rPr b="0" lang="en-US" sz="1800" spc="-1" strike="noStrike">
@@ -10293,7 +9446,7 @@
                 </a:tc>
                 <a:tc>
                   <a:txBody>
-                    <a:bodyPr lIns="90000" rIns="90000" tIns="46800" bIns="46800"/>
+                    <a:bodyPr lIns="90000" rIns="90000"/>
                     <a:p>
                       <a:r>
                         <a:rPr b="0" lang="en-US" sz="1800" spc="-1" strike="noStrike">
@@ -10334,7 +9487,7 @@
                 </a:tc>
                 <a:tc>
                   <a:txBody>
-                    <a:bodyPr lIns="90000" rIns="90000" tIns="46800" bIns="46800"/>
+                    <a:bodyPr lIns="90000" rIns="90000"/>
                     <a:p>
                       <a:r>
                         <a:rPr b="0" lang="en-US" sz="1800" spc="-1" strike="noStrike">
@@ -10375,7 +9528,7 @@
                 </a:tc>
                 <a:tc>
                   <a:txBody>
-                    <a:bodyPr lIns="90000" rIns="90000" tIns="46800" bIns="46800"/>
+                    <a:bodyPr lIns="90000" rIns="90000"/>
                     <a:p>
                       <a:r>
                         <a:rPr b="0" lang="en-US" sz="1800" spc="-1" strike="noStrike">
@@ -10416,9 +9569,13 @@
                 </a:tc>
                 <a:tc>
                   <a:txBody>
-                    <a:bodyPr lIns="90000" rIns="90000" tIns="46800" bIns="46800"/>
+                    <a:bodyPr lIns="90000" rIns="90000"/>
                     <a:p>
-                      <a:pPr algn="r"/>
+                      <a:pPr algn="r">
+                        <a:lnSpc>
+                          <a:spcPct val="100000"/>
+                        </a:lnSpc>
+                      </a:pPr>
                       <a:r>
                         <a:rPr b="0" lang="en-US" sz="1800" spc="-1" strike="noStrike">
                           <a:latin typeface="Arial"/>
@@ -10458,9 +9615,13 @@
                 </a:tc>
                 <a:tc>
                   <a:txBody>
-                    <a:bodyPr lIns="90000" rIns="90000" tIns="46800" bIns="46800"/>
+                    <a:bodyPr lIns="90000" rIns="90000"/>
                     <a:p>
-                      <a:pPr algn="r"/>
+                      <a:pPr algn="r">
+                        <a:lnSpc>
+                          <a:spcPct val="100000"/>
+                        </a:lnSpc>
+                      </a:pPr>
                       <a:r>
                         <a:rPr b="0" lang="en-US" sz="1800" spc="-1" strike="noStrike">
                           <a:latin typeface="Arial"/>
@@ -10502,7 +9663,7 @@
               <a:tr h="861840">
                 <a:tc>
                   <a:txBody>
-                    <a:bodyPr lIns="90000" rIns="90000" tIns="46800" bIns="46800"/>
+                    <a:bodyPr lIns="90000" rIns="90000"/>
                     <a:p>
                       <a:r>
                         <a:rPr b="0" lang="en-US" sz="1800" spc="-1" strike="noStrike">
@@ -10543,7 +9704,7 @@
                 </a:tc>
                 <a:tc>
                   <a:txBody>
-                    <a:bodyPr lIns="90000" rIns="90000" tIns="46800" bIns="46800"/>
+                    <a:bodyPr lIns="90000" rIns="90000"/>
                     <a:p>
                       <a:r>
                         <a:rPr b="0" lang="en-US" sz="1800" spc="-1" strike="noStrike">
@@ -10584,7 +9745,7 @@
                 </a:tc>
                 <a:tc>
                   <a:txBody>
-                    <a:bodyPr lIns="90000" rIns="90000" tIns="46800" bIns="46800"/>
+                    <a:bodyPr lIns="90000" rIns="90000"/>
                     <a:p>
                       <a:r>
                         <a:rPr b="0" lang="en-US" sz="1800" spc="-1" strike="noStrike">
@@ -10625,7 +9786,7 @@
                 </a:tc>
                 <a:tc>
                   <a:txBody>
-                    <a:bodyPr lIns="90000" rIns="90000" tIns="46800" bIns="46800"/>
+                    <a:bodyPr lIns="90000" rIns="90000"/>
                     <a:p>
                       <a:r>
                         <a:rPr b="0" lang="en-US" sz="1800" spc="-1" strike="noStrike">
@@ -10666,9 +9827,13 @@
                 </a:tc>
                 <a:tc>
                   <a:txBody>
-                    <a:bodyPr lIns="90000" rIns="90000" tIns="46800" bIns="46800"/>
+                    <a:bodyPr lIns="90000" rIns="90000"/>
                     <a:p>
-                      <a:pPr algn="r"/>
+                      <a:pPr algn="r">
+                        <a:lnSpc>
+                          <a:spcPct val="100000"/>
+                        </a:lnSpc>
+                      </a:pPr>
                       <a:r>
                         <a:rPr b="0" lang="en-US" sz="1800" spc="-1" strike="noStrike">
                           <a:latin typeface="Arial"/>
@@ -10708,9 +9873,13 @@
                 </a:tc>
                 <a:tc>
                   <a:txBody>
-                    <a:bodyPr lIns="90000" rIns="90000" tIns="46800" bIns="46800"/>
+                    <a:bodyPr lIns="90000" rIns="90000"/>
                     <a:p>
-                      <a:pPr algn="r"/>
+                      <a:pPr algn="r">
+                        <a:lnSpc>
+                          <a:spcPct val="100000"/>
+                        </a:lnSpc>
+                      </a:pPr>
                       <a:r>
                         <a:rPr b="0" lang="en-US" sz="1800" spc="-1" strike="noStrike">
                           <a:latin typeface="Arial"/>
@@ -10752,7 +9921,7 @@
               <a:tr h="861840">
                 <a:tc>
                   <a:txBody>
-                    <a:bodyPr lIns="90000" rIns="90000" tIns="46800" bIns="46800"/>
+                    <a:bodyPr lIns="90000" rIns="90000"/>
                     <a:p>
                       <a:r>
                         <a:rPr b="0" lang="en-US" sz="1800" spc="-1" strike="noStrike">
@@ -10793,7 +9962,7 @@
                 </a:tc>
                 <a:tc>
                   <a:txBody>
-                    <a:bodyPr lIns="90000" rIns="90000" tIns="46800" bIns="46800"/>
+                    <a:bodyPr lIns="90000" rIns="90000"/>
                     <a:p>
                       <a:r>
                         <a:rPr b="0" lang="en-US" sz="1800" spc="-1" strike="noStrike">
@@ -10834,7 +10003,7 @@
                 </a:tc>
                 <a:tc>
                   <a:txBody>
-                    <a:bodyPr lIns="90000" rIns="90000" tIns="46800" bIns="46800"/>
+                    <a:bodyPr lIns="90000" rIns="90000"/>
                     <a:p>
                       <a:r>
                         <a:rPr b="0" lang="en-US" sz="1800" spc="-1" strike="noStrike">
@@ -10875,7 +10044,7 @@
                 </a:tc>
                 <a:tc>
                   <a:txBody>
-                    <a:bodyPr lIns="90000" rIns="90000" tIns="46800" bIns="46800"/>
+                    <a:bodyPr lIns="90000" rIns="90000"/>
                     <a:p>
                       <a:r>
                         <a:rPr b="0" lang="en-US" sz="1800" spc="-1" strike="noStrike">
@@ -10916,9 +10085,13 @@
                 </a:tc>
                 <a:tc>
                   <a:txBody>
-                    <a:bodyPr lIns="90000" rIns="90000" tIns="46800" bIns="46800"/>
+                    <a:bodyPr lIns="90000" rIns="90000"/>
                     <a:p>
-                      <a:pPr algn="r"/>
+                      <a:pPr algn="r">
+                        <a:lnSpc>
+                          <a:spcPct val="100000"/>
+                        </a:lnSpc>
+                      </a:pPr>
                       <a:r>
                         <a:rPr b="0" lang="en-US" sz="1800" spc="-1" strike="noStrike">
                           <a:latin typeface="Arial"/>
@@ -10958,9 +10131,13 @@
                 </a:tc>
                 <a:tc>
                   <a:txBody>
-                    <a:bodyPr lIns="90000" rIns="90000" tIns="46800" bIns="46800"/>
+                    <a:bodyPr lIns="90000" rIns="90000"/>
                     <a:p>
-                      <a:pPr algn="r"/>
+                      <a:pPr algn="r">
+                        <a:lnSpc>
+                          <a:spcPct val="100000"/>
+                        </a:lnSpc>
+                      </a:pPr>
                       <a:r>
                         <a:rPr b="0" lang="en-US" sz="1800" spc="-1" strike="noStrike">
                           <a:latin typeface="Arial"/>

--- a/presentation/chicago_tickets_project_slides.pptx
+++ b/presentation/chicago_tickets_project_slides.pptx
@@ -209,7 +209,7 @@
           <a:bodyPr lIns="0" rIns="0" tIns="0" bIns="0" anchor="b"/>
           <a:p>
             <a:pPr algn="r"/>
-            <a:fld id="{ED044D57-B85A-4601-9F62-A8F8008CA4F3}" type="slidenum">
+            <a:fld id="{A153BC75-DB1E-4473-849A-0BE2D088F81F}" type="slidenum">
               <a:rPr b="0" lang="en-US" sz="1400" spc="-1" strike="noStrike">
                 <a:latin typeface="Times New Roman"/>
               </a:rPr>
@@ -257,7 +257,7 @@
         <p:spPr>
           <a:xfrm>
             <a:off x="756000" y="5078520"/>
-            <a:ext cx="6046920" cy="4810320"/>
+            <a:ext cx="6046560" cy="4809960"/>
           </a:xfrm>
           <a:prstGeom prst="rect">
             <a:avLst/>
@@ -324,7 +324,7 @@
         <p:spPr>
           <a:xfrm>
             <a:off x="756000" y="5078520"/>
-            <a:ext cx="6046920" cy="4810320"/>
+            <a:ext cx="6046560" cy="4809960"/>
           </a:xfrm>
           <a:prstGeom prst="rect">
             <a:avLst/>
@@ -396,7 +396,7 @@
         <p:spPr>
           <a:xfrm>
             <a:off x="756000" y="5078520"/>
-            <a:ext cx="6046920" cy="5382720"/>
+            <a:ext cx="6046560" cy="5382360"/>
           </a:xfrm>
           <a:prstGeom prst="rect">
             <a:avLst/>
@@ -489,7 +489,7 @@
         <p:spPr>
           <a:xfrm>
             <a:off x="756000" y="5078520"/>
-            <a:ext cx="6046920" cy="4810320"/>
+            <a:ext cx="6046560" cy="4809960"/>
           </a:xfrm>
           <a:prstGeom prst="rect">
             <a:avLst/>
@@ -587,7 +587,7 @@
         <p:spPr>
           <a:xfrm>
             <a:off x="756000" y="5078520"/>
-            <a:ext cx="6046920" cy="4810320"/>
+            <a:ext cx="6046560" cy="4809960"/>
           </a:xfrm>
           <a:prstGeom prst="rect">
             <a:avLst/>
@@ -643,7 +643,7 @@
         <p:spPr>
           <a:xfrm>
             <a:off x="756000" y="5078520"/>
-            <a:ext cx="6046920" cy="4810320"/>
+            <a:ext cx="6046560" cy="4809960"/>
           </a:xfrm>
           <a:prstGeom prst="rect">
             <a:avLst/>
@@ -652,7 +652,7 @@
         <p:txBody>
           <a:bodyPr lIns="0" rIns="0" tIns="0" bIns="0"/>
           <a:p>
-            <a:pPr marL="216000" indent="-215640">
+            <a:pPr marL="216000" indent="-215280">
               <a:lnSpc>
                 <a:spcPct val="100000"/>
               </a:lnSpc>
@@ -710,7 +710,7 @@
         <p:spPr>
           <a:xfrm>
             <a:off x="756000" y="5078520"/>
-            <a:ext cx="6046920" cy="4810320"/>
+            <a:ext cx="6046560" cy="4809960"/>
           </a:xfrm>
           <a:prstGeom prst="rect">
             <a:avLst/>
@@ -766,7 +766,7 @@
         <p:spPr>
           <a:xfrm>
             <a:off x="756000" y="5078520"/>
-            <a:ext cx="6046920" cy="4810320"/>
+            <a:ext cx="6046560" cy="4809960"/>
           </a:xfrm>
           <a:prstGeom prst="rect">
             <a:avLst/>
@@ -866,7 +866,7 @@
         <p:spPr>
           <a:xfrm>
             <a:off x="756000" y="5078520"/>
-            <a:ext cx="6046920" cy="4810320"/>
+            <a:ext cx="6046560" cy="4809960"/>
           </a:xfrm>
           <a:prstGeom prst="rect">
             <a:avLst/>
@@ -926,7 +926,7 @@
         <p:spPr>
           <a:xfrm>
             <a:off x="756000" y="5078520"/>
-            <a:ext cx="6046920" cy="4810320"/>
+            <a:ext cx="6046560" cy="4809960"/>
           </a:xfrm>
           <a:prstGeom prst="rect">
             <a:avLst/>
@@ -1014,7 +1014,7 @@
         <p:spPr>
           <a:xfrm>
             <a:off x="756000" y="5078520"/>
-            <a:ext cx="6046920" cy="4810320"/>
+            <a:ext cx="6046560" cy="4809960"/>
           </a:xfrm>
           <a:prstGeom prst="rect">
             <a:avLst/>
@@ -1086,7 +1086,7 @@
         <p:spPr>
           <a:xfrm>
             <a:off x="756000" y="5078520"/>
-            <a:ext cx="6046920" cy="4816080"/>
+            <a:ext cx="6046560" cy="4815720"/>
           </a:xfrm>
           <a:prstGeom prst="rect">
             <a:avLst/>
@@ -1201,7 +1201,7 @@
         <p:spPr>
           <a:xfrm>
             <a:off x="756000" y="5078520"/>
-            <a:ext cx="6046920" cy="4810320"/>
+            <a:ext cx="6046560" cy="4809960"/>
           </a:xfrm>
           <a:prstGeom prst="rect">
             <a:avLst/>
@@ -1280,7 +1280,7 @@
         <p:spPr>
           <a:xfrm>
             <a:off x="756000" y="5078520"/>
-            <a:ext cx="6046920" cy="4810320"/>
+            <a:ext cx="6046560" cy="4809960"/>
           </a:xfrm>
           <a:prstGeom prst="rect">
             <a:avLst/>
@@ -1352,7 +1352,7 @@
         <p:spPr>
           <a:xfrm>
             <a:off x="756000" y="5078520"/>
-            <a:ext cx="6046920" cy="4810320"/>
+            <a:ext cx="6046560" cy="4809960"/>
           </a:xfrm>
           <a:prstGeom prst="rect">
             <a:avLst/>
@@ -1456,7 +1456,7 @@
         <p:spPr>
           <a:xfrm>
             <a:off x="756000" y="5078520"/>
-            <a:ext cx="6046920" cy="4810320"/>
+            <a:ext cx="6046560" cy="4809960"/>
           </a:xfrm>
           <a:prstGeom prst="rect">
             <a:avLst/>
@@ -1512,7 +1512,7 @@
         <p:spPr>
           <a:xfrm>
             <a:off x="756000" y="5078520"/>
-            <a:ext cx="6046920" cy="4810320"/>
+            <a:ext cx="6046560" cy="4809960"/>
           </a:xfrm>
           <a:prstGeom prst="rect">
             <a:avLst/>
@@ -4244,7 +4244,7 @@
         <p:spPr>
           <a:xfrm>
             <a:off x="0" y="4320000"/>
-            <a:ext cx="503280" cy="1079280"/>
+            <a:ext cx="502920" cy="1078920"/>
           </a:xfrm>
           <a:prstGeom prst="rect">
             <a:avLst/>
@@ -4275,8 +4275,8 @@
         </p:nvSpPr>
         <p:spPr>
           <a:xfrm>
-            <a:off x="720000" y="300960"/>
-            <a:ext cx="8854920" cy="1261800"/>
+            <a:off x="504000" y="301320"/>
+            <a:ext cx="9072000" cy="1261800"/>
           </a:xfrm>
           <a:prstGeom prst="rect">
             <a:avLst/>
@@ -4285,13 +4285,14 @@
         <p:txBody>
           <a:bodyPr lIns="0" rIns="0" tIns="0" bIns="0" anchor="ctr"/>
           <a:p>
-            <a:r>
-              <a:rPr b="0" lang="en-US" sz="1800" spc="-1" strike="noStrike">
+            <a:pPr algn="ctr"/>
+            <a:r>
+              <a:rPr b="0" lang="en-US" sz="4400" spc="-1" strike="noStrike">
                 <a:latin typeface="Arial"/>
               </a:rPr>
               <a:t>Click to edit the title text format</a:t>
             </a:r>
-            <a:endParaRPr b="0" lang="en-US" sz="1800" spc="-1" strike="noStrike">
+            <a:endParaRPr b="0" lang="en-US" sz="4400" spc="-1" strike="noStrike">
               <a:latin typeface="Arial"/>
             </a:endParaRPr>
           </a:p>
@@ -4309,8 +4310,8 @@
         </p:nvSpPr>
         <p:spPr>
           <a:xfrm>
-            <a:off x="720000" y="2160000"/>
-            <a:ext cx="8639280" cy="4384080"/>
+            <a:off x="504000" y="1768680"/>
+            <a:ext cx="9072000" cy="4384080"/>
           </a:xfrm>
           <a:prstGeom prst="rect">
             <a:avLst/>
@@ -4333,12 +4334,12 @@
               <a:buChar char=""/>
             </a:pPr>
             <a:r>
-              <a:rPr b="0" lang="en-US" sz="1800" spc="-1" strike="noStrike">
+              <a:rPr b="0" lang="en-US" sz="3200" spc="-1" strike="noStrike">
                 <a:latin typeface="Arial"/>
               </a:rPr>
               <a:t>Click to edit the outline text format</a:t>
             </a:r>
-            <a:endParaRPr b="0" lang="en-US" sz="1800" spc="-1" strike="noStrike">
+            <a:endParaRPr b="0" lang="en-US" sz="3200" spc="-1" strike="noStrike">
               <a:latin typeface="Arial"/>
             </a:endParaRPr>
           </a:p>
@@ -4355,12 +4356,12 @@
               <a:buChar char=""/>
             </a:pPr>
             <a:r>
-              <a:rPr b="0" lang="en-US" sz="1800" spc="-1" strike="noStrike">
+              <a:rPr b="0" lang="en-US" sz="2800" spc="-1" strike="noStrike">
                 <a:latin typeface="Arial"/>
               </a:rPr>
               <a:t>Second Outline Level</a:t>
             </a:r>
-            <a:endParaRPr b="0" lang="en-US" sz="1800" spc="-1" strike="noStrike">
+            <a:endParaRPr b="0" lang="en-US" sz="2800" spc="-1" strike="noStrike">
               <a:latin typeface="Arial"/>
             </a:endParaRPr>
           </a:p>
@@ -4377,12 +4378,12 @@
               <a:buChar char=""/>
             </a:pPr>
             <a:r>
-              <a:rPr b="0" lang="en-US" sz="1800" spc="-1" strike="noStrike">
+              <a:rPr b="0" lang="en-US" sz="2400" spc="-1" strike="noStrike">
                 <a:latin typeface="Arial"/>
               </a:rPr>
               <a:t>Third Outline Level</a:t>
             </a:r>
-            <a:endParaRPr b="0" lang="en-US" sz="1800" spc="-1" strike="noStrike">
+            <a:endParaRPr b="0" lang="en-US" sz="2400" spc="-1" strike="noStrike">
               <a:latin typeface="Arial"/>
             </a:endParaRPr>
           </a:p>
@@ -4399,12 +4400,12 @@
               <a:buChar char=""/>
             </a:pPr>
             <a:r>
-              <a:rPr b="0" lang="en-US" sz="1800" spc="-1" strike="noStrike">
+              <a:rPr b="0" lang="en-US" sz="2000" spc="-1" strike="noStrike">
                 <a:latin typeface="Arial"/>
               </a:rPr>
               <a:t>Fourth Outline Level</a:t>
             </a:r>
-            <a:endParaRPr b="0" lang="en-US" sz="1800" spc="-1" strike="noStrike">
+            <a:endParaRPr b="0" lang="en-US" sz="2000" spc="-1" strike="noStrike">
               <a:latin typeface="Arial"/>
             </a:endParaRPr>
           </a:p>
@@ -4421,12 +4422,12 @@
               <a:buChar char=""/>
             </a:pPr>
             <a:r>
-              <a:rPr b="0" lang="en-US" sz="1800" spc="-1" strike="noStrike">
+              <a:rPr b="0" lang="en-US" sz="2000" spc="-1" strike="noStrike">
                 <a:latin typeface="Arial"/>
               </a:rPr>
               <a:t>Fifth Outline Level</a:t>
             </a:r>
-            <a:endParaRPr b="0" lang="en-US" sz="1800" spc="-1" strike="noStrike">
+            <a:endParaRPr b="0" lang="en-US" sz="2000" spc="-1" strike="noStrike">
               <a:latin typeface="Arial"/>
             </a:endParaRPr>
           </a:p>
@@ -4443,12 +4444,12 @@
               <a:buChar char=""/>
             </a:pPr>
             <a:r>
-              <a:rPr b="0" lang="en-US" sz="1800" spc="-1" strike="noStrike">
+              <a:rPr b="0" lang="en-US" sz="2000" spc="-1" strike="noStrike">
                 <a:latin typeface="Arial"/>
               </a:rPr>
               <a:t>Sixth Outline Level</a:t>
             </a:r>
-            <a:endParaRPr b="0" lang="en-US" sz="1800" spc="-1" strike="noStrike">
+            <a:endParaRPr b="0" lang="en-US" sz="2000" spc="-1" strike="noStrike">
               <a:latin typeface="Arial"/>
             </a:endParaRPr>
           </a:p>
@@ -4465,12 +4466,12 @@
               <a:buChar char=""/>
             </a:pPr>
             <a:r>
-              <a:rPr b="0" lang="en-US" sz="1800" spc="-1" strike="noStrike">
+              <a:rPr b="0" lang="en-US" sz="2000" spc="-1" strike="noStrike">
                 <a:latin typeface="Arial"/>
               </a:rPr>
               <a:t>Seventh Outline Level</a:t>
             </a:r>
-            <a:endParaRPr b="0" lang="en-US" sz="1800" spc="-1" strike="noStrike">
+            <a:endParaRPr b="0" lang="en-US" sz="2000" spc="-1" strike="noStrike">
               <a:latin typeface="Arial"/>
             </a:endParaRPr>
           </a:p>
@@ -4522,7 +4523,7 @@
         <p:spPr>
           <a:xfrm>
             <a:off x="0" y="288000"/>
-            <a:ext cx="503280" cy="1079280"/>
+            <a:ext cx="502920" cy="1078920"/>
           </a:xfrm>
           <a:prstGeom prst="rect">
             <a:avLst/>
@@ -4801,7 +4802,7 @@
         <p:spPr>
           <a:xfrm>
             <a:off x="792000" y="4104000"/>
-            <a:ext cx="8567280" cy="1439280"/>
+            <a:ext cx="8566920" cy="1438920"/>
           </a:xfrm>
           <a:prstGeom prst="rect">
             <a:avLst/>
@@ -4863,7 +4864,7 @@
         <p:spPr>
           <a:xfrm>
             <a:off x="792000" y="5904000"/>
-            <a:ext cx="8567280" cy="981720"/>
+            <a:ext cx="8566920" cy="981360"/>
           </a:xfrm>
           <a:prstGeom prst="rect">
             <a:avLst/>
@@ -4916,7 +4917,7 @@
         <p:spPr>
           <a:xfrm>
             <a:off x="3106800" y="247680"/>
-            <a:ext cx="3866040" cy="4028040"/>
+            <a:ext cx="3865680" cy="4027680"/>
           </a:xfrm>
           <a:prstGeom prst="rect">
             <a:avLst/>
@@ -4987,7 +4988,7 @@
         <p:spPr>
           <a:xfrm>
             <a:off x="720000" y="300960"/>
-            <a:ext cx="8854920" cy="1261800"/>
+            <a:ext cx="8854560" cy="1261440"/>
           </a:xfrm>
           <a:prstGeom prst="rect">
             <a:avLst/>
@@ -5031,7 +5032,7 @@
         <p:spPr>
           <a:xfrm>
             <a:off x="720000" y="2160000"/>
-            <a:ext cx="8639280" cy="4384080"/>
+            <a:ext cx="8638920" cy="4383720"/>
           </a:xfrm>
           <a:prstGeom prst="rect">
             <a:avLst/>
@@ -5050,7 +5051,7 @@
         <p:txBody>
           <a:bodyPr lIns="0" rIns="0" tIns="0" bIns="0"/>
           <a:p>
-            <a:pPr marL="432000" indent="-323280">
+            <a:pPr marL="432000" indent="-322920">
               <a:lnSpc>
                 <a:spcPct val="100000"/>
               </a:lnSpc>
@@ -5093,7 +5094,7 @@
         <p:spPr>
           <a:xfrm>
             <a:off x="1701720" y="3108960"/>
-            <a:ext cx="6676200" cy="4450320"/>
+            <a:ext cx="6675840" cy="4449960"/>
           </a:xfrm>
           <a:prstGeom prst="rect">
             <a:avLst/>
@@ -5164,7 +5165,7 @@
         <p:spPr>
           <a:xfrm>
             <a:off x="720000" y="300960"/>
-            <a:ext cx="8854920" cy="1261800"/>
+            <a:ext cx="8854560" cy="1261440"/>
           </a:xfrm>
           <a:prstGeom prst="rect">
             <a:avLst/>
@@ -5208,7 +5209,7 @@
         <p:spPr>
           <a:xfrm>
             <a:off x="720000" y="2160000"/>
-            <a:ext cx="8639280" cy="4384080"/>
+            <a:ext cx="8638920" cy="4383720"/>
           </a:xfrm>
           <a:prstGeom prst="rect">
             <a:avLst/>
@@ -5227,7 +5228,7 @@
         <p:txBody>
           <a:bodyPr lIns="0" rIns="0" tIns="0" bIns="0"/>
           <a:p>
-            <a:pPr marL="432000" indent="-323280">
+            <a:pPr marL="432000" indent="-322920">
               <a:lnSpc>
                 <a:spcPct val="100000"/>
               </a:lnSpc>
@@ -5270,7 +5271,7 @@
         <p:spPr>
           <a:xfrm>
             <a:off x="3022560" y="2591640"/>
-            <a:ext cx="4034160" cy="3908520"/>
+            <a:ext cx="4033800" cy="3908160"/>
           </a:xfrm>
           <a:prstGeom prst="rect">
             <a:avLst/>
@@ -5341,7 +5342,7 @@
         <p:spPr>
           <a:xfrm>
             <a:off x="720000" y="300960"/>
-            <a:ext cx="8854920" cy="1261800"/>
+            <a:ext cx="8854560" cy="1261440"/>
           </a:xfrm>
           <a:prstGeom prst="rect">
             <a:avLst/>
@@ -5385,7 +5386,7 @@
         <p:spPr>
           <a:xfrm>
             <a:off x="720000" y="2160000"/>
-            <a:ext cx="8639280" cy="4384080"/>
+            <a:ext cx="8638920" cy="4383720"/>
           </a:xfrm>
           <a:prstGeom prst="rect">
             <a:avLst/>
@@ -5404,7 +5405,7 @@
         <p:txBody>
           <a:bodyPr lIns="0" rIns="0" tIns="0" bIns="0"/>
           <a:p>
-            <a:pPr marL="432000" indent="-323280">
+            <a:pPr marL="432000" indent="-322920">
               <a:lnSpc>
                 <a:spcPct val="100000"/>
               </a:lnSpc>
@@ -5433,7 +5434,7 @@
             </a:endParaRPr>
           </a:p>
           <a:p>
-            <a:pPr lvl="1" marL="864000" indent="-323280">
+            <a:pPr lvl="1" marL="864000" indent="-322920">
               <a:lnSpc>
                 <a:spcPct val="100000"/>
               </a:lnSpc>
@@ -5482,7 +5483,7 @@
             </a:endParaRPr>
           </a:p>
           <a:p>
-            <a:pPr lvl="1" marL="864000" indent="-323280">
+            <a:pPr lvl="1" marL="864000" indent="-322920">
               <a:lnSpc>
                 <a:spcPct val="100000"/>
               </a:lnSpc>
@@ -5531,7 +5532,7 @@
             </a:endParaRPr>
           </a:p>
           <a:p>
-            <a:pPr lvl="1" marL="864000" indent="-323280">
+            <a:pPr lvl="1" marL="864000" indent="-322920">
               <a:lnSpc>
                 <a:spcPct val="100000"/>
               </a:lnSpc>
@@ -5580,7 +5581,7 @@
             </a:endParaRPr>
           </a:p>
           <a:p>
-            <a:pPr marL="432000" indent="-323280">
+            <a:pPr marL="432000" indent="-322920">
               <a:lnSpc>
                 <a:spcPct val="100000"/>
               </a:lnSpc>
@@ -5671,7 +5672,7 @@
         <p:spPr>
           <a:xfrm>
             <a:off x="720000" y="300960"/>
-            <a:ext cx="8854920" cy="1261800"/>
+            <a:ext cx="8854560" cy="1261440"/>
           </a:xfrm>
           <a:prstGeom prst="rect">
             <a:avLst/>
@@ -5715,7 +5716,7 @@
         <p:spPr>
           <a:xfrm>
             <a:off x="720000" y="2160000"/>
-            <a:ext cx="8639280" cy="4384080"/>
+            <a:ext cx="8638920" cy="4383720"/>
           </a:xfrm>
           <a:prstGeom prst="rect">
             <a:avLst/>
@@ -5734,7 +5735,7 @@
         <p:txBody>
           <a:bodyPr lIns="0" rIns="0" tIns="0" bIns="0"/>
           <a:p>
-            <a:pPr marL="432000" indent="-323280">
+            <a:pPr marL="432000" indent="-322920">
               <a:lnSpc>
                 <a:spcPct val="100000"/>
               </a:lnSpc>
@@ -5763,7 +5764,7 @@
             </a:endParaRPr>
           </a:p>
           <a:p>
-            <a:pPr lvl="1" marL="864000" indent="-323280">
+            <a:pPr lvl="1" marL="864000" indent="-322920">
               <a:lnSpc>
                 <a:spcPct val="100000"/>
               </a:lnSpc>
@@ -5812,7 +5813,7 @@
             </a:endParaRPr>
           </a:p>
           <a:p>
-            <a:pPr lvl="1" marL="864000" indent="-323280">
+            <a:pPr lvl="1" marL="864000" indent="-322920">
               <a:lnSpc>
                 <a:spcPct val="100000"/>
               </a:lnSpc>
@@ -5861,7 +5862,7 @@
             </a:endParaRPr>
           </a:p>
           <a:p>
-            <a:pPr lvl="1" marL="864000" indent="-323280">
+            <a:pPr lvl="1" marL="864000" indent="-322920">
               <a:lnSpc>
                 <a:spcPct val="100000"/>
               </a:lnSpc>
@@ -5930,7 +5931,7 @@
             </a:endParaRPr>
           </a:p>
           <a:p>
-            <a:pPr marL="432000" indent="-323280">
+            <a:pPr marL="432000" indent="-322920">
               <a:lnSpc>
                 <a:spcPct val="100000"/>
               </a:lnSpc>
@@ -5959,7 +5960,7 @@
             </a:endParaRPr>
           </a:p>
           <a:p>
-            <a:pPr lvl="1" marL="864000" indent="-323280">
+            <a:pPr lvl="1" marL="864000" indent="-322920">
               <a:lnSpc>
                 <a:spcPct val="100000"/>
               </a:lnSpc>
@@ -5981,14 +5982,14 @@
                 <a:latin typeface="Open Sans"/>
                 <a:ea typeface="DejaVu Sans"/>
               </a:rPr>
-              <a:t>02/02/00 (0.782), 02/02/01 (0.630)</a:t>
+              <a:t>02/02/99 (0.782), 02/02/01 (0.630)</a:t>
             </a:r>
             <a:endParaRPr b="0" lang="en-US" sz="2200" spc="-1" strike="noStrike">
               <a:latin typeface="Arial"/>
             </a:endParaRPr>
           </a:p>
           <a:p>
-            <a:pPr lvl="1" marL="864000" indent="-323280">
+            <a:pPr lvl="1" marL="864000" indent="-322920">
               <a:lnSpc>
                 <a:spcPct val="100000"/>
               </a:lnSpc>
@@ -6017,7 +6018,7 @@
             </a:endParaRPr>
           </a:p>
           <a:p>
-            <a:pPr lvl="1" marL="864000" indent="-323280">
+            <a:pPr lvl="1" marL="864000" indent="-322920">
               <a:lnSpc>
                 <a:spcPct val="100000"/>
               </a:lnSpc>
@@ -6108,7 +6109,7 @@
         <p:spPr>
           <a:xfrm>
             <a:off x="720000" y="300960"/>
-            <a:ext cx="8854920" cy="1261800"/>
+            <a:ext cx="8854560" cy="1261440"/>
           </a:xfrm>
           <a:prstGeom prst="rect">
             <a:avLst/>
@@ -6152,7 +6153,7 @@
         <p:spPr>
           <a:xfrm>
             <a:off x="720000" y="2160000"/>
-            <a:ext cx="8639280" cy="4384080"/>
+            <a:ext cx="8638920" cy="4383720"/>
           </a:xfrm>
           <a:prstGeom prst="rect">
             <a:avLst/>
@@ -6171,7 +6172,7 @@
         <p:txBody>
           <a:bodyPr lIns="0" rIns="0" tIns="0" bIns="0"/>
           <a:p>
-            <a:pPr marL="432000" indent="-323280">
+            <a:pPr marL="432000" indent="-322920">
               <a:lnSpc>
                 <a:spcPct val="100000"/>
               </a:lnSpc>
@@ -6200,7 +6201,7 @@
             </a:endParaRPr>
           </a:p>
           <a:p>
-            <a:pPr marL="432000" indent="-323280">
+            <a:pPr marL="432000" indent="-322920">
               <a:lnSpc>
                 <a:spcPct val="100000"/>
               </a:lnSpc>
@@ -6291,7 +6292,7 @@
         <p:spPr>
           <a:xfrm>
             <a:off x="720000" y="300960"/>
-            <a:ext cx="8854920" cy="1261800"/>
+            <a:ext cx="8854560" cy="1261440"/>
           </a:xfrm>
           <a:prstGeom prst="rect">
             <a:avLst/>
@@ -6339,7 +6340,7 @@
         <p:spPr>
           <a:xfrm>
             <a:off x="495720" y="1463040"/>
-            <a:ext cx="9087480" cy="5111640"/>
+            <a:ext cx="9087120" cy="5111280"/>
           </a:xfrm>
           <a:prstGeom prst="rect">
             <a:avLst/>
@@ -6410,7 +6411,7 @@
         <p:spPr>
           <a:xfrm>
             <a:off x="720000" y="300960"/>
-            <a:ext cx="8854920" cy="1261800"/>
+            <a:ext cx="8854560" cy="1261440"/>
           </a:xfrm>
           <a:prstGeom prst="rect">
             <a:avLst/>
@@ -6454,7 +6455,7 @@
         <p:spPr>
           <a:xfrm>
             <a:off x="720000" y="2160000"/>
-            <a:ext cx="8639280" cy="4384080"/>
+            <a:ext cx="8638920" cy="4383720"/>
           </a:xfrm>
           <a:prstGeom prst="rect">
             <a:avLst/>
@@ -6473,7 +6474,7 @@
         <p:txBody>
           <a:bodyPr lIns="0" rIns="0" tIns="0" bIns="0"/>
           <a:p>
-            <a:pPr marL="432000" indent="-323280">
+            <a:pPr marL="432000" indent="-322920">
               <a:lnSpc>
                 <a:spcPct val="100000"/>
               </a:lnSpc>
@@ -6502,7 +6503,7 @@
             </a:endParaRPr>
           </a:p>
           <a:p>
-            <a:pPr marL="432000" indent="-323280">
+            <a:pPr marL="432000" indent="-322920">
               <a:lnSpc>
                 <a:spcPct val="100000"/>
               </a:lnSpc>
@@ -6531,7 +6532,7 @@
             </a:endParaRPr>
           </a:p>
           <a:p>
-            <a:pPr marL="432000" indent="-323280">
+            <a:pPr marL="432000" indent="-322920">
               <a:lnSpc>
                 <a:spcPct val="100000"/>
               </a:lnSpc>
@@ -6560,7 +6561,7 @@
             </a:endParaRPr>
           </a:p>
           <a:p>
-            <a:pPr marL="432000" indent="-323280">
+            <a:pPr marL="432000" indent="-322920">
               <a:lnSpc>
                 <a:spcPct val="100000"/>
               </a:lnSpc>
@@ -6589,7 +6590,7 @@
             </a:endParaRPr>
           </a:p>
           <a:p>
-            <a:pPr marL="432000" indent="-323280">
+            <a:pPr marL="432000" indent="-322920">
               <a:lnSpc>
                 <a:spcPct val="100000"/>
               </a:lnSpc>
@@ -6680,7 +6681,7 @@
         <p:spPr>
           <a:xfrm>
             <a:off x="720000" y="300960"/>
-            <a:ext cx="8854920" cy="1261800"/>
+            <a:ext cx="8854560" cy="1261440"/>
           </a:xfrm>
           <a:prstGeom prst="rect">
             <a:avLst/>
@@ -6724,7 +6725,7 @@
         <p:spPr>
           <a:xfrm>
             <a:off x="720000" y="2160000"/>
-            <a:ext cx="8639280" cy="4384080"/>
+            <a:ext cx="8638920" cy="4383720"/>
           </a:xfrm>
           <a:prstGeom prst="rect">
             <a:avLst/>
@@ -6743,7 +6744,7 @@
         <p:txBody>
           <a:bodyPr lIns="0" rIns="0" tIns="0" bIns="0"/>
           <a:p>
-            <a:pPr marL="432000" indent="-323280">
+            <a:pPr marL="432000" indent="-322920">
               <a:lnSpc>
                 <a:spcPct val="100000"/>
               </a:lnSpc>
@@ -6784,7 +6785,7 @@
             </a:endParaRPr>
           </a:p>
           <a:p>
-            <a:pPr marL="432000" indent="-323280">
+            <a:pPr marL="432000" indent="-322920">
               <a:lnSpc>
                 <a:spcPct val="100000"/>
               </a:lnSpc>
@@ -6875,7 +6876,7 @@
         <p:spPr>
           <a:xfrm>
             <a:off x="720000" y="300960"/>
-            <a:ext cx="8854920" cy="1261800"/>
+            <a:ext cx="8854560" cy="1261440"/>
           </a:xfrm>
           <a:prstGeom prst="rect">
             <a:avLst/>
@@ -6919,7 +6920,7 @@
         <p:spPr>
           <a:xfrm>
             <a:off x="720000" y="2160000"/>
-            <a:ext cx="8639280" cy="4384080"/>
+            <a:ext cx="8638920" cy="4383720"/>
           </a:xfrm>
           <a:prstGeom prst="rect">
             <a:avLst/>
@@ -6938,7 +6939,7 @@
         <p:txBody>
           <a:bodyPr lIns="0" rIns="0" tIns="0" bIns="0"/>
           <a:p>
-            <a:pPr marL="432000" indent="-323280">
+            <a:pPr marL="432000" indent="-322920">
               <a:lnSpc>
                 <a:spcPct val="100000"/>
               </a:lnSpc>
@@ -6977,7 +6978,7 @@
             </a:endParaRPr>
           </a:p>
           <a:p>
-            <a:pPr marL="432000" indent="-323280">
+            <a:pPr marL="432000" indent="-322920">
               <a:lnSpc>
                 <a:spcPct val="100000"/>
               </a:lnSpc>
@@ -7016,7 +7017,7 @@
             </a:endParaRPr>
           </a:p>
           <a:p>
-            <a:pPr marL="432000" indent="-323280">
+            <a:pPr marL="432000" indent="-322920">
               <a:lnSpc>
                 <a:spcPct val="100000"/>
               </a:lnSpc>
@@ -7107,7 +7108,7 @@
         <p:spPr>
           <a:xfrm>
             <a:off x="720000" y="300960"/>
-            <a:ext cx="8854920" cy="1261800"/>
+            <a:ext cx="8854560" cy="1261440"/>
           </a:xfrm>
           <a:prstGeom prst="rect">
             <a:avLst/>
@@ -7151,7 +7152,7 @@
         <p:spPr>
           <a:xfrm>
             <a:off x="720000" y="2160000"/>
-            <a:ext cx="8639280" cy="4384080"/>
+            <a:ext cx="8638920" cy="4383720"/>
           </a:xfrm>
           <a:prstGeom prst="rect">
             <a:avLst/>
@@ -7210,7 +7211,7 @@
         <p:spPr>
           <a:xfrm>
             <a:off x="1719720" y="1563480"/>
-            <a:ext cx="6658920" cy="4980600"/>
+            <a:ext cx="6658560" cy="4980240"/>
           </a:xfrm>
           <a:prstGeom prst="rect">
             <a:avLst/>
@@ -7281,7 +7282,7 @@
         <p:spPr>
           <a:xfrm>
             <a:off x="720000" y="300960"/>
-            <a:ext cx="8854920" cy="1261800"/>
+            <a:ext cx="8854560" cy="1261440"/>
           </a:xfrm>
           <a:prstGeom prst="rect">
             <a:avLst/>
@@ -7325,7 +7326,7 @@
         <p:spPr>
           <a:xfrm>
             <a:off x="720000" y="2160000"/>
-            <a:ext cx="8639280" cy="4384080"/>
+            <a:ext cx="8638920" cy="4383720"/>
           </a:xfrm>
           <a:prstGeom prst="rect">
             <a:avLst/>
@@ -7344,7 +7345,7 @@
         <p:txBody>
           <a:bodyPr lIns="0" rIns="0" tIns="0" bIns="0"/>
           <a:p>
-            <a:pPr marL="432000" indent="-323280">
+            <a:pPr marL="432000" indent="-322920">
               <a:lnSpc>
                 <a:spcPct val="100000"/>
               </a:lnSpc>
@@ -7373,7 +7374,7 @@
             </a:endParaRPr>
           </a:p>
           <a:p>
-            <a:pPr marL="432000" indent="-323280">
+            <a:pPr marL="432000" indent="-322920">
               <a:lnSpc>
                 <a:spcPct val="100000"/>
               </a:lnSpc>
@@ -7402,7 +7403,7 @@
             </a:endParaRPr>
           </a:p>
           <a:p>
-            <a:pPr marL="432000" indent="-323280">
+            <a:pPr marL="432000" indent="-322920">
               <a:lnSpc>
                 <a:spcPct val="100000"/>
               </a:lnSpc>
@@ -7431,7 +7432,7 @@
             </a:endParaRPr>
           </a:p>
           <a:p>
-            <a:pPr marL="432000" indent="-323280">
+            <a:pPr marL="432000" indent="-322920">
               <a:lnSpc>
                 <a:spcPct val="100000"/>
               </a:lnSpc>
@@ -7460,7 +7461,7 @@
             </a:endParaRPr>
           </a:p>
           <a:p>
-            <a:pPr marL="432000" indent="-323280">
+            <a:pPr marL="432000" indent="-322920">
               <a:lnSpc>
                 <a:spcPct val="100000"/>
               </a:lnSpc>
@@ -7499,7 +7500,7 @@
             </a:endParaRPr>
           </a:p>
           <a:p>
-            <a:pPr marL="432000" indent="-323280">
+            <a:pPr marL="432000" indent="-322920">
               <a:lnSpc>
                 <a:spcPct val="100000"/>
               </a:lnSpc>
@@ -7528,7 +7529,7 @@
             </a:endParaRPr>
           </a:p>
           <a:p>
-            <a:pPr marL="432000" indent="-323280">
+            <a:pPr marL="432000" indent="-322920">
               <a:lnSpc>
                 <a:spcPct val="100000"/>
               </a:lnSpc>
@@ -7617,7 +7618,7 @@
             </a:endParaRPr>
           </a:p>
           <a:p>
-            <a:pPr marL="432000" indent="-323280">
+            <a:pPr marL="432000" indent="-322920">
               <a:lnSpc>
                 <a:spcPct val="100000"/>
               </a:lnSpc>
@@ -7706,7 +7707,7 @@
             </a:endParaRPr>
           </a:p>
           <a:p>
-            <a:pPr marL="432000" indent="-323280">
+            <a:pPr marL="432000" indent="-322920">
               <a:lnSpc>
                 <a:spcPct val="100000"/>
               </a:lnSpc>
@@ -7797,7 +7798,7 @@
         <p:spPr>
           <a:xfrm>
             <a:off x="720000" y="300960"/>
-            <a:ext cx="8854920" cy="1261800"/>
+            <a:ext cx="8854560" cy="1261440"/>
           </a:xfrm>
           <a:prstGeom prst="rect">
             <a:avLst/>
@@ -7841,7 +7842,7 @@
         <p:spPr>
           <a:xfrm>
             <a:off x="720000" y="2160000"/>
-            <a:ext cx="8639280" cy="4384080"/>
+            <a:ext cx="8638920" cy="4383720"/>
           </a:xfrm>
           <a:prstGeom prst="rect">
             <a:avLst/>
@@ -7860,7 +7861,7 @@
         <p:txBody>
           <a:bodyPr lIns="0" rIns="0" tIns="0" bIns="0"/>
           <a:p>
-            <a:pPr marL="432000" indent="-323280">
+            <a:pPr marL="432000" indent="-322920">
               <a:lnSpc>
                 <a:spcPct val="100000"/>
               </a:lnSpc>
@@ -7889,7 +7890,7 @@
             </a:endParaRPr>
           </a:p>
           <a:p>
-            <a:pPr marL="432000" indent="-323280">
+            <a:pPr marL="432000" indent="-322920">
               <a:lnSpc>
                 <a:spcPct val="100000"/>
               </a:lnSpc>
@@ -7918,7 +7919,7 @@
             </a:endParaRPr>
           </a:p>
           <a:p>
-            <a:pPr marL="432000" indent="-323280">
+            <a:pPr marL="432000" indent="-322920">
               <a:lnSpc>
                 <a:spcPct val="100000"/>
               </a:lnSpc>
@@ -7967,7 +7968,7 @@
             </a:endParaRPr>
           </a:p>
           <a:p>
-            <a:pPr marL="432000" indent="-323280">
+            <a:pPr marL="432000" indent="-322920">
               <a:lnSpc>
                 <a:spcPct val="100000"/>
               </a:lnSpc>
@@ -8006,7 +8007,7 @@
             </a:endParaRPr>
           </a:p>
           <a:p>
-            <a:pPr marL="432000" indent="-323280">
+            <a:pPr marL="432000" indent="-322920">
               <a:lnSpc>
                 <a:spcPct val="100000"/>
               </a:lnSpc>
@@ -8097,7 +8098,7 @@
         <p:spPr>
           <a:xfrm>
             <a:off x="720000" y="300960"/>
-            <a:ext cx="8854920" cy="1261800"/>
+            <a:ext cx="8854560" cy="1261440"/>
           </a:xfrm>
           <a:prstGeom prst="rect">
             <a:avLst/>
@@ -8141,7 +8142,7 @@
         <p:spPr>
           <a:xfrm>
             <a:off x="720000" y="2160000"/>
-            <a:ext cx="8639280" cy="4384080"/>
+            <a:ext cx="8638920" cy="4383720"/>
           </a:xfrm>
           <a:prstGeom prst="rect">
             <a:avLst/>
@@ -8171,7 +8172,7 @@
         <p:spPr>
           <a:xfrm>
             <a:off x="1114560" y="1311120"/>
-            <a:ext cx="7850520" cy="5232960"/>
+            <a:ext cx="7850160" cy="5232600"/>
           </a:xfrm>
           <a:prstGeom prst="rect">
             <a:avLst/>
@@ -8242,7 +8243,7 @@
         <p:spPr>
           <a:xfrm>
             <a:off x="720000" y="300960"/>
-            <a:ext cx="8854920" cy="1261800"/>
+            <a:ext cx="8854560" cy="1261440"/>
           </a:xfrm>
           <a:prstGeom prst="rect">
             <a:avLst/>
@@ -8286,7 +8287,7 @@
         <p:spPr>
           <a:xfrm>
             <a:off x="720000" y="2160000"/>
-            <a:ext cx="8639280" cy="4384080"/>
+            <a:ext cx="8638920" cy="4383720"/>
           </a:xfrm>
           <a:prstGeom prst="rect">
             <a:avLst/>
@@ -8316,7 +8317,7 @@
         <p:spPr>
           <a:xfrm>
             <a:off x="1091520" y="1280160"/>
-            <a:ext cx="7896600" cy="5263920"/>
+            <a:ext cx="7896240" cy="5263560"/>
           </a:xfrm>
           <a:prstGeom prst="rect">
             <a:avLst/>
@@ -8387,7 +8388,7 @@
         <p:spPr>
           <a:xfrm>
             <a:off x="720000" y="300960"/>
-            <a:ext cx="8854920" cy="1261800"/>
+            <a:ext cx="8854560" cy="1261440"/>
           </a:xfrm>
           <a:prstGeom prst="rect">
             <a:avLst/>
@@ -8431,7 +8432,7 @@
         <p:spPr>
           <a:xfrm>
             <a:off x="720000" y="2160000"/>
-            <a:ext cx="8639280" cy="4384080"/>
+            <a:ext cx="8638920" cy="4383720"/>
           </a:xfrm>
           <a:prstGeom prst="rect">
             <a:avLst/>
@@ -8461,7 +8462,7 @@
         <p:spPr>
           <a:xfrm>
             <a:off x="720000" y="3013920"/>
-            <a:ext cx="7023600" cy="3530160"/>
+            <a:ext cx="7023240" cy="3529800"/>
           </a:xfrm>
           <a:prstGeom prst="rect">
             <a:avLst/>
@@ -8484,7 +8485,7 @@
         <p:spPr>
           <a:xfrm>
             <a:off x="678600" y="2160000"/>
-            <a:ext cx="8722440" cy="4384080"/>
+            <a:ext cx="8722080" cy="4383720"/>
           </a:xfrm>
           <a:prstGeom prst="rect">
             <a:avLst/>
@@ -8555,7 +8556,7 @@
         <p:spPr>
           <a:xfrm>
             <a:off x="720000" y="300960"/>
-            <a:ext cx="8854920" cy="1261800"/>
+            <a:ext cx="8854560" cy="1261440"/>
           </a:xfrm>
           <a:prstGeom prst="rect">
             <a:avLst/>
@@ -8599,7 +8600,7 @@
         <p:spPr>
           <a:xfrm>
             <a:off x="720000" y="2160000"/>
-            <a:ext cx="8639280" cy="4384080"/>
+            <a:ext cx="8638920" cy="4383720"/>
           </a:xfrm>
           <a:prstGeom prst="rect">
             <a:avLst/>
